--- a/3. Design and Themes/Design and Theme.pptx
+++ b/3. Design and Themes/Design and Theme.pptx
@@ -4,12 +4,17 @@
   <p:sldMasterIdLst>
     <p:sldMasterId id="2147483648" r:id="rId1"/>
   </p:sldMasterIdLst>
+  <p:notesMasterIdLst>
+    <p:notesMasterId r:id="rId9"/>
+  </p:notesMasterIdLst>
   <p:sldIdLst>
     <p:sldId id="256" r:id="rId2"/>
-    <p:sldId id="257" r:id="rId3"/>
-    <p:sldId id="259" r:id="rId4"/>
-    <p:sldId id="260" r:id="rId5"/>
-    <p:sldId id="261" r:id="rId6"/>
+    <p:sldId id="262" r:id="rId3"/>
+    <p:sldId id="257" r:id="rId4"/>
+    <p:sldId id="259" r:id="rId5"/>
+    <p:sldId id="260" r:id="rId6"/>
+    <p:sldId id="261" r:id="rId7"/>
+    <p:sldId id="263" r:id="rId8"/>
   </p:sldIdLst>
   <p:sldSz cx="12192000" cy="6858000"/>
   <p:notesSz cx="6858000" cy="9144000"/>
@@ -114,6 +119,569 @@
     </p:ext>
   </p:extLst>
 </p:presentation>
+</file>
+
+<file path=ppt/commentAuthors.xml><?xml version="1.0" encoding="utf-8"?>
+<p:cmAuthorLst xmlns:a="http://schemas.openxmlformats.org/drawingml/2006/main" xmlns:r="http://schemas.openxmlformats.org/officeDocument/2006/relationships" xmlns:p="http://schemas.openxmlformats.org/presentationml/2006/main">
+  <p:cmAuthor id="1" name="UziApel" initials="U" lastIdx="2" clrIdx="0">
+    <p:extLst>
+      <p:ext uri="{19B8F6BF-5375-455C-9EA6-DF929625EA0E}">
+        <p15:presenceInfo xmlns:p15="http://schemas.microsoft.com/office/powerpoint/2012/main" userId="UziApel" providerId="None"/>
+      </p:ext>
+    </p:extLst>
+  </p:cmAuthor>
+</p:cmAuthorLst>
+</file>
+
+<file path=ppt/notesMasters/notesMaster1.xml><?xml version="1.0" encoding="utf-8"?>
+<p:notesMaster xmlns:a="http://schemas.openxmlformats.org/drawingml/2006/main" xmlns:r="http://schemas.openxmlformats.org/officeDocument/2006/relationships" xmlns:p="http://schemas.openxmlformats.org/presentationml/2006/main">
+  <p:cSld>
+    <p:bg>
+      <p:bgRef idx="1001">
+        <a:schemeClr val="bg1"/>
+      </p:bgRef>
+    </p:bg>
+    <p:spTree>
+      <p:nvGrpSpPr>
+        <p:cNvPr id="1" name=""/>
+        <p:cNvGrpSpPr/>
+        <p:nvPr/>
+      </p:nvGrpSpPr>
+      <p:grpSpPr>
+        <a:xfrm>
+          <a:off x="0" y="0"/>
+          <a:ext cx="0" cy="0"/>
+          <a:chOff x="0" y="0"/>
+          <a:chExt cx="0" cy="0"/>
+        </a:xfrm>
+      </p:grpSpPr>
+      <p:sp>
+        <p:nvSpPr>
+          <p:cNvPr id="2" name="Header Placeholder 1"/>
+          <p:cNvSpPr>
+            <a:spLocks noGrp="1"/>
+          </p:cNvSpPr>
+          <p:nvPr>
+            <p:ph type="hdr" sz="quarter"/>
+          </p:nvPr>
+        </p:nvSpPr>
+        <p:spPr>
+          <a:xfrm>
+            <a:off x="0" y="0"/>
+            <a:ext cx="2971800" cy="458788"/>
+          </a:xfrm>
+          <a:prstGeom prst="rect">
+            <a:avLst/>
+          </a:prstGeom>
+        </p:spPr>
+        <p:txBody>
+          <a:bodyPr vert="horz" lIns="91440" tIns="45720" rIns="91440" bIns="45720" rtlCol="0"/>
+          <a:lstStyle>
+            <a:lvl1pPr algn="l">
+              <a:defRPr sz="1200"/>
+            </a:lvl1pPr>
+          </a:lstStyle>
+          <a:p>
+            <a:endParaRPr lang="en-US"/>
+          </a:p>
+        </p:txBody>
+      </p:sp>
+      <p:sp>
+        <p:nvSpPr>
+          <p:cNvPr id="3" name="Date Placeholder 2"/>
+          <p:cNvSpPr>
+            <a:spLocks noGrp="1"/>
+          </p:cNvSpPr>
+          <p:nvPr>
+            <p:ph type="dt" idx="1"/>
+          </p:nvPr>
+        </p:nvSpPr>
+        <p:spPr>
+          <a:xfrm>
+            <a:off x="3884613" y="0"/>
+            <a:ext cx="2971800" cy="458788"/>
+          </a:xfrm>
+          <a:prstGeom prst="rect">
+            <a:avLst/>
+          </a:prstGeom>
+        </p:spPr>
+        <p:txBody>
+          <a:bodyPr vert="horz" lIns="91440" tIns="45720" rIns="91440" bIns="45720" rtlCol="0"/>
+          <a:lstStyle>
+            <a:lvl1pPr algn="r">
+              <a:defRPr sz="1200"/>
+            </a:lvl1pPr>
+          </a:lstStyle>
+          <a:p>
+            <a:fld id="{D7D957CA-CF98-8043-9603-CE55C9AA4EB4}" type="datetimeFigureOut">
+              <a:rPr lang="en-US" smtClean="0"/>
+              <a:t>11/13/18</a:t>
+            </a:fld>
+            <a:endParaRPr lang="en-US"/>
+          </a:p>
+        </p:txBody>
+      </p:sp>
+      <p:sp>
+        <p:nvSpPr>
+          <p:cNvPr id="4" name="Slide Image Placeholder 3"/>
+          <p:cNvSpPr>
+            <a:spLocks noGrp="1" noRot="1" noChangeAspect="1"/>
+          </p:cNvSpPr>
+          <p:nvPr>
+            <p:ph type="sldImg" idx="2"/>
+          </p:nvPr>
+        </p:nvSpPr>
+        <p:spPr>
+          <a:xfrm>
+            <a:off x="685800" y="1143000"/>
+            <a:ext cx="5486400" cy="3086100"/>
+          </a:xfrm>
+          <a:prstGeom prst="rect">
+            <a:avLst/>
+          </a:prstGeom>
+          <a:noFill/>
+          <a:ln w="12700">
+            <a:solidFill>
+              <a:prstClr val="black"/>
+            </a:solidFill>
+          </a:ln>
+        </p:spPr>
+        <p:txBody>
+          <a:bodyPr vert="horz" lIns="91440" tIns="45720" rIns="91440" bIns="45720" rtlCol="0" anchor="ctr"/>
+          <a:lstStyle/>
+          <a:p>
+            <a:endParaRPr lang="en-US"/>
+          </a:p>
+        </p:txBody>
+      </p:sp>
+      <p:sp>
+        <p:nvSpPr>
+          <p:cNvPr id="5" name="Notes Placeholder 4"/>
+          <p:cNvSpPr>
+            <a:spLocks noGrp="1"/>
+          </p:cNvSpPr>
+          <p:nvPr>
+            <p:ph type="body" sz="quarter" idx="3"/>
+          </p:nvPr>
+        </p:nvSpPr>
+        <p:spPr>
+          <a:xfrm>
+            <a:off x="685800" y="4400550"/>
+            <a:ext cx="5486400" cy="3600450"/>
+          </a:xfrm>
+          <a:prstGeom prst="rect">
+            <a:avLst/>
+          </a:prstGeom>
+        </p:spPr>
+        <p:txBody>
+          <a:bodyPr vert="horz" lIns="91440" tIns="45720" rIns="91440" bIns="45720" rtlCol="0"/>
+          <a:lstStyle/>
+          <a:p>
+            <a:pPr lvl="0"/>
+            <a:r>
+              <a:rPr lang="en-US"/>
+              <a:t>Edit Master text styles</a:t>
+            </a:r>
+          </a:p>
+          <a:p>
+            <a:pPr lvl="1"/>
+            <a:r>
+              <a:rPr lang="en-US"/>
+              <a:t>Second level</a:t>
+            </a:r>
+          </a:p>
+          <a:p>
+            <a:pPr lvl="2"/>
+            <a:r>
+              <a:rPr lang="en-US"/>
+              <a:t>Third level</a:t>
+            </a:r>
+          </a:p>
+          <a:p>
+            <a:pPr lvl="3"/>
+            <a:r>
+              <a:rPr lang="en-US"/>
+              <a:t>Fourth level</a:t>
+            </a:r>
+          </a:p>
+          <a:p>
+            <a:pPr lvl="4"/>
+            <a:r>
+              <a:rPr lang="en-US"/>
+              <a:t>Fifth level</a:t>
+            </a:r>
+          </a:p>
+        </p:txBody>
+      </p:sp>
+      <p:sp>
+        <p:nvSpPr>
+          <p:cNvPr id="6" name="Footer Placeholder 5"/>
+          <p:cNvSpPr>
+            <a:spLocks noGrp="1"/>
+          </p:cNvSpPr>
+          <p:nvPr>
+            <p:ph type="ftr" sz="quarter" idx="4"/>
+          </p:nvPr>
+        </p:nvSpPr>
+        <p:spPr>
+          <a:xfrm>
+            <a:off x="0" y="8685213"/>
+            <a:ext cx="2971800" cy="458787"/>
+          </a:xfrm>
+          <a:prstGeom prst="rect">
+            <a:avLst/>
+          </a:prstGeom>
+        </p:spPr>
+        <p:txBody>
+          <a:bodyPr vert="horz" lIns="91440" tIns="45720" rIns="91440" bIns="45720" rtlCol="0" anchor="b"/>
+          <a:lstStyle>
+            <a:lvl1pPr algn="l">
+              <a:defRPr sz="1200"/>
+            </a:lvl1pPr>
+          </a:lstStyle>
+          <a:p>
+            <a:endParaRPr lang="en-US"/>
+          </a:p>
+        </p:txBody>
+      </p:sp>
+      <p:sp>
+        <p:nvSpPr>
+          <p:cNvPr id="7" name="Slide Number Placeholder 6"/>
+          <p:cNvSpPr>
+            <a:spLocks noGrp="1"/>
+          </p:cNvSpPr>
+          <p:nvPr>
+            <p:ph type="sldNum" sz="quarter" idx="5"/>
+          </p:nvPr>
+        </p:nvSpPr>
+        <p:spPr>
+          <a:xfrm>
+            <a:off x="3884613" y="8685213"/>
+            <a:ext cx="2971800" cy="458787"/>
+          </a:xfrm>
+          <a:prstGeom prst="rect">
+            <a:avLst/>
+          </a:prstGeom>
+        </p:spPr>
+        <p:txBody>
+          <a:bodyPr vert="horz" lIns="91440" tIns="45720" rIns="91440" bIns="45720" rtlCol="0" anchor="b"/>
+          <a:lstStyle>
+            <a:lvl1pPr algn="r">
+              <a:defRPr sz="1200"/>
+            </a:lvl1pPr>
+          </a:lstStyle>
+          <a:p>
+            <a:fld id="{FBFDB2CD-4BE4-A34F-8525-4BCDFACD1891}" type="slidenum">
+              <a:rPr lang="en-US" smtClean="0"/>
+              <a:t>‹#›</a:t>
+            </a:fld>
+            <a:endParaRPr lang="en-US"/>
+          </a:p>
+        </p:txBody>
+      </p:sp>
+    </p:spTree>
+    <p:extLst>
+      <p:ext uri="{BB962C8B-B14F-4D97-AF65-F5344CB8AC3E}">
+        <p14:creationId xmlns:p14="http://schemas.microsoft.com/office/powerpoint/2010/main" val="280325971"/>
+      </p:ext>
+    </p:extLst>
+  </p:cSld>
+  <p:clrMap bg1="lt1" tx1="dk1" bg2="lt2" tx2="dk2" accent1="accent1" accent2="accent2" accent3="accent3" accent4="accent4" accent5="accent5" accent6="accent6" hlink="hlink" folHlink="folHlink"/>
+  <p:notesStyle>
+    <a:lvl1pPr marL="0" algn="l" defTabSz="914400" rtl="0" eaLnBrk="1" latinLnBrk="0" hangingPunct="1">
+      <a:defRPr sz="1200" kern="1200">
+        <a:solidFill>
+          <a:schemeClr val="tx1"/>
+        </a:solidFill>
+        <a:latin typeface="+mn-lt"/>
+        <a:ea typeface="+mn-ea"/>
+        <a:cs typeface="+mn-cs"/>
+      </a:defRPr>
+    </a:lvl1pPr>
+    <a:lvl2pPr marL="457200" algn="l" defTabSz="914400" rtl="0" eaLnBrk="1" latinLnBrk="0" hangingPunct="1">
+      <a:defRPr sz="1200" kern="1200">
+        <a:solidFill>
+          <a:schemeClr val="tx1"/>
+        </a:solidFill>
+        <a:latin typeface="+mn-lt"/>
+        <a:ea typeface="+mn-ea"/>
+        <a:cs typeface="+mn-cs"/>
+      </a:defRPr>
+    </a:lvl2pPr>
+    <a:lvl3pPr marL="914400" algn="l" defTabSz="914400" rtl="0" eaLnBrk="1" latinLnBrk="0" hangingPunct="1">
+      <a:defRPr sz="1200" kern="1200">
+        <a:solidFill>
+          <a:schemeClr val="tx1"/>
+        </a:solidFill>
+        <a:latin typeface="+mn-lt"/>
+        <a:ea typeface="+mn-ea"/>
+        <a:cs typeface="+mn-cs"/>
+      </a:defRPr>
+    </a:lvl3pPr>
+    <a:lvl4pPr marL="1371600" algn="l" defTabSz="914400" rtl="0" eaLnBrk="1" latinLnBrk="0" hangingPunct="1">
+      <a:defRPr sz="1200" kern="1200">
+        <a:solidFill>
+          <a:schemeClr val="tx1"/>
+        </a:solidFill>
+        <a:latin typeface="+mn-lt"/>
+        <a:ea typeface="+mn-ea"/>
+        <a:cs typeface="+mn-cs"/>
+      </a:defRPr>
+    </a:lvl4pPr>
+    <a:lvl5pPr marL="1828800" algn="l" defTabSz="914400" rtl="0" eaLnBrk="1" latinLnBrk="0" hangingPunct="1">
+      <a:defRPr sz="1200" kern="1200">
+        <a:solidFill>
+          <a:schemeClr val="tx1"/>
+        </a:solidFill>
+        <a:latin typeface="+mn-lt"/>
+        <a:ea typeface="+mn-ea"/>
+        <a:cs typeface="+mn-cs"/>
+      </a:defRPr>
+    </a:lvl5pPr>
+    <a:lvl6pPr marL="2286000" algn="l" defTabSz="914400" rtl="0" eaLnBrk="1" latinLnBrk="0" hangingPunct="1">
+      <a:defRPr sz="1200" kern="1200">
+        <a:solidFill>
+          <a:schemeClr val="tx1"/>
+        </a:solidFill>
+        <a:latin typeface="+mn-lt"/>
+        <a:ea typeface="+mn-ea"/>
+        <a:cs typeface="+mn-cs"/>
+      </a:defRPr>
+    </a:lvl6pPr>
+    <a:lvl7pPr marL="2743200" algn="l" defTabSz="914400" rtl="0" eaLnBrk="1" latinLnBrk="0" hangingPunct="1">
+      <a:defRPr sz="1200" kern="1200">
+        <a:solidFill>
+          <a:schemeClr val="tx1"/>
+        </a:solidFill>
+        <a:latin typeface="+mn-lt"/>
+        <a:ea typeface="+mn-ea"/>
+        <a:cs typeface="+mn-cs"/>
+      </a:defRPr>
+    </a:lvl7pPr>
+    <a:lvl8pPr marL="3200400" algn="l" defTabSz="914400" rtl="0" eaLnBrk="1" latinLnBrk="0" hangingPunct="1">
+      <a:defRPr sz="1200" kern="1200">
+        <a:solidFill>
+          <a:schemeClr val="tx1"/>
+        </a:solidFill>
+        <a:latin typeface="+mn-lt"/>
+        <a:ea typeface="+mn-ea"/>
+        <a:cs typeface="+mn-cs"/>
+      </a:defRPr>
+    </a:lvl8pPr>
+    <a:lvl9pPr marL="3657600" algn="l" defTabSz="914400" rtl="0" eaLnBrk="1" latinLnBrk="0" hangingPunct="1">
+      <a:defRPr sz="1200" kern="1200">
+        <a:solidFill>
+          <a:schemeClr val="tx1"/>
+        </a:solidFill>
+        <a:latin typeface="+mn-lt"/>
+        <a:ea typeface="+mn-ea"/>
+        <a:cs typeface="+mn-cs"/>
+      </a:defRPr>
+    </a:lvl9pPr>
+  </p:notesStyle>
+</p:notesMaster>
+</file>
+
+<file path=ppt/notesSlides/notesSlide1.xml><?xml version="1.0" encoding="utf-8"?>
+<p:notes xmlns:a="http://schemas.openxmlformats.org/drawingml/2006/main" xmlns:r="http://schemas.openxmlformats.org/officeDocument/2006/relationships" xmlns:p="http://schemas.openxmlformats.org/presentationml/2006/main">
+  <p:cSld>
+    <p:spTree>
+      <p:nvGrpSpPr>
+        <p:cNvPr id="1" name=""/>
+        <p:cNvGrpSpPr/>
+        <p:nvPr/>
+      </p:nvGrpSpPr>
+      <p:grpSpPr>
+        <a:xfrm>
+          <a:off x="0" y="0"/>
+          <a:ext cx="0" cy="0"/>
+          <a:chOff x="0" y="0"/>
+          <a:chExt cx="0" cy="0"/>
+        </a:xfrm>
+      </p:grpSpPr>
+      <p:sp>
+        <p:nvSpPr>
+          <p:cNvPr id="2" name="Slide Image Placeholder 1"/>
+          <p:cNvSpPr>
+            <a:spLocks noGrp="1" noRot="1" noChangeAspect="1"/>
+          </p:cNvSpPr>
+          <p:nvPr>
+            <p:ph type="sldImg"/>
+          </p:nvPr>
+        </p:nvSpPr>
+        <p:spPr/>
+      </p:sp>
+      <p:sp>
+        <p:nvSpPr>
+          <p:cNvPr id="3" name="Notes Placeholder 2"/>
+          <p:cNvSpPr>
+            <a:spLocks noGrp="1"/>
+          </p:cNvSpPr>
+          <p:nvPr>
+            <p:ph type="body" idx="1"/>
+          </p:nvPr>
+        </p:nvSpPr>
+        <p:spPr/>
+        <p:txBody>
+          <a:bodyPr/>
+          <a:lstStyle/>
+          <a:p>
+            <a:pPr algn="ctr"/>
+            <a:r>
+              <a:rPr lang="en-ID" sz="1200" dirty="0">
+                <a:latin typeface="Helvetica Neue" panose="02000503000000020004" pitchFamily="2" charset="0"/>
+                <a:ea typeface="Helvetica Neue" panose="02000503000000020004" pitchFamily="2" charset="0"/>
+                <a:cs typeface="Helvetica Neue" panose="02000503000000020004" pitchFamily="2" charset="0"/>
+              </a:rPr>
+              <a:t>If we want more control, we can combine the </a:t>
+            </a:r>
+            <a:r>
+              <a:rPr lang="en-ID" sz="1200" dirty="0" err="1">
+                <a:latin typeface="Helvetica Neue" panose="02000503000000020004" pitchFamily="2" charset="0"/>
+                <a:ea typeface="Helvetica Neue" panose="02000503000000020004" pitchFamily="2" charset="0"/>
+                <a:cs typeface="Helvetica Neue" panose="02000503000000020004" pitchFamily="2" charset="0"/>
+              </a:rPr>
+              <a:t>colors</a:t>
+            </a:r>
+            <a:r>
+              <a:rPr lang="en-ID" sz="1200" dirty="0">
+                <a:latin typeface="Helvetica Neue" panose="02000503000000020004" pitchFamily="2" charset="0"/>
+                <a:ea typeface="Helvetica Neue" panose="02000503000000020004" pitchFamily="2" charset="0"/>
+                <a:cs typeface="Helvetica Neue" panose="02000503000000020004" pitchFamily="2" charset="0"/>
+              </a:rPr>
+              <a:t> further </a:t>
+            </a:r>
+          </a:p>
+          <a:p>
+            <a:pPr algn="ctr"/>
+            <a:r>
+              <a:rPr lang="en-ID" sz="1200" dirty="0">
+                <a:latin typeface="Helvetica Neue" panose="02000503000000020004" pitchFamily="2" charset="0"/>
+                <a:ea typeface="Helvetica Neue" panose="02000503000000020004" pitchFamily="2" charset="0"/>
+                <a:cs typeface="Helvetica Neue" panose="02000503000000020004" pitchFamily="2" charset="0"/>
+              </a:rPr>
+              <a:t>by setting the base </a:t>
+            </a:r>
+            <a:r>
+              <a:rPr lang="en-ID" sz="1200" dirty="0" err="1">
+                <a:latin typeface="Helvetica Neue" panose="02000503000000020004" pitchFamily="2" charset="0"/>
+                <a:ea typeface="Helvetica Neue" panose="02000503000000020004" pitchFamily="2" charset="0"/>
+                <a:cs typeface="Helvetica Neue" panose="02000503000000020004" pitchFamily="2" charset="0"/>
+              </a:rPr>
+              <a:t>color</a:t>
+            </a:r>
+            <a:r>
+              <a:rPr lang="en-ID" sz="1200" dirty="0">
+                <a:latin typeface="Helvetica Neue" panose="02000503000000020004" pitchFamily="2" charset="0"/>
+                <a:ea typeface="Helvetica Neue" panose="02000503000000020004" pitchFamily="2" charset="0"/>
+                <a:cs typeface="Helvetica Neue" panose="02000503000000020004" pitchFamily="2" charset="0"/>
+              </a:rPr>
+              <a:t> and its contrast </a:t>
+            </a:r>
+            <a:r>
+              <a:rPr lang="en-ID" sz="1200" dirty="0" err="1">
+                <a:latin typeface="Helvetica Neue" panose="02000503000000020004" pitchFamily="2" charset="0"/>
+                <a:ea typeface="Helvetica Neue" panose="02000503000000020004" pitchFamily="2" charset="0"/>
+                <a:cs typeface="Helvetica Neue" panose="02000503000000020004" pitchFamily="2" charset="0"/>
+              </a:rPr>
+              <a:t>color</a:t>
+            </a:r>
+            <a:r>
+              <a:rPr lang="en-ID" sz="1200" dirty="0">
+                <a:latin typeface="Helvetica Neue" panose="02000503000000020004" pitchFamily="2" charset="0"/>
+                <a:ea typeface="Helvetica Neue" panose="02000503000000020004" pitchFamily="2" charset="0"/>
+                <a:cs typeface="Helvetica Neue" panose="02000503000000020004" pitchFamily="2" charset="0"/>
+              </a:rPr>
+              <a:t>.</a:t>
+            </a:r>
+          </a:p>
+          <a:p>
+            <a:pPr algn="ctr"/>
+            <a:r>
+              <a:rPr lang="en-ID" sz="1200" dirty="0">
+                <a:latin typeface="Helvetica Neue" panose="02000503000000020004" pitchFamily="2" charset="0"/>
+                <a:ea typeface="Helvetica Neue" panose="02000503000000020004" pitchFamily="2" charset="0"/>
+                <a:cs typeface="Helvetica Neue" panose="02000503000000020004" pitchFamily="2" charset="0"/>
+              </a:rPr>
+              <a:t> We can see the result of the contrast </a:t>
+            </a:r>
+            <a:r>
+              <a:rPr lang="en-ID" sz="1200" dirty="0" err="1">
+                <a:latin typeface="Helvetica Neue" panose="02000503000000020004" pitchFamily="2" charset="0"/>
+                <a:ea typeface="Helvetica Neue" panose="02000503000000020004" pitchFamily="2" charset="0"/>
+                <a:cs typeface="Helvetica Neue" panose="02000503000000020004" pitchFamily="2" charset="0"/>
+              </a:rPr>
+              <a:t>color</a:t>
+            </a:r>
+            <a:r>
+              <a:rPr lang="en-ID" sz="1200" dirty="0">
+                <a:latin typeface="Helvetica Neue" panose="02000503000000020004" pitchFamily="2" charset="0"/>
+                <a:ea typeface="Helvetica Neue" panose="02000503000000020004" pitchFamily="2" charset="0"/>
+                <a:cs typeface="Helvetica Neue" panose="02000503000000020004" pitchFamily="2" charset="0"/>
+              </a:rPr>
+              <a:t> in how the text is </a:t>
+            </a:r>
+            <a:r>
+              <a:rPr lang="en-ID" sz="1200" dirty="0" err="1">
+                <a:latin typeface="Helvetica Neue" panose="02000503000000020004" pitchFamily="2" charset="0"/>
+                <a:ea typeface="Helvetica Neue" panose="02000503000000020004" pitchFamily="2" charset="0"/>
+                <a:cs typeface="Helvetica Neue" panose="02000503000000020004" pitchFamily="2" charset="0"/>
+              </a:rPr>
+              <a:t>colored</a:t>
+            </a:r>
+            <a:r>
+              <a:rPr lang="en-ID" sz="1200" dirty="0">
+                <a:latin typeface="Helvetica Neue" panose="02000503000000020004" pitchFamily="2" charset="0"/>
+                <a:ea typeface="Helvetica Neue" panose="02000503000000020004" pitchFamily="2" charset="0"/>
+                <a:cs typeface="Helvetica Neue" panose="02000503000000020004" pitchFamily="2" charset="0"/>
+              </a:rPr>
+              <a:t> in each button.</a:t>
+            </a:r>
+            <a:endParaRPr lang="en-US" sz="1200" dirty="0">
+              <a:latin typeface="Helvetica Neue" panose="02000503000000020004" pitchFamily="2" charset="0"/>
+              <a:ea typeface="Helvetica Neue" panose="02000503000000020004" pitchFamily="2" charset="0"/>
+              <a:cs typeface="Helvetica Neue" panose="02000503000000020004" pitchFamily="2" charset="0"/>
+            </a:endParaRPr>
+          </a:p>
+          <a:p>
+            <a:endParaRPr lang="en-US" dirty="0"/>
+          </a:p>
+        </p:txBody>
+      </p:sp>
+      <p:sp>
+        <p:nvSpPr>
+          <p:cNvPr id="4" name="Slide Number Placeholder 3"/>
+          <p:cNvSpPr>
+            <a:spLocks noGrp="1"/>
+          </p:cNvSpPr>
+          <p:nvPr>
+            <p:ph type="sldNum" sz="quarter" idx="10"/>
+          </p:nvPr>
+        </p:nvSpPr>
+        <p:spPr/>
+        <p:txBody>
+          <a:bodyPr/>
+          <a:lstStyle/>
+          <a:p>
+            <a:fld id="{FBFDB2CD-4BE4-A34F-8525-4BCDFACD1891}" type="slidenum">
+              <a:rPr lang="en-US" smtClean="0"/>
+              <a:t>7</a:t>
+            </a:fld>
+            <a:endParaRPr lang="en-US"/>
+          </a:p>
+        </p:txBody>
+      </p:sp>
+    </p:spTree>
+    <p:extLst>
+      <p:ext uri="{BB962C8B-B14F-4D97-AF65-F5344CB8AC3E}">
+        <p14:creationId xmlns:p14="http://schemas.microsoft.com/office/powerpoint/2010/main" val="302075242"/>
+      </p:ext>
+    </p:extLst>
+  </p:cSld>
+  <p:clrMapOvr>
+    <a:masterClrMapping/>
+  </p:clrMapOvr>
+</p:notes>
 </file>
 
 <file path=ppt/slideLayouts/slideLayout1.xml><?xml version="1.0" encoding="utf-8"?>
@@ -3357,7 +3925,7 @@
                 <a:ea typeface="Helvetica Neue Light" panose="02000403000000020004" pitchFamily="2" charset="0"/>
                 <a:cs typeface="Helvetica Neue" panose="02000503000000020004" pitchFamily="2" charset="0"/>
               </a:rPr>
-              <a:t>Design and Theme</a:t>
+              <a:t>Style and Theme Ionic Application</a:t>
             </a:r>
           </a:p>
         </p:txBody>
@@ -3649,6 +4217,122 @@
           <p:cNvPr id="2" name="Title 1">
             <a:extLst>
               <a:ext uri="{FF2B5EF4-FFF2-40B4-BE49-F238E27FC236}">
+                <a16:creationId xmlns:a16="http://schemas.microsoft.com/office/drawing/2014/main" id="{5D09FF29-C8E0-5B43-9DB4-876C438F4C13}"/>
+              </a:ext>
+            </a:extLst>
+          </p:cNvPr>
+          <p:cNvSpPr>
+            <a:spLocks noGrp="1"/>
+          </p:cNvSpPr>
+          <p:nvPr>
+            <p:ph type="title"/>
+          </p:nvPr>
+        </p:nvSpPr>
+        <p:spPr/>
+        <p:txBody>
+          <a:bodyPr/>
+          <a:lstStyle/>
+          <a:p>
+            <a:r>
+              <a:rPr lang="en-US" dirty="0"/>
+              <a:t>Introduction </a:t>
+            </a:r>
+          </a:p>
+        </p:txBody>
+      </p:sp>
+      <p:sp>
+        <p:nvSpPr>
+          <p:cNvPr id="3" name="Content Placeholder 2">
+            <a:extLst>
+              <a:ext uri="{FF2B5EF4-FFF2-40B4-BE49-F238E27FC236}">
+                <a16:creationId xmlns:a16="http://schemas.microsoft.com/office/drawing/2014/main" id="{E4D82A21-998C-B944-8459-2D197F8C1C9D}"/>
+              </a:ext>
+            </a:extLst>
+          </p:cNvPr>
+          <p:cNvSpPr>
+            <a:spLocks noGrp="1"/>
+          </p:cNvSpPr>
+          <p:nvPr>
+            <p:ph idx="1"/>
+          </p:nvPr>
+        </p:nvSpPr>
+        <p:spPr/>
+        <p:txBody>
+          <a:bodyPr/>
+          <a:lstStyle/>
+          <a:p>
+            <a:r>
+              <a:rPr lang="en-US" dirty="0"/>
+              <a:t>Setting global Sass variables</a:t>
+            </a:r>
+          </a:p>
+          <a:p>
+            <a:r>
+              <a:rPr lang="en-US" dirty="0"/>
+              <a:t>Defining style configuration properties</a:t>
+            </a:r>
+          </a:p>
+          <a:p>
+            <a:r>
+              <a:rPr lang="en-US" dirty="0"/>
+              <a:t>Setting specific styles</a:t>
+            </a:r>
+          </a:p>
+          <a:p>
+            <a:r>
+              <a:rPr lang="en-US" dirty="0"/>
+              <a:t>The foundation to build your customized application.</a:t>
+            </a:r>
+          </a:p>
+          <a:p>
+            <a:r>
+              <a:rPr lang="en-US" dirty="0"/>
+              <a:t>How to use the built in CSS utilities to assist with many of he common layout needs</a:t>
+            </a:r>
+          </a:p>
+          <a:p>
+            <a:pPr marL="0" indent="0">
+              <a:buNone/>
+            </a:pPr>
+            <a:endParaRPr lang="en-US" dirty="0"/>
+          </a:p>
+        </p:txBody>
+      </p:sp>
+    </p:spTree>
+    <p:extLst>
+      <p:ext uri="{BB962C8B-B14F-4D97-AF65-F5344CB8AC3E}">
+        <p14:creationId xmlns:p14="http://schemas.microsoft.com/office/powerpoint/2010/main" val="636320602"/>
+      </p:ext>
+    </p:extLst>
+  </p:cSld>
+  <p:clrMapOvr>
+    <a:masterClrMapping/>
+  </p:clrMapOvr>
+</p:sld>
+</file>
+
+<file path=ppt/slides/slide3.xml><?xml version="1.0" encoding="utf-8"?>
+<p:sld xmlns:a="http://schemas.openxmlformats.org/drawingml/2006/main" xmlns:r="http://schemas.openxmlformats.org/officeDocument/2006/relationships" xmlns:p="http://schemas.openxmlformats.org/presentationml/2006/main">
+  <p:cSld>
+    <p:spTree>
+      <p:nvGrpSpPr>
+        <p:cNvPr id="1" name=""/>
+        <p:cNvGrpSpPr/>
+        <p:nvPr/>
+      </p:nvGrpSpPr>
+      <p:grpSpPr>
+        <a:xfrm>
+          <a:off x="0" y="0"/>
+          <a:ext cx="0" cy="0"/>
+          <a:chOff x="0" y="0"/>
+          <a:chExt cx="0" cy="0"/>
+        </a:xfrm>
+      </p:grpSpPr>
+      <p:sp>
+        <p:nvSpPr>
+          <p:cNvPr id="2" name="Title 1">
+            <a:extLst>
+              <a:ext uri="{FF2B5EF4-FFF2-40B4-BE49-F238E27FC236}">
                 <a16:creationId xmlns:a16="http://schemas.microsoft.com/office/drawing/2014/main" id="{F8D9D734-5D67-AF4C-AB80-99D18AFC433A}"/>
               </a:ext>
             </a:extLst>
@@ -3665,19 +4349,12 @@
           <a:bodyPr/>
           <a:lstStyle/>
           <a:p>
-            <a:r>
-              <a:rPr lang="en-US">
-                <a:latin typeface="Helvetica Neue Light" panose="02000403000000020004" pitchFamily="2" charset="0"/>
-                <a:ea typeface="Helvetica Neue Light" panose="02000403000000020004" pitchFamily="2" charset="0"/>
-              </a:rPr>
-              <a:t>Introduction ionic </a:t>
-            </a:r>
             <a:r>
               <a:rPr lang="en-US" dirty="0">
                 <a:latin typeface="Helvetica Neue Light" panose="02000403000000020004" pitchFamily="2" charset="0"/>
                 <a:ea typeface="Helvetica Neue Light" panose="02000403000000020004" pitchFamily="2" charset="0"/>
               </a:rPr>
-              <a:t>lab</a:t>
+              <a:t>Introduction ionic lab</a:t>
             </a:r>
           </a:p>
         </p:txBody>
@@ -3725,261 +4402,6 @@
 </p:sld>
 </file>
 
-<file path=ppt/slides/slide3.xml><?xml version="1.0" encoding="utf-8"?>
-<p:sld xmlns:a="http://schemas.openxmlformats.org/drawingml/2006/main" xmlns:r="http://schemas.openxmlformats.org/officeDocument/2006/relationships" xmlns:p="http://schemas.openxmlformats.org/presentationml/2006/main">
-  <p:cSld>
-    <p:spTree>
-      <p:nvGrpSpPr>
-        <p:cNvPr id="1" name=""/>
-        <p:cNvGrpSpPr/>
-        <p:nvPr/>
-      </p:nvGrpSpPr>
-      <p:grpSpPr>
-        <a:xfrm>
-          <a:off x="0" y="0"/>
-          <a:ext cx="0" cy="0"/>
-          <a:chOff x="0" y="0"/>
-          <a:chExt cx="0" cy="0"/>
-        </a:xfrm>
-      </p:grpSpPr>
-      <p:sp>
-        <p:nvSpPr>
-          <p:cNvPr id="2" name="Title 1">
-            <a:extLst>
-              <a:ext uri="{FF2B5EF4-FFF2-40B4-BE49-F238E27FC236}">
-                <a16:creationId xmlns:a16="http://schemas.microsoft.com/office/drawing/2014/main" id="{F8D9D734-5D67-AF4C-AB80-99D18AFC433A}"/>
-              </a:ext>
-            </a:extLst>
-          </p:cNvPr>
-          <p:cNvSpPr>
-            <a:spLocks noGrp="1"/>
-          </p:cNvSpPr>
-          <p:nvPr>
-            <p:ph type="title"/>
-          </p:nvPr>
-        </p:nvSpPr>
-        <p:spPr/>
-        <p:txBody>
-          <a:bodyPr/>
-          <a:lstStyle/>
-          <a:p>
-            <a:r>
-              <a:rPr lang="en-US" dirty="0">
-                <a:latin typeface="Helvetica Neue Light" panose="02000403000000020004" pitchFamily="2" charset="0"/>
-                <a:ea typeface="Helvetica Neue Light" panose="02000403000000020004" pitchFamily="2" charset="0"/>
-              </a:rPr>
-              <a:t>Setup </a:t>
-            </a:r>
-          </a:p>
-        </p:txBody>
-      </p:sp>
-      <p:sp>
-        <p:nvSpPr>
-          <p:cNvPr id="6" name="Content Placeholder 5">
-            <a:extLst>
-              <a:ext uri="{FF2B5EF4-FFF2-40B4-BE49-F238E27FC236}">
-                <a16:creationId xmlns:a16="http://schemas.microsoft.com/office/drawing/2014/main" id="{9677F3C6-D671-3B4C-B3DC-1474AC5E3029}"/>
-              </a:ext>
-            </a:extLst>
-          </p:cNvPr>
-          <p:cNvSpPr>
-            <a:spLocks noGrp="1"/>
-          </p:cNvSpPr>
-          <p:nvPr>
-            <p:ph idx="1"/>
-          </p:nvPr>
-        </p:nvSpPr>
-        <p:spPr/>
-        <p:txBody>
-          <a:bodyPr>
-            <a:normAutofit/>
-          </a:bodyPr>
-          <a:lstStyle/>
-          <a:p>
-            <a:r>
-              <a:rPr lang="en-US" dirty="0">
-                <a:latin typeface="Helvetica" pitchFamily="2" charset="0"/>
-              </a:rPr>
-              <a:t>Install </a:t>
-            </a:r>
-            <a:r>
-              <a:rPr lang="en-US" dirty="0" err="1">
-                <a:latin typeface="Helvetica" pitchFamily="2" charset="0"/>
-              </a:rPr>
-              <a:t>Nodejs</a:t>
-            </a:r>
-            <a:r>
-              <a:rPr lang="en-US" dirty="0">
-                <a:latin typeface="Helvetica" pitchFamily="2" charset="0"/>
-              </a:rPr>
-              <a:t> and NPM</a:t>
-            </a:r>
-          </a:p>
-          <a:p>
-            <a:pPr lvl="1"/>
-            <a:r>
-              <a:rPr lang="en-US" sz="2800" dirty="0">
-                <a:latin typeface="Helvetica" pitchFamily="2" charset="0"/>
-              </a:rPr>
-              <a:t>Download at  </a:t>
-            </a:r>
-            <a:r>
-              <a:rPr lang="en-US" sz="2800" dirty="0">
-                <a:latin typeface="Helvetica" pitchFamily="2" charset="0"/>
-                <a:hlinkClick r:id="rId2"/>
-              </a:rPr>
-              <a:t>https://nodejs.org/en/</a:t>
-            </a:r>
-            <a:endParaRPr lang="en-US" sz="2800" dirty="0">
-              <a:latin typeface="Helvetica" pitchFamily="2" charset="0"/>
-            </a:endParaRPr>
-          </a:p>
-          <a:p>
-            <a:pPr marL="457200" lvl="1" indent="0">
-              <a:buNone/>
-            </a:pPr>
-            <a:endParaRPr lang="en-US" sz="2800" dirty="0">
-              <a:latin typeface="Helvetica" pitchFamily="2" charset="0"/>
-            </a:endParaRPr>
-          </a:p>
-          <a:p>
-            <a:r>
-              <a:rPr lang="en-US" dirty="0">
-                <a:latin typeface="Helvetica" pitchFamily="2" charset="0"/>
-              </a:rPr>
-              <a:t>Install IONIC</a:t>
-            </a:r>
-          </a:p>
-          <a:p>
-            <a:pPr lvl="1"/>
-            <a:r>
-              <a:rPr lang="en-US" sz="2800" dirty="0" err="1">
-                <a:solidFill>
-                  <a:srgbClr val="1D1F23"/>
-                </a:solidFill>
-                <a:latin typeface="Helvetica" pitchFamily="2" charset="0"/>
-              </a:rPr>
-              <a:t>npm</a:t>
-            </a:r>
-            <a:r>
-              <a:rPr lang="en-US" sz="2800" dirty="0">
-                <a:solidFill>
-                  <a:srgbClr val="1D1F23"/>
-                </a:solidFill>
-                <a:latin typeface="Helvetica" pitchFamily="2" charset="0"/>
-              </a:rPr>
-              <a:t> install -g ionic</a:t>
-            </a:r>
-            <a:endParaRPr lang="en-US" sz="2800" dirty="0">
-              <a:latin typeface="Helvetica" pitchFamily="2" charset="0"/>
-            </a:endParaRPr>
-          </a:p>
-          <a:p>
-            <a:endParaRPr lang="en-US" dirty="0">
-              <a:latin typeface="Helvetica" pitchFamily="2" charset="0"/>
-            </a:endParaRPr>
-          </a:p>
-          <a:p>
-            <a:pPr lvl="1"/>
-            <a:endParaRPr lang="en-US" sz="2800" dirty="0">
-              <a:solidFill>
-                <a:srgbClr val="1D1F23"/>
-              </a:solidFill>
-              <a:latin typeface="Helvetica" pitchFamily="2" charset="0"/>
-            </a:endParaRPr>
-          </a:p>
-          <a:p>
-            <a:pPr lvl="1"/>
-            <a:endParaRPr lang="en-US" sz="2800" dirty="0">
-              <a:latin typeface="Helvetica" pitchFamily="2" charset="0"/>
-            </a:endParaRPr>
-          </a:p>
-          <a:p>
-            <a:pPr lvl="1"/>
-            <a:endParaRPr lang="en-US" sz="2800" dirty="0">
-              <a:latin typeface="Helvetica" pitchFamily="2" charset="0"/>
-            </a:endParaRPr>
-          </a:p>
-          <a:p>
-            <a:endParaRPr lang="en-US" dirty="0">
-              <a:latin typeface="Helvetica" pitchFamily="2" charset="0"/>
-            </a:endParaRPr>
-          </a:p>
-        </p:txBody>
-      </p:sp>
-      <p:pic>
-        <p:nvPicPr>
-          <p:cNvPr id="10" name="Picture 9">
-            <a:extLst>
-              <a:ext uri="{FF2B5EF4-FFF2-40B4-BE49-F238E27FC236}">
-                <a16:creationId xmlns:a16="http://schemas.microsoft.com/office/drawing/2014/main" id="{8E4DD6A9-6D87-0F49-92E6-AE13785E00B3}"/>
-              </a:ext>
-            </a:extLst>
-          </p:cNvPr>
-          <p:cNvPicPr>
-            <a:picLocks noChangeAspect="1"/>
-          </p:cNvPicPr>
-          <p:nvPr/>
-        </p:nvPicPr>
-        <p:blipFill>
-          <a:blip r:embed="rId3"/>
-          <a:stretch>
-            <a:fillRect/>
-          </a:stretch>
-        </p:blipFill>
-        <p:spPr>
-          <a:xfrm>
-            <a:off x="6096000" y="4924802"/>
-            <a:ext cx="2467568" cy="1511084"/>
-          </a:xfrm>
-          <a:prstGeom prst="rect">
-            <a:avLst/>
-          </a:prstGeom>
-        </p:spPr>
-      </p:pic>
-      <p:pic>
-        <p:nvPicPr>
-          <p:cNvPr id="13" name="Picture 12">
-            <a:extLst>
-              <a:ext uri="{FF2B5EF4-FFF2-40B4-BE49-F238E27FC236}">
-                <a16:creationId xmlns:a16="http://schemas.microsoft.com/office/drawing/2014/main" id="{CD17DC33-F180-2341-9D58-21AFFC1D828B}"/>
-              </a:ext>
-            </a:extLst>
-          </p:cNvPr>
-          <p:cNvPicPr>
-            <a:picLocks noChangeAspect="1"/>
-          </p:cNvPicPr>
-          <p:nvPr/>
-        </p:nvPicPr>
-        <p:blipFill>
-          <a:blip r:embed="rId4"/>
-          <a:stretch>
-            <a:fillRect/>
-          </a:stretch>
-        </p:blipFill>
-        <p:spPr>
-          <a:xfrm>
-            <a:off x="8563568" y="3898684"/>
-            <a:ext cx="3563319" cy="3563319"/>
-          </a:xfrm>
-          <a:prstGeom prst="rect">
-            <a:avLst/>
-          </a:prstGeom>
-        </p:spPr>
-      </p:pic>
-    </p:spTree>
-    <p:extLst>
-      <p:ext uri="{BB962C8B-B14F-4D97-AF65-F5344CB8AC3E}">
-        <p14:creationId xmlns:p14="http://schemas.microsoft.com/office/powerpoint/2010/main" val="1452182745"/>
-      </p:ext>
-    </p:extLst>
-  </p:cSld>
-  <p:clrMapOvr>
-    <a:masterClrMapping/>
-  </p:clrMapOvr>
-</p:sld>
-</file>
-
 <file path=ppt/slides/slide4.xml><?xml version="1.0" encoding="utf-8"?>
 <p:sld xmlns:a="http://schemas.openxmlformats.org/drawingml/2006/main" xmlns:r="http://schemas.openxmlformats.org/officeDocument/2006/relationships" xmlns:p="http://schemas.openxmlformats.org/presentationml/2006/main">
   <p:cSld>
@@ -4023,193 +4445,173 @@
                 <a:latin typeface="Helvetica Neue Light" panose="02000403000000020004" pitchFamily="2" charset="0"/>
                 <a:ea typeface="Helvetica Neue Light" panose="02000403000000020004" pitchFamily="2" charset="0"/>
               </a:rPr>
-              <a:t>Create a New Project</a:t>
-            </a:r>
-          </a:p>
-        </p:txBody>
-      </p:sp>
-      <p:pic>
-        <p:nvPicPr>
-          <p:cNvPr id="6" name="Picture 5">
-            <a:extLst>
-              <a:ext uri="{FF2B5EF4-FFF2-40B4-BE49-F238E27FC236}">
-                <a16:creationId xmlns:a16="http://schemas.microsoft.com/office/drawing/2014/main" id="{322F5476-7112-084D-8404-9147863B3E27}"/>
-              </a:ext>
-            </a:extLst>
-          </p:cNvPr>
-          <p:cNvPicPr>
-            <a:picLocks noChangeAspect="1"/>
-          </p:cNvPicPr>
-          <p:nvPr/>
-        </p:nvPicPr>
-        <p:blipFill>
-          <a:blip r:embed="rId2"/>
-          <a:stretch>
-            <a:fillRect/>
-          </a:stretch>
-        </p:blipFill>
-        <p:spPr>
-          <a:xfrm>
-            <a:off x="247973" y="2102898"/>
-            <a:ext cx="11475844" cy="2934051"/>
-          </a:xfrm>
-          <a:prstGeom prst="rect">
-            <a:avLst/>
-          </a:prstGeom>
-        </p:spPr>
-      </p:pic>
-      <p:sp>
-        <p:nvSpPr>
-          <p:cNvPr id="8" name="TextBox 7">
-            <a:extLst>
-              <a:ext uri="{FF2B5EF4-FFF2-40B4-BE49-F238E27FC236}">
-                <a16:creationId xmlns:a16="http://schemas.microsoft.com/office/drawing/2014/main" id="{7C49AD52-AF73-BC4B-BC95-9859DBDF8D53}"/>
-              </a:ext>
-            </a:extLst>
-          </p:cNvPr>
-          <p:cNvSpPr txBox="1"/>
-          <p:nvPr/>
-        </p:nvSpPr>
-        <p:spPr>
-          <a:xfrm>
-            <a:off x="698714" y="5264493"/>
-            <a:ext cx="2810385" cy="369332"/>
-          </a:xfrm>
-          <a:prstGeom prst="rect">
-            <a:avLst/>
-          </a:prstGeom>
-          <a:noFill/>
-        </p:spPr>
-        <p:txBody>
-          <a:bodyPr wrap="none" rtlCol="0">
-            <a:spAutoFit/>
+              <a:t>Setting App Theme Light/Dark</a:t>
+            </a:r>
+          </a:p>
+        </p:txBody>
+      </p:sp>
+      <p:sp>
+        <p:nvSpPr>
+          <p:cNvPr id="6" name="Content Placeholder 5">
+            <a:extLst>
+              <a:ext uri="{FF2B5EF4-FFF2-40B4-BE49-F238E27FC236}">
+                <a16:creationId xmlns:a16="http://schemas.microsoft.com/office/drawing/2014/main" id="{9677F3C6-D671-3B4C-B3DC-1474AC5E3029}"/>
+              </a:ext>
+            </a:extLst>
+          </p:cNvPr>
+          <p:cNvSpPr>
+            <a:spLocks noGrp="1"/>
+          </p:cNvSpPr>
+          <p:nvPr>
+            <p:ph idx="1"/>
+          </p:nvPr>
+        </p:nvSpPr>
+        <p:spPr/>
+        <p:txBody>
+          <a:bodyPr>
+            <a:normAutofit/>
           </a:bodyPr>
           <a:lstStyle/>
           <a:p>
             <a:r>
-              <a:rPr lang="en-US" dirty="0">
-                <a:latin typeface="Helvetica Neue" panose="02000503000000020004" pitchFamily="2" charset="0"/>
-                <a:ea typeface="Helvetica Neue" panose="02000503000000020004" pitchFamily="2" charset="0"/>
-                <a:cs typeface="Helvetica Neue" panose="02000503000000020004" pitchFamily="2" charset="0"/>
+              <a:rPr lang="en-ID" dirty="0"/>
+              <a:t>To change it to dark, we'll visit</a:t>
+            </a:r>
+            <a:r>
+              <a:rPr lang="en-ID" dirty="0">
+                <a:solidFill>
+                  <a:srgbClr val="7030A0"/>
+                </a:solidFill>
               </a:rPr>
-              <a:t>$ </a:t>
-            </a:r>
+              <a:t> </a:t>
+            </a:r>
+            <a:r>
+              <a:rPr lang="en-ID" i="1" dirty="0">
+                <a:solidFill>
+                  <a:srgbClr val="7030A0"/>
+                </a:solidFill>
+              </a:rPr>
+              <a:t>/</a:t>
+            </a:r>
+            <a:r>
+              <a:rPr lang="en-ID" i="1" dirty="0" err="1">
+                <a:solidFill>
+                  <a:srgbClr val="7030A0"/>
+                </a:solidFill>
+              </a:rPr>
+              <a:t>src</a:t>
+            </a:r>
+            <a:r>
+              <a:rPr lang="en-ID" i="1" dirty="0">
+                <a:solidFill>
+                  <a:srgbClr val="7030A0"/>
+                </a:solidFill>
+              </a:rPr>
+              <a:t>/theme/</a:t>
+            </a:r>
+            <a:r>
+              <a:rPr lang="en-ID" i="1" dirty="0" err="1">
+                <a:solidFill>
+                  <a:srgbClr val="7030A0"/>
+                </a:solidFill>
+              </a:rPr>
+              <a:t>variables.scss</a:t>
+            </a:r>
+            <a:r>
+              <a:rPr lang="en-ID" dirty="0"/>
+              <a:t> and at the bottom, we simply change:</a:t>
+            </a:r>
+            <a:br>
+              <a:rPr lang="en-ID" dirty="0"/>
+            </a:br>
+            <a:endParaRPr lang="en-ID" dirty="0"/>
+          </a:p>
+          <a:p>
+            <a:pPr marL="0" indent="0">
+              <a:buNone/>
+            </a:pPr>
+            <a:r>
+              <a:rPr lang="en-ID" dirty="0"/>
+              <a:t>// From </a:t>
+            </a:r>
+          </a:p>
+          <a:p>
+            <a:pPr marL="0" indent="0">
+              <a:buNone/>
+            </a:pPr>
             <a:r>
               <a:rPr lang="en-ID" dirty="0">
-                <a:latin typeface="Helvetica Neue" panose="02000503000000020004" pitchFamily="2" charset="0"/>
-                <a:ea typeface="Helvetica Neue" panose="02000503000000020004" pitchFamily="2" charset="0"/>
-                <a:cs typeface="Helvetica Neue" panose="02000503000000020004" pitchFamily="2" charset="0"/>
+                <a:solidFill>
+                  <a:srgbClr val="7030A0"/>
+                </a:solidFill>
               </a:rPr>
-              <a:t>ionic start myApp blank</a:t>
+              <a:t>@import "</a:t>
+            </a:r>
+            <a:r>
+              <a:rPr lang="en-ID" dirty="0" err="1">
+                <a:solidFill>
+                  <a:srgbClr val="7030A0"/>
+                </a:solidFill>
+              </a:rPr>
+              <a:t>ionic.theme.default</a:t>
+            </a:r>
+            <a:r>
+              <a:rPr lang="en-ID" dirty="0">
+                <a:solidFill>
+                  <a:srgbClr val="7030A0"/>
+                </a:solidFill>
+              </a:rPr>
+              <a:t>"; </a:t>
+            </a:r>
+          </a:p>
+          <a:p>
+            <a:pPr marL="0" indent="0">
+              <a:buNone/>
+            </a:pPr>
+            <a:endParaRPr lang="en-ID" dirty="0"/>
+          </a:p>
+          <a:p>
+            <a:pPr marL="0" indent="0">
+              <a:buNone/>
+            </a:pPr>
+            <a:r>
+              <a:rPr lang="en-ID" dirty="0"/>
+              <a:t>// To </a:t>
+            </a:r>
+          </a:p>
+          <a:p>
+            <a:pPr marL="0" indent="0">
+              <a:buNone/>
+            </a:pPr>
+            <a:r>
+              <a:rPr lang="en-ID" dirty="0">
+                <a:solidFill>
+                  <a:srgbClr val="7030A0"/>
+                </a:solidFill>
+              </a:rPr>
+              <a:t>@import  "</a:t>
+            </a:r>
+            <a:r>
+              <a:rPr lang="en-ID" dirty="0" err="1">
+                <a:solidFill>
+                  <a:srgbClr val="7030A0"/>
+                </a:solidFill>
+              </a:rPr>
+              <a:t>ionic.theme.dark</a:t>
+            </a:r>
+            <a:r>
+              <a:rPr lang="en-ID" dirty="0">
+                <a:solidFill>
+                  <a:srgbClr val="7030A0"/>
+                </a:solidFill>
+              </a:rPr>
+              <a:t>";</a:t>
             </a:r>
             <a:endParaRPr lang="en-US" dirty="0">
-              <a:latin typeface="Helvetica Neue" panose="02000503000000020004" pitchFamily="2" charset="0"/>
-              <a:ea typeface="Helvetica Neue" panose="02000503000000020004" pitchFamily="2" charset="0"/>
-              <a:cs typeface="Helvetica Neue" panose="02000503000000020004" pitchFamily="2" charset="0"/>
-            </a:endParaRPr>
-          </a:p>
-        </p:txBody>
-      </p:sp>
-      <p:sp>
-        <p:nvSpPr>
-          <p:cNvPr id="13" name="TextBox 12">
-            <a:extLst>
-              <a:ext uri="{FF2B5EF4-FFF2-40B4-BE49-F238E27FC236}">
-                <a16:creationId xmlns:a16="http://schemas.microsoft.com/office/drawing/2014/main" id="{F2809667-3963-F744-AB51-D5B32EE85E80}"/>
-              </a:ext>
-            </a:extLst>
-          </p:cNvPr>
-          <p:cNvSpPr txBox="1"/>
-          <p:nvPr/>
-        </p:nvSpPr>
-        <p:spPr>
-          <a:xfrm>
-            <a:off x="4557459" y="5257259"/>
-            <a:ext cx="2856872" cy="369332"/>
-          </a:xfrm>
-          <a:prstGeom prst="rect">
-            <a:avLst/>
-          </a:prstGeom>
-          <a:noFill/>
-        </p:spPr>
-        <p:txBody>
-          <a:bodyPr wrap="none" rtlCol="0">
-            <a:spAutoFit/>
-          </a:bodyPr>
-          <a:lstStyle/>
-          <a:p>
-            <a:r>
-              <a:rPr lang="en-US" b="1" dirty="0">
-                <a:latin typeface="Helvetica Neue" panose="02000503000000020004" pitchFamily="2" charset="0"/>
-                <a:ea typeface="Helvetica Neue" panose="02000503000000020004" pitchFamily="2" charset="0"/>
-                <a:cs typeface="Helvetica Neue" panose="02000503000000020004" pitchFamily="2" charset="0"/>
-              </a:rPr>
-              <a:t>$ </a:t>
-            </a:r>
-            <a:r>
-              <a:rPr lang="en-ID" b="1" dirty="0">
-                <a:latin typeface="Helvetica Neue" panose="02000503000000020004" pitchFamily="2" charset="0"/>
-                <a:ea typeface="Helvetica Neue" panose="02000503000000020004" pitchFamily="2" charset="0"/>
-                <a:cs typeface="Helvetica Neue" panose="02000503000000020004" pitchFamily="2" charset="0"/>
-              </a:rPr>
-              <a:t>ionic start myApp tabs</a:t>
-            </a:r>
-            <a:endParaRPr lang="en-US" b="1" dirty="0">
-              <a:latin typeface="Helvetica Neue" panose="02000503000000020004" pitchFamily="2" charset="0"/>
-              <a:ea typeface="Helvetica Neue" panose="02000503000000020004" pitchFamily="2" charset="0"/>
-              <a:cs typeface="Helvetica Neue" panose="02000503000000020004" pitchFamily="2" charset="0"/>
-            </a:endParaRPr>
-          </a:p>
-        </p:txBody>
-      </p:sp>
-      <p:sp>
-        <p:nvSpPr>
-          <p:cNvPr id="14" name="TextBox 13">
-            <a:extLst>
-              <a:ext uri="{FF2B5EF4-FFF2-40B4-BE49-F238E27FC236}">
-                <a16:creationId xmlns:a16="http://schemas.microsoft.com/office/drawing/2014/main" id="{EEDBBFC6-7077-0445-B797-91DDA27DAF8C}"/>
-              </a:ext>
-            </a:extLst>
-          </p:cNvPr>
-          <p:cNvSpPr txBox="1"/>
-          <p:nvPr/>
-        </p:nvSpPr>
-        <p:spPr>
-          <a:xfrm>
-            <a:off x="8283831" y="5260876"/>
-            <a:ext cx="3254417" cy="369332"/>
-          </a:xfrm>
-          <a:prstGeom prst="rect">
-            <a:avLst/>
-          </a:prstGeom>
-          <a:noFill/>
-        </p:spPr>
-        <p:txBody>
-          <a:bodyPr wrap="none" rtlCol="0">
-            <a:spAutoFit/>
-          </a:bodyPr>
-          <a:lstStyle/>
-          <a:p>
-            <a:r>
-              <a:rPr lang="en-US" dirty="0">
-                <a:latin typeface="Helvetica Neue" panose="02000503000000020004" pitchFamily="2" charset="0"/>
-                <a:ea typeface="Helvetica Neue" panose="02000503000000020004" pitchFamily="2" charset="0"/>
-                <a:cs typeface="Helvetica Neue" panose="02000503000000020004" pitchFamily="2" charset="0"/>
-              </a:rPr>
-              <a:t>$ </a:t>
-            </a:r>
-            <a:r>
-              <a:rPr lang="en-ID" dirty="0">
-                <a:latin typeface="Helvetica Neue" panose="02000503000000020004" pitchFamily="2" charset="0"/>
-                <a:ea typeface="Helvetica Neue" panose="02000503000000020004" pitchFamily="2" charset="0"/>
-                <a:cs typeface="Helvetica Neue" panose="02000503000000020004" pitchFamily="2" charset="0"/>
-              </a:rPr>
-              <a:t>ionic start myApp sidemenu</a:t>
-            </a:r>
-            <a:endParaRPr lang="en-US" dirty="0">
-              <a:latin typeface="Helvetica Neue" panose="02000503000000020004" pitchFamily="2" charset="0"/>
-              <a:ea typeface="Helvetica Neue" panose="02000503000000020004" pitchFamily="2" charset="0"/>
-              <a:cs typeface="Helvetica Neue" panose="02000503000000020004" pitchFamily="2" charset="0"/>
+              <a:solidFill>
+                <a:srgbClr val="7030A0"/>
+              </a:solidFill>
+              <a:latin typeface="Helvetica" pitchFamily="2" charset="0"/>
             </a:endParaRPr>
           </a:p>
         </p:txBody>
@@ -4217,7 +4619,7 @@
     </p:spTree>
     <p:extLst>
       <p:ext uri="{BB962C8B-B14F-4D97-AF65-F5344CB8AC3E}">
-        <p14:creationId xmlns:p14="http://schemas.microsoft.com/office/powerpoint/2010/main" val="42053070"/>
+        <p14:creationId xmlns:p14="http://schemas.microsoft.com/office/powerpoint/2010/main" val="1452182745"/>
       </p:ext>
     </p:extLst>
   </p:cSld>
@@ -4270,197 +4672,17 @@
                 <a:latin typeface="Helvetica Neue Light" panose="02000403000000020004" pitchFamily="2" charset="0"/>
                 <a:ea typeface="Helvetica Neue Light" panose="02000403000000020004" pitchFamily="2" charset="0"/>
               </a:rPr>
-              <a:t>Project Structure</a:t>
-            </a:r>
-          </a:p>
-        </p:txBody>
-      </p:sp>
-      <p:sp>
-        <p:nvSpPr>
-          <p:cNvPr id="14" name="Content Placeholder 2">
-            <a:extLst>
-              <a:ext uri="{FF2B5EF4-FFF2-40B4-BE49-F238E27FC236}">
-                <a16:creationId xmlns:a16="http://schemas.microsoft.com/office/drawing/2014/main" id="{B4A3517E-8676-814F-A7DF-24D8FA49F13F}"/>
-              </a:ext>
-            </a:extLst>
-          </p:cNvPr>
-          <p:cNvSpPr>
-            <a:spLocks noGrp="1"/>
-          </p:cNvSpPr>
-          <p:nvPr>
-            <p:ph idx="1"/>
-          </p:nvPr>
-        </p:nvSpPr>
-        <p:spPr>
-          <a:xfrm>
-            <a:off x="4387174" y="1825625"/>
-            <a:ext cx="6966626" cy="4351338"/>
-          </a:xfrm>
-        </p:spPr>
-        <p:txBody>
-          <a:bodyPr>
-            <a:normAutofit/>
-          </a:bodyPr>
-          <a:lstStyle/>
-          <a:p>
-            <a:pPr marL="0" indent="0">
-              <a:buNone/>
-            </a:pPr>
-            <a:r>
-              <a:rPr lang="en-US" sz="2400" dirty="0">
-                <a:latin typeface="Helvetica Neue" panose="02000503000000020004" pitchFamily="2" charset="0"/>
-                <a:ea typeface="Helvetica Neue" panose="02000503000000020004" pitchFamily="2" charset="0"/>
-                <a:cs typeface="Helvetica Neue" panose="02000503000000020004" pitchFamily="2" charset="0"/>
-              </a:rPr>
-              <a:t>Inside of the </a:t>
-            </a:r>
-            <a:r>
-              <a:rPr lang="en-US" sz="2400" dirty="0" err="1">
-                <a:latin typeface="Helvetica Neue" panose="02000503000000020004" pitchFamily="2" charset="0"/>
-                <a:ea typeface="Helvetica Neue" panose="02000503000000020004" pitchFamily="2" charset="0"/>
-                <a:cs typeface="Helvetica Neue" panose="02000503000000020004" pitchFamily="2" charset="0"/>
-              </a:rPr>
-              <a:t>src</a:t>
-            </a:r>
-            <a:r>
-              <a:rPr lang="en-US" sz="2400" dirty="0">
-                <a:latin typeface="Helvetica Neue" panose="02000503000000020004" pitchFamily="2" charset="0"/>
-                <a:ea typeface="Helvetica Neue" panose="02000503000000020004" pitchFamily="2" charset="0"/>
-                <a:cs typeface="Helvetica Neue" panose="02000503000000020004" pitchFamily="2" charset="0"/>
-              </a:rPr>
-              <a:t> directory we find our code : </a:t>
-            </a:r>
-          </a:p>
-          <a:p>
-            <a:r>
-              <a:rPr lang="en-US" sz="2400" dirty="0" err="1">
-                <a:latin typeface="Helvetica Neue" panose="02000503000000020004" pitchFamily="2" charset="0"/>
-                <a:ea typeface="Helvetica Neue" panose="02000503000000020004" pitchFamily="2" charset="0"/>
-                <a:cs typeface="Helvetica Neue" panose="02000503000000020004" pitchFamily="2" charset="0"/>
-              </a:rPr>
-              <a:t>index.html</a:t>
-            </a:r>
-            <a:r>
-              <a:rPr lang="en-US" sz="2400" dirty="0">
-                <a:latin typeface="Helvetica Neue Light" panose="02000403000000020004" pitchFamily="2" charset="0"/>
-                <a:ea typeface="Helvetica Neue Light" panose="02000403000000020004" pitchFamily="2" charset="0"/>
-                <a:cs typeface="Helvetica Neue" panose="02000503000000020004" pitchFamily="2" charset="0"/>
-              </a:rPr>
-              <a:t> -&gt;  is the main entry point for the app</a:t>
-            </a:r>
-          </a:p>
-          <a:p>
-            <a:r>
-              <a:rPr lang="en-US" sz="2400" dirty="0" err="1">
-                <a:latin typeface="Helvetica Neue" panose="02000503000000020004" pitchFamily="2" charset="0"/>
-                <a:ea typeface="Helvetica Neue" panose="02000503000000020004" pitchFamily="2" charset="0"/>
-                <a:cs typeface="Helvetica Neue" panose="02000503000000020004" pitchFamily="2" charset="0"/>
-              </a:rPr>
-              <a:t>app.html</a:t>
-            </a:r>
-            <a:r>
-              <a:rPr lang="en-US" sz="2400" dirty="0">
-                <a:latin typeface="Helvetica Neue Light" panose="02000403000000020004" pitchFamily="2" charset="0"/>
-                <a:ea typeface="Helvetica Neue Light" panose="02000403000000020004" pitchFamily="2" charset="0"/>
-                <a:cs typeface="Helvetica Neue" panose="02000503000000020004" pitchFamily="2" charset="0"/>
-              </a:rPr>
-              <a:t> -&gt; Here’s the main template for the app </a:t>
-            </a:r>
-          </a:p>
-          <a:p>
-            <a:r>
-              <a:rPr lang="en-US" sz="2400" dirty="0" err="1">
-                <a:latin typeface="Helvetica Neue" panose="02000503000000020004" pitchFamily="2" charset="0"/>
-                <a:ea typeface="Helvetica Neue" panose="02000503000000020004" pitchFamily="2" charset="0"/>
-                <a:cs typeface="Helvetica Neue" panose="02000503000000020004" pitchFamily="2" charset="0"/>
-              </a:rPr>
-              <a:t>variables.scss</a:t>
-            </a:r>
-            <a:r>
-              <a:rPr lang="en-US" sz="2400" dirty="0">
-                <a:latin typeface="Helvetica Neue Light" panose="02000403000000020004" pitchFamily="2" charset="0"/>
-                <a:ea typeface="Helvetica Neue Light" panose="02000403000000020004" pitchFamily="2" charset="0"/>
-                <a:cs typeface="Helvetica Neue" panose="02000503000000020004" pitchFamily="2" charset="0"/>
-              </a:rPr>
-              <a:t> -&gt; setting style and theme</a:t>
-            </a:r>
-          </a:p>
-          <a:p>
-            <a:r>
-              <a:rPr lang="en-US" sz="2400" dirty="0">
-                <a:latin typeface="Helvetica Neue" panose="02000503000000020004" pitchFamily="2" charset="0"/>
-                <a:ea typeface="Helvetica Neue" panose="02000503000000020004" pitchFamily="2" charset="0"/>
-                <a:cs typeface="Helvetica Neue" panose="02000503000000020004" pitchFamily="2" charset="0"/>
-              </a:rPr>
-              <a:t>assets</a:t>
-            </a:r>
-            <a:r>
-              <a:rPr lang="en-US" sz="2400" dirty="0">
-                <a:latin typeface="Helvetica Neue Light" panose="02000403000000020004" pitchFamily="2" charset="0"/>
-                <a:ea typeface="Helvetica Neue Light" panose="02000403000000020004" pitchFamily="2" charset="0"/>
-                <a:cs typeface="Helvetica Neue" panose="02000503000000020004" pitchFamily="2" charset="0"/>
-              </a:rPr>
-              <a:t> -&gt; location put your asset</a:t>
-            </a:r>
-          </a:p>
-          <a:p>
-            <a:r>
-              <a:rPr lang="en-US" sz="2400" dirty="0" err="1">
-                <a:latin typeface="Helvetica Neue" panose="02000503000000020004" pitchFamily="2" charset="0"/>
-                <a:ea typeface="Helvetica Neue" panose="02000503000000020004" pitchFamily="2" charset="0"/>
-                <a:cs typeface="Helvetica Neue" panose="02000503000000020004" pitchFamily="2" charset="0"/>
-              </a:rPr>
-              <a:t>manfiest.json</a:t>
-            </a:r>
-            <a:r>
-              <a:rPr lang="en-US" sz="2400" dirty="0">
-                <a:latin typeface="Helvetica Neue" panose="02000503000000020004" pitchFamily="2" charset="0"/>
-                <a:ea typeface="Helvetica Neue" panose="02000503000000020004" pitchFamily="2" charset="0"/>
-                <a:cs typeface="Helvetica Neue" panose="02000503000000020004" pitchFamily="2" charset="0"/>
-              </a:rPr>
-              <a:t> &amp; service-</a:t>
-            </a:r>
-            <a:r>
-              <a:rPr lang="en-US" sz="2400" dirty="0" err="1">
-                <a:latin typeface="Helvetica Neue" panose="02000503000000020004" pitchFamily="2" charset="0"/>
-                <a:ea typeface="Helvetica Neue" panose="02000503000000020004" pitchFamily="2" charset="0"/>
-                <a:cs typeface="Helvetica Neue" panose="02000503000000020004" pitchFamily="2" charset="0"/>
-              </a:rPr>
-              <a:t>worker.js</a:t>
-            </a:r>
-            <a:r>
-              <a:rPr lang="en-US" sz="2400" dirty="0">
-                <a:latin typeface="Helvetica Neue Light" panose="02000403000000020004" pitchFamily="2" charset="0"/>
-                <a:ea typeface="Helvetica Neue Light" panose="02000403000000020004" pitchFamily="2" charset="0"/>
-                <a:cs typeface="Helvetica Neue" panose="02000503000000020004" pitchFamily="2" charset="0"/>
-              </a:rPr>
-              <a:t> -&gt; </a:t>
-            </a:r>
-            <a:r>
-              <a:rPr lang="en-US" sz="2400" dirty="0" err="1">
-                <a:latin typeface="Helvetica Neue Light" panose="02000403000000020004" pitchFamily="2" charset="0"/>
-                <a:ea typeface="Helvetica Neue Light" panose="02000403000000020004" pitchFamily="2" charset="0"/>
-                <a:cs typeface="Helvetica Neue" panose="02000503000000020004" pitchFamily="2" charset="0"/>
-              </a:rPr>
-              <a:t>config</a:t>
-            </a:r>
-            <a:r>
-              <a:rPr lang="en-US" sz="2400" dirty="0">
-                <a:latin typeface="Helvetica Neue Light" panose="02000403000000020004" pitchFamily="2" charset="0"/>
-                <a:ea typeface="Helvetica Neue Light" panose="02000403000000020004" pitchFamily="2" charset="0"/>
-                <a:cs typeface="Helvetica Neue" panose="02000503000000020004" pitchFamily="2" charset="0"/>
-              </a:rPr>
-              <a:t> file for apps</a:t>
+              <a:t>Theme Dark</a:t>
             </a:r>
           </a:p>
         </p:txBody>
       </p:sp>
       <p:pic>
         <p:nvPicPr>
-          <p:cNvPr id="10" name="Picture 9">
-            <a:extLst>
-              <a:ext uri="{FF2B5EF4-FFF2-40B4-BE49-F238E27FC236}">
-                <a16:creationId xmlns:a16="http://schemas.microsoft.com/office/drawing/2014/main" id="{8146B8C0-61CE-FD45-9A7F-9DCD2C3AD12D}"/>
+          <p:cNvPr id="4" name="Picture 3">
+            <a:extLst>
+              <a:ext uri="{FF2B5EF4-FFF2-40B4-BE49-F238E27FC236}">
+                <a16:creationId xmlns:a16="http://schemas.microsoft.com/office/drawing/2014/main" id="{C434E913-7F57-9C4A-B9F8-C9FA8B23A4F1}"/>
               </a:ext>
             </a:extLst>
           </p:cNvPr>
@@ -4477,8 +4699,8 @@
         </p:blipFill>
         <p:spPr>
           <a:xfrm>
-            <a:off x="512734" y="1607512"/>
-            <a:ext cx="3067374" cy="4917285"/>
+            <a:off x="3636335" y="1690689"/>
+            <a:ext cx="5131208" cy="4667582"/>
           </a:xfrm>
           <a:prstGeom prst="rect">
             <a:avLst/>
@@ -4488,7 +4710,552 @@
     </p:spTree>
     <p:extLst>
       <p:ext uri="{BB962C8B-B14F-4D97-AF65-F5344CB8AC3E}">
+        <p14:creationId xmlns:p14="http://schemas.microsoft.com/office/powerpoint/2010/main" val="42053070"/>
+      </p:ext>
+    </p:extLst>
+  </p:cSld>
+  <p:clrMapOvr>
+    <a:masterClrMapping/>
+  </p:clrMapOvr>
+</p:sld>
+</file>
+
+<file path=ppt/slides/slide6.xml><?xml version="1.0" encoding="utf-8"?>
+<p:sld xmlns:a="http://schemas.openxmlformats.org/drawingml/2006/main" xmlns:r="http://schemas.openxmlformats.org/officeDocument/2006/relationships" xmlns:p="http://schemas.openxmlformats.org/presentationml/2006/main">
+  <p:cSld>
+    <p:spTree>
+      <p:nvGrpSpPr>
+        <p:cNvPr id="1" name=""/>
+        <p:cNvGrpSpPr/>
+        <p:nvPr/>
+      </p:nvGrpSpPr>
+      <p:grpSpPr>
+        <a:xfrm>
+          <a:off x="0" y="0"/>
+          <a:ext cx="0" cy="0"/>
+          <a:chOff x="0" y="0"/>
+          <a:chExt cx="0" cy="0"/>
+        </a:xfrm>
+      </p:grpSpPr>
+      <p:sp>
+        <p:nvSpPr>
+          <p:cNvPr id="2" name="Title 1">
+            <a:extLst>
+              <a:ext uri="{FF2B5EF4-FFF2-40B4-BE49-F238E27FC236}">
+                <a16:creationId xmlns:a16="http://schemas.microsoft.com/office/drawing/2014/main" id="{F8D9D734-5D67-AF4C-AB80-99D18AFC433A}"/>
+              </a:ext>
+            </a:extLst>
+          </p:cNvPr>
+          <p:cNvSpPr>
+            <a:spLocks noGrp="1"/>
+          </p:cNvSpPr>
+          <p:nvPr>
+            <p:ph type="title"/>
+          </p:nvPr>
+        </p:nvSpPr>
+        <p:spPr/>
+        <p:txBody>
+          <a:bodyPr/>
+          <a:lstStyle/>
+          <a:p>
+            <a:r>
+              <a:rPr lang="en-US" dirty="0">
+                <a:latin typeface="Helvetica Neue Light" panose="02000403000000020004" pitchFamily="2" charset="0"/>
+                <a:ea typeface="Helvetica Neue Light" panose="02000403000000020004" pitchFamily="2" charset="0"/>
+              </a:rPr>
+              <a:t>Customize Ionic Default Theme Colors</a:t>
+            </a:r>
+          </a:p>
+        </p:txBody>
+      </p:sp>
+      <p:pic>
+        <p:nvPicPr>
+          <p:cNvPr id="8" name="Picture 7">
+            <a:extLst>
+              <a:ext uri="{FF2B5EF4-FFF2-40B4-BE49-F238E27FC236}">
+                <a16:creationId xmlns:a16="http://schemas.microsoft.com/office/drawing/2014/main" id="{55D71B7B-392A-754C-B04A-B74DD7C20AD2}"/>
+              </a:ext>
+            </a:extLst>
+          </p:cNvPr>
+          <p:cNvPicPr>
+            <a:picLocks noChangeAspect="1"/>
+          </p:cNvPicPr>
+          <p:nvPr/>
+        </p:nvPicPr>
+        <p:blipFill>
+          <a:blip r:embed="rId2"/>
+          <a:stretch>
+            <a:fillRect/>
+          </a:stretch>
+        </p:blipFill>
+        <p:spPr>
+          <a:xfrm>
+            <a:off x="1054768" y="1690688"/>
+            <a:ext cx="2587002" cy="4758238"/>
+          </a:xfrm>
+          <a:prstGeom prst="rect">
+            <a:avLst/>
+          </a:prstGeom>
+        </p:spPr>
+      </p:pic>
+      <p:cxnSp>
+        <p:nvCxnSpPr>
+          <p:cNvPr id="11" name="Elbow Connector 10">
+            <a:extLst>
+              <a:ext uri="{FF2B5EF4-FFF2-40B4-BE49-F238E27FC236}">
+                <a16:creationId xmlns:a16="http://schemas.microsoft.com/office/drawing/2014/main" id="{B8E79C50-D6BE-2D49-AEC2-C05A42B8CB66}"/>
+              </a:ext>
+            </a:extLst>
+          </p:cNvPr>
+          <p:cNvCxnSpPr>
+            <a:cxnSpLocks/>
+            <a:stCxn id="8" idx="3"/>
+          </p:cNvCxnSpPr>
+          <p:nvPr/>
+        </p:nvCxnSpPr>
+        <p:spPr>
+          <a:xfrm>
+            <a:off x="3641770" y="4069807"/>
+            <a:ext cx="1581971" cy="1325565"/>
+          </a:xfrm>
+          <a:prstGeom prst="bentConnector3">
+            <a:avLst>
+              <a:gd name="adj1" fmla="val 50000"/>
+            </a:avLst>
+          </a:prstGeom>
+          <a:ln>
+            <a:tailEnd type="triangle"/>
+          </a:ln>
+        </p:spPr>
+        <p:style>
+          <a:lnRef idx="1">
+            <a:schemeClr val="accent1"/>
+          </a:lnRef>
+          <a:fillRef idx="0">
+            <a:schemeClr val="accent1"/>
+          </a:fillRef>
+          <a:effectRef idx="0">
+            <a:schemeClr val="accent1"/>
+          </a:effectRef>
+          <a:fontRef idx="minor">
+            <a:schemeClr val="tx1"/>
+          </a:fontRef>
+        </p:style>
+      </p:cxnSp>
+      <p:cxnSp>
+        <p:nvCxnSpPr>
+          <p:cNvPr id="13" name="Elbow Connector 12">
+            <a:extLst>
+              <a:ext uri="{FF2B5EF4-FFF2-40B4-BE49-F238E27FC236}">
+                <a16:creationId xmlns:a16="http://schemas.microsoft.com/office/drawing/2014/main" id="{E0377690-2F76-5D42-AA9D-C49D2E63F124}"/>
+              </a:ext>
+            </a:extLst>
+          </p:cNvPr>
+          <p:cNvCxnSpPr>
+            <a:cxnSpLocks/>
+          </p:cNvCxnSpPr>
+          <p:nvPr/>
+        </p:nvCxnSpPr>
+        <p:spPr>
+          <a:xfrm flipV="1">
+            <a:off x="3641770" y="2765011"/>
+            <a:ext cx="1581971" cy="1304799"/>
+          </a:xfrm>
+          <a:prstGeom prst="bentConnector3">
+            <a:avLst>
+              <a:gd name="adj1" fmla="val 50000"/>
+            </a:avLst>
+          </a:prstGeom>
+          <a:ln>
+            <a:tailEnd type="triangle"/>
+          </a:ln>
+        </p:spPr>
+        <p:style>
+          <a:lnRef idx="1">
+            <a:schemeClr val="accent1"/>
+          </a:lnRef>
+          <a:fillRef idx="0">
+            <a:schemeClr val="accent1"/>
+          </a:fillRef>
+          <a:effectRef idx="0">
+            <a:schemeClr val="accent1"/>
+          </a:effectRef>
+          <a:fontRef idx="minor">
+            <a:schemeClr val="tx1"/>
+          </a:fontRef>
+        </p:style>
+      </p:cxnSp>
+      <p:pic>
+        <p:nvPicPr>
+          <p:cNvPr id="17" name="Picture 16">
+            <a:extLst>
+              <a:ext uri="{FF2B5EF4-FFF2-40B4-BE49-F238E27FC236}">
+                <a16:creationId xmlns:a16="http://schemas.microsoft.com/office/drawing/2014/main" id="{3CBE989A-0020-8E4D-9D93-F8A3002C8541}"/>
+              </a:ext>
+            </a:extLst>
+          </p:cNvPr>
+          <p:cNvPicPr>
+            <a:picLocks noChangeAspect="1"/>
+          </p:cNvPicPr>
+          <p:nvPr/>
+        </p:nvPicPr>
+        <p:blipFill>
+          <a:blip r:embed="rId3"/>
+          <a:stretch>
+            <a:fillRect/>
+          </a:stretch>
+        </p:blipFill>
+        <p:spPr>
+          <a:xfrm>
+            <a:off x="5559025" y="1690688"/>
+            <a:ext cx="5794775" cy="2835741"/>
+          </a:xfrm>
+          <a:prstGeom prst="rect">
+            <a:avLst/>
+          </a:prstGeom>
+        </p:spPr>
+      </p:pic>
+      <p:pic>
+        <p:nvPicPr>
+          <p:cNvPr id="28" name="Picture 27">
+            <a:extLst>
+              <a:ext uri="{FF2B5EF4-FFF2-40B4-BE49-F238E27FC236}">
+                <a16:creationId xmlns:a16="http://schemas.microsoft.com/office/drawing/2014/main" id="{1D2F6BFD-BA80-EF49-A699-3BF832F3317A}"/>
+              </a:ext>
+            </a:extLst>
+          </p:cNvPr>
+          <p:cNvPicPr>
+            <a:picLocks noChangeAspect="1"/>
+          </p:cNvPicPr>
+          <p:nvPr/>
+        </p:nvPicPr>
+        <p:blipFill>
+          <a:blip r:embed="rId4"/>
+          <a:stretch>
+            <a:fillRect/>
+          </a:stretch>
+        </p:blipFill>
+        <p:spPr>
+          <a:xfrm>
+            <a:off x="5559025" y="4725696"/>
+            <a:ext cx="5451875" cy="1721645"/>
+          </a:xfrm>
+          <a:prstGeom prst="rect">
+            <a:avLst/>
+          </a:prstGeom>
+        </p:spPr>
+      </p:pic>
+      <p:sp>
+        <p:nvSpPr>
+          <p:cNvPr id="29" name="TextBox 28">
+            <a:extLst>
+              <a:ext uri="{FF2B5EF4-FFF2-40B4-BE49-F238E27FC236}">
+                <a16:creationId xmlns:a16="http://schemas.microsoft.com/office/drawing/2014/main" id="{95922B99-8D7D-614F-B51E-A5C80D3FB720}"/>
+              </a:ext>
+            </a:extLst>
+          </p:cNvPr>
+          <p:cNvSpPr txBox="1"/>
+          <p:nvPr/>
+        </p:nvSpPr>
+        <p:spPr>
+          <a:xfrm>
+            <a:off x="3977054" y="2326249"/>
+            <a:ext cx="1240532" cy="369332"/>
+          </a:xfrm>
+          <a:prstGeom prst="rect">
+            <a:avLst/>
+          </a:prstGeom>
+          <a:noFill/>
+        </p:spPr>
+        <p:txBody>
+          <a:bodyPr wrap="none" rtlCol="0">
+            <a:spAutoFit/>
+          </a:bodyPr>
+          <a:lstStyle/>
+          <a:p>
+            <a:r>
+              <a:rPr lang="en-US" b="1" dirty="0">
+                <a:solidFill>
+                  <a:srgbClr val="436FBF"/>
+                </a:solidFill>
+              </a:rPr>
+              <a:t>home.html</a:t>
+            </a:r>
+          </a:p>
+        </p:txBody>
+      </p:sp>
+      <p:sp>
+        <p:nvSpPr>
+          <p:cNvPr id="30" name="TextBox 29">
+            <a:extLst>
+              <a:ext uri="{FF2B5EF4-FFF2-40B4-BE49-F238E27FC236}">
+                <a16:creationId xmlns:a16="http://schemas.microsoft.com/office/drawing/2014/main" id="{DB2B7A90-B56E-7645-8A79-1B714B96AB4F}"/>
+              </a:ext>
+            </a:extLst>
+          </p:cNvPr>
+          <p:cNvSpPr txBox="1"/>
+          <p:nvPr/>
+        </p:nvSpPr>
+        <p:spPr>
+          <a:xfrm>
+            <a:off x="3977054" y="5406251"/>
+            <a:ext cx="1473288" cy="369332"/>
+          </a:xfrm>
+          <a:prstGeom prst="rect">
+            <a:avLst/>
+          </a:prstGeom>
+          <a:noFill/>
+        </p:spPr>
+        <p:txBody>
+          <a:bodyPr wrap="none" rtlCol="0">
+            <a:spAutoFit/>
+          </a:bodyPr>
+          <a:lstStyle/>
+          <a:p>
+            <a:r>
+              <a:rPr lang="en-US" b="1" dirty="0">
+                <a:solidFill>
+                  <a:srgbClr val="436FBF"/>
+                </a:solidFill>
+              </a:rPr>
+              <a:t>variables.scss</a:t>
+            </a:r>
+          </a:p>
+        </p:txBody>
+      </p:sp>
+    </p:spTree>
+    <p:extLst>
+      <p:ext uri="{BB962C8B-B14F-4D97-AF65-F5344CB8AC3E}">
         <p14:creationId xmlns:p14="http://schemas.microsoft.com/office/powerpoint/2010/main" val="26434795"/>
+      </p:ext>
+    </p:extLst>
+  </p:cSld>
+  <p:clrMapOvr>
+    <a:masterClrMapping/>
+  </p:clrMapOvr>
+</p:sld>
+</file>
+
+<file path=ppt/slides/slide7.xml><?xml version="1.0" encoding="utf-8"?>
+<p:sld xmlns:a="http://schemas.openxmlformats.org/drawingml/2006/main" xmlns:r="http://schemas.openxmlformats.org/officeDocument/2006/relationships" xmlns:p="http://schemas.openxmlformats.org/presentationml/2006/main">
+  <p:cSld>
+    <p:spTree>
+      <p:nvGrpSpPr>
+        <p:cNvPr id="1" name=""/>
+        <p:cNvGrpSpPr/>
+        <p:nvPr/>
+      </p:nvGrpSpPr>
+      <p:grpSpPr>
+        <a:xfrm>
+          <a:off x="0" y="0"/>
+          <a:ext cx="0" cy="0"/>
+          <a:chOff x="0" y="0"/>
+          <a:chExt cx="0" cy="0"/>
+        </a:xfrm>
+      </p:grpSpPr>
+      <p:sp>
+        <p:nvSpPr>
+          <p:cNvPr id="2" name="Title 1">
+            <a:extLst>
+              <a:ext uri="{FF2B5EF4-FFF2-40B4-BE49-F238E27FC236}">
+                <a16:creationId xmlns:a16="http://schemas.microsoft.com/office/drawing/2014/main" id="{F8D9D734-5D67-AF4C-AB80-99D18AFC433A}"/>
+              </a:ext>
+            </a:extLst>
+          </p:cNvPr>
+          <p:cNvSpPr>
+            <a:spLocks noGrp="1"/>
+          </p:cNvSpPr>
+          <p:nvPr>
+            <p:ph type="title"/>
+          </p:nvPr>
+        </p:nvSpPr>
+        <p:spPr/>
+        <p:txBody>
+          <a:bodyPr/>
+          <a:lstStyle/>
+          <a:p>
+            <a:r>
+              <a:rPr lang="en-US" dirty="0">
+                <a:latin typeface="Helvetica Neue Light" panose="02000403000000020004" pitchFamily="2" charset="0"/>
+                <a:ea typeface="Helvetica Neue Light" panose="02000403000000020004" pitchFamily="2" charset="0"/>
+              </a:rPr>
+              <a:t>Customize Ionic Default Theme Colors</a:t>
+            </a:r>
+          </a:p>
+        </p:txBody>
+      </p:sp>
+      <p:pic>
+        <p:nvPicPr>
+          <p:cNvPr id="9" name="Picture 8">
+            <a:extLst>
+              <a:ext uri="{FF2B5EF4-FFF2-40B4-BE49-F238E27FC236}">
+                <a16:creationId xmlns:a16="http://schemas.microsoft.com/office/drawing/2014/main" id="{631E0C49-8A20-3A4F-843C-FA5701D2C029}"/>
+              </a:ext>
+            </a:extLst>
+          </p:cNvPr>
+          <p:cNvPicPr>
+            <a:picLocks noChangeAspect="1"/>
+          </p:cNvPicPr>
+          <p:nvPr/>
+        </p:nvPicPr>
+        <p:blipFill rotWithShape="1">
+          <a:blip r:embed="rId3"/>
+          <a:srcRect l="1602"/>
+          <a:stretch/>
+        </p:blipFill>
+        <p:spPr>
+          <a:xfrm>
+            <a:off x="838200" y="2628595"/>
+            <a:ext cx="5796231" cy="872318"/>
+          </a:xfrm>
+          <a:prstGeom prst="rect">
+            <a:avLst/>
+          </a:prstGeom>
+        </p:spPr>
+      </p:pic>
+      <p:pic>
+        <p:nvPicPr>
+          <p:cNvPr id="12" name="Picture 11">
+            <a:extLst>
+              <a:ext uri="{FF2B5EF4-FFF2-40B4-BE49-F238E27FC236}">
+                <a16:creationId xmlns:a16="http://schemas.microsoft.com/office/drawing/2014/main" id="{D5C362CD-3CD3-AC40-8416-23269A2451EA}"/>
+              </a:ext>
+            </a:extLst>
+          </p:cNvPr>
+          <p:cNvPicPr>
+            <a:picLocks noChangeAspect="1"/>
+          </p:cNvPicPr>
+          <p:nvPr/>
+        </p:nvPicPr>
+        <p:blipFill>
+          <a:blip r:embed="rId4"/>
+          <a:stretch>
+            <a:fillRect/>
+          </a:stretch>
+        </p:blipFill>
+        <p:spPr>
+          <a:xfrm>
+            <a:off x="838200" y="4831114"/>
+            <a:ext cx="5699918" cy="803749"/>
+          </a:xfrm>
+          <a:prstGeom prst="rect">
+            <a:avLst/>
+          </a:prstGeom>
+        </p:spPr>
+      </p:pic>
+      <p:cxnSp>
+        <p:nvCxnSpPr>
+          <p:cNvPr id="15" name="Straight Arrow Connector 14">
+            <a:extLst>
+              <a:ext uri="{FF2B5EF4-FFF2-40B4-BE49-F238E27FC236}">
+                <a16:creationId xmlns:a16="http://schemas.microsoft.com/office/drawing/2014/main" id="{DBC60454-B179-3E41-99AA-E52632C09E13}"/>
+              </a:ext>
+            </a:extLst>
+          </p:cNvPr>
+          <p:cNvCxnSpPr/>
+          <p:nvPr/>
+        </p:nvCxnSpPr>
+        <p:spPr>
+          <a:xfrm>
+            <a:off x="3498980" y="3500913"/>
+            <a:ext cx="0" cy="1183054"/>
+          </a:xfrm>
+          <a:prstGeom prst="straightConnector1">
+            <a:avLst/>
+          </a:prstGeom>
+          <a:ln>
+            <a:tailEnd type="triangle"/>
+          </a:ln>
+        </p:spPr>
+        <p:style>
+          <a:lnRef idx="1">
+            <a:schemeClr val="accent4"/>
+          </a:lnRef>
+          <a:fillRef idx="0">
+            <a:schemeClr val="accent4"/>
+          </a:fillRef>
+          <a:effectRef idx="0">
+            <a:schemeClr val="accent4"/>
+          </a:effectRef>
+          <a:fontRef idx="minor">
+            <a:schemeClr val="tx1"/>
+          </a:fontRef>
+        </p:style>
+      </p:cxnSp>
+      <p:sp>
+        <p:nvSpPr>
+          <p:cNvPr id="20" name="TextBox 19">
+            <a:extLst>
+              <a:ext uri="{FF2B5EF4-FFF2-40B4-BE49-F238E27FC236}">
+                <a16:creationId xmlns:a16="http://schemas.microsoft.com/office/drawing/2014/main" id="{E18BBF37-D398-5249-B36A-3528AFE8A0B3}"/>
+              </a:ext>
+            </a:extLst>
+          </p:cNvPr>
+          <p:cNvSpPr txBox="1"/>
+          <p:nvPr/>
+        </p:nvSpPr>
+        <p:spPr>
+          <a:xfrm>
+            <a:off x="4121433" y="3558750"/>
+            <a:ext cx="1473288" cy="369332"/>
+          </a:xfrm>
+          <a:prstGeom prst="rect">
+            <a:avLst/>
+          </a:prstGeom>
+          <a:noFill/>
+        </p:spPr>
+        <p:txBody>
+          <a:bodyPr wrap="none" rtlCol="0">
+            <a:spAutoFit/>
+          </a:bodyPr>
+          <a:lstStyle/>
+          <a:p>
+            <a:r>
+              <a:rPr lang="en-US" b="1" dirty="0">
+                <a:solidFill>
+                  <a:schemeClr val="accent4">
+                    <a:lumMod val="75000"/>
+                  </a:schemeClr>
+                </a:solidFill>
+              </a:rPr>
+              <a:t>variables.scss</a:t>
+            </a:r>
+          </a:p>
+        </p:txBody>
+      </p:sp>
+      <p:pic>
+        <p:nvPicPr>
+          <p:cNvPr id="18" name="Picture 17">
+            <a:extLst>
+              <a:ext uri="{FF2B5EF4-FFF2-40B4-BE49-F238E27FC236}">
+                <a16:creationId xmlns:a16="http://schemas.microsoft.com/office/drawing/2014/main" id="{1478DA04-7BE1-ED46-8729-48C821E69866}"/>
+              </a:ext>
+            </a:extLst>
+          </p:cNvPr>
+          <p:cNvPicPr>
+            <a:picLocks noChangeAspect="1"/>
+          </p:cNvPicPr>
+          <p:nvPr/>
+        </p:nvPicPr>
+        <p:blipFill rotWithShape="1">
+          <a:blip r:embed="rId5"/>
+          <a:srcRect t="28273" r="1968" b="30653"/>
+          <a:stretch/>
+        </p:blipFill>
+        <p:spPr>
+          <a:xfrm>
+            <a:off x="4121433" y="3946923"/>
+            <a:ext cx="7232367" cy="337592"/>
+          </a:xfrm>
+          <a:prstGeom prst="rect">
+            <a:avLst/>
+          </a:prstGeom>
+        </p:spPr>
+      </p:pic>
+    </p:spTree>
+    <p:extLst>
+      <p:ext uri="{BB962C8B-B14F-4D97-AF65-F5344CB8AC3E}">
+        <p14:creationId xmlns:p14="http://schemas.microsoft.com/office/powerpoint/2010/main" val="1504237409"/>
       </p:ext>
     </p:extLst>
   </p:cSld>
@@ -4791,4 +5558,299 @@
     </a:ext>
   </a:extLst>
 </a:theme>
+</file>
+
+<file path=ppt/theme/theme2.xml><?xml version="1.0" encoding="utf-8"?>
+<a:theme xmlns:a="http://schemas.openxmlformats.org/drawingml/2006/main" name="Office Theme">
+  <a:themeElements>
+    <a:clrScheme name="Office">
+      <a:dk1>
+        <a:sysClr val="windowText" lastClr="000000"/>
+      </a:dk1>
+      <a:lt1>
+        <a:sysClr val="window" lastClr="FFFFFF"/>
+      </a:lt1>
+      <a:dk2>
+        <a:srgbClr val="44546A"/>
+      </a:dk2>
+      <a:lt2>
+        <a:srgbClr val="E7E6E6"/>
+      </a:lt2>
+      <a:accent1>
+        <a:srgbClr val="4472C4"/>
+      </a:accent1>
+      <a:accent2>
+        <a:srgbClr val="ED7D31"/>
+      </a:accent2>
+      <a:accent3>
+        <a:srgbClr val="A5A5A5"/>
+      </a:accent3>
+      <a:accent4>
+        <a:srgbClr val="FFC000"/>
+      </a:accent4>
+      <a:accent5>
+        <a:srgbClr val="5B9BD5"/>
+      </a:accent5>
+      <a:accent6>
+        <a:srgbClr val="70AD47"/>
+      </a:accent6>
+      <a:hlink>
+        <a:srgbClr val="0563C1"/>
+      </a:hlink>
+      <a:folHlink>
+        <a:srgbClr val="954F72"/>
+      </a:folHlink>
+    </a:clrScheme>
+    <a:fontScheme name="Office">
+      <a:majorFont>
+        <a:latin typeface="Calibri Light" panose="020F0302020204030204"/>
+        <a:ea typeface=""/>
+        <a:cs typeface=""/>
+        <a:font script="Jpan" typeface="游ゴシック Light"/>
+        <a:font script="Hang" typeface="맑은 고딕"/>
+        <a:font script="Hans" typeface="等线 Light"/>
+        <a:font script="Hant" typeface="新細明體"/>
+        <a:font script="Arab" typeface="Times New Roman"/>
+        <a:font script="Hebr" typeface="Times New Roman"/>
+        <a:font script="Thai" typeface="Angsana New"/>
+        <a:font script="Ethi" typeface="Nyala"/>
+        <a:font script="Beng" typeface="Vrinda"/>
+        <a:font script="Gujr" typeface="Shruti"/>
+        <a:font script="Khmr" typeface="MoolBoran"/>
+        <a:font script="Knda" typeface="Tunga"/>
+        <a:font script="Guru" typeface="Raavi"/>
+        <a:font script="Cans" typeface="Euphemia"/>
+        <a:font script="Cher" typeface="Plantagenet Cherokee"/>
+        <a:font script="Yiii" typeface="Microsoft Yi Baiti"/>
+        <a:font script="Tibt" typeface="Microsoft Himalaya"/>
+        <a:font script="Thaa" typeface="MV Boli"/>
+        <a:font script="Deva" typeface="Mangal"/>
+        <a:font script="Telu" typeface="Gautami"/>
+        <a:font script="Taml" typeface="Latha"/>
+        <a:font script="Syrc" typeface="Estrangelo Edessa"/>
+        <a:font script="Orya" typeface="Kalinga"/>
+        <a:font script="Mlym" typeface="Kartika"/>
+        <a:font script="Laoo" typeface="DokChampa"/>
+        <a:font script="Sinh" typeface="Iskoola Pota"/>
+        <a:font script="Mong" typeface="Mongolian Baiti"/>
+        <a:font script="Viet" typeface="Times New Roman"/>
+        <a:font script="Uigh" typeface="Microsoft Uighur"/>
+        <a:font script="Geor" typeface="Sylfaen"/>
+        <a:font script="Armn" typeface="Arial"/>
+        <a:font script="Bugi" typeface="Leelawadee UI"/>
+        <a:font script="Bopo" typeface="Microsoft JhengHei"/>
+        <a:font script="Java" typeface="Javanese Text"/>
+        <a:font script="Lisu" typeface="Segoe UI"/>
+        <a:font script="Mymr" typeface="Myanmar Text"/>
+        <a:font script="Nkoo" typeface="Ebrima"/>
+        <a:font script="Olck" typeface="Nirmala UI"/>
+        <a:font script="Osma" typeface="Ebrima"/>
+        <a:font script="Phag" typeface="Phagspa"/>
+        <a:font script="Syrn" typeface="Estrangelo Edessa"/>
+        <a:font script="Syrj" typeface="Estrangelo Edessa"/>
+        <a:font script="Syre" typeface="Estrangelo Edessa"/>
+        <a:font script="Sora" typeface="Nirmala UI"/>
+        <a:font script="Tale" typeface="Microsoft Tai Le"/>
+        <a:font script="Talu" typeface="Microsoft New Tai Lue"/>
+        <a:font script="Tfng" typeface="Ebrima"/>
+      </a:majorFont>
+      <a:minorFont>
+        <a:latin typeface="Calibri" panose="020F0502020204030204"/>
+        <a:ea typeface=""/>
+        <a:cs typeface=""/>
+        <a:font script="Jpan" typeface="游ゴシック"/>
+        <a:font script="Hang" typeface="맑은 고딕"/>
+        <a:font script="Hans" typeface="等线"/>
+        <a:font script="Hant" typeface="新細明體"/>
+        <a:font script="Arab" typeface="Arial"/>
+        <a:font script="Hebr" typeface="Arial"/>
+        <a:font script="Thai" typeface="Cordia New"/>
+        <a:font script="Ethi" typeface="Nyala"/>
+        <a:font script="Beng" typeface="Vrinda"/>
+        <a:font script="Gujr" typeface="Shruti"/>
+        <a:font script="Khmr" typeface="DaunPenh"/>
+        <a:font script="Knda" typeface="Tunga"/>
+        <a:font script="Guru" typeface="Raavi"/>
+        <a:font script="Cans" typeface="Euphemia"/>
+        <a:font script="Cher" typeface="Plantagenet Cherokee"/>
+        <a:font script="Yiii" typeface="Microsoft Yi Baiti"/>
+        <a:font script="Tibt" typeface="Microsoft Himalaya"/>
+        <a:font script="Thaa" typeface="MV Boli"/>
+        <a:font script="Deva" typeface="Mangal"/>
+        <a:font script="Telu" typeface="Gautami"/>
+        <a:font script="Taml" typeface="Latha"/>
+        <a:font script="Syrc" typeface="Estrangelo Edessa"/>
+        <a:font script="Orya" typeface="Kalinga"/>
+        <a:font script="Mlym" typeface="Kartika"/>
+        <a:font script="Laoo" typeface="DokChampa"/>
+        <a:font script="Sinh" typeface="Iskoola Pota"/>
+        <a:font script="Mong" typeface="Mongolian Baiti"/>
+        <a:font script="Viet" typeface="Arial"/>
+        <a:font script="Uigh" typeface="Microsoft Uighur"/>
+        <a:font script="Geor" typeface="Sylfaen"/>
+        <a:font script="Armn" typeface="Arial"/>
+        <a:font script="Bugi" typeface="Leelawadee UI"/>
+        <a:font script="Bopo" typeface="Microsoft JhengHei"/>
+        <a:font script="Java" typeface="Javanese Text"/>
+        <a:font script="Lisu" typeface="Segoe UI"/>
+        <a:font script="Mymr" typeface="Myanmar Text"/>
+        <a:font script="Nkoo" typeface="Ebrima"/>
+        <a:font script="Olck" typeface="Nirmala UI"/>
+        <a:font script="Osma" typeface="Ebrima"/>
+        <a:font script="Phag" typeface="Phagspa"/>
+        <a:font script="Syrn" typeface="Estrangelo Edessa"/>
+        <a:font script="Syrj" typeface="Estrangelo Edessa"/>
+        <a:font script="Syre" typeface="Estrangelo Edessa"/>
+        <a:font script="Sora" typeface="Nirmala UI"/>
+        <a:font script="Tale" typeface="Microsoft Tai Le"/>
+        <a:font script="Talu" typeface="Microsoft New Tai Lue"/>
+        <a:font script="Tfng" typeface="Ebrima"/>
+      </a:minorFont>
+    </a:fontScheme>
+    <a:fmtScheme name="Office">
+      <a:fillStyleLst>
+        <a:solidFill>
+          <a:schemeClr val="phClr"/>
+        </a:solidFill>
+        <a:gradFill rotWithShape="1">
+          <a:gsLst>
+            <a:gs pos="0">
+              <a:schemeClr val="phClr">
+                <a:lumMod val="110000"/>
+                <a:satMod val="105000"/>
+                <a:tint val="67000"/>
+              </a:schemeClr>
+            </a:gs>
+            <a:gs pos="50000">
+              <a:schemeClr val="phClr">
+                <a:lumMod val="105000"/>
+                <a:satMod val="103000"/>
+                <a:tint val="73000"/>
+              </a:schemeClr>
+            </a:gs>
+            <a:gs pos="100000">
+              <a:schemeClr val="phClr">
+                <a:lumMod val="105000"/>
+                <a:satMod val="109000"/>
+                <a:tint val="81000"/>
+              </a:schemeClr>
+            </a:gs>
+          </a:gsLst>
+          <a:lin ang="5400000" scaled="0"/>
+        </a:gradFill>
+        <a:gradFill rotWithShape="1">
+          <a:gsLst>
+            <a:gs pos="0">
+              <a:schemeClr val="phClr">
+                <a:satMod val="103000"/>
+                <a:lumMod val="102000"/>
+                <a:tint val="94000"/>
+              </a:schemeClr>
+            </a:gs>
+            <a:gs pos="50000">
+              <a:schemeClr val="phClr">
+                <a:satMod val="110000"/>
+                <a:lumMod val="100000"/>
+                <a:shade val="100000"/>
+              </a:schemeClr>
+            </a:gs>
+            <a:gs pos="100000">
+              <a:schemeClr val="phClr">
+                <a:lumMod val="99000"/>
+                <a:satMod val="120000"/>
+                <a:shade val="78000"/>
+              </a:schemeClr>
+            </a:gs>
+          </a:gsLst>
+          <a:lin ang="5400000" scaled="0"/>
+        </a:gradFill>
+      </a:fillStyleLst>
+      <a:lnStyleLst>
+        <a:ln w="6350" cap="flat" cmpd="sng" algn="ctr">
+          <a:solidFill>
+            <a:schemeClr val="phClr"/>
+          </a:solidFill>
+          <a:prstDash val="solid"/>
+          <a:miter lim="800000"/>
+        </a:ln>
+        <a:ln w="12700" cap="flat" cmpd="sng" algn="ctr">
+          <a:solidFill>
+            <a:schemeClr val="phClr"/>
+          </a:solidFill>
+          <a:prstDash val="solid"/>
+          <a:miter lim="800000"/>
+        </a:ln>
+        <a:ln w="19050" cap="flat" cmpd="sng" algn="ctr">
+          <a:solidFill>
+            <a:schemeClr val="phClr"/>
+          </a:solidFill>
+          <a:prstDash val="solid"/>
+          <a:miter lim="800000"/>
+        </a:ln>
+      </a:lnStyleLst>
+      <a:effectStyleLst>
+        <a:effectStyle>
+          <a:effectLst/>
+        </a:effectStyle>
+        <a:effectStyle>
+          <a:effectLst/>
+        </a:effectStyle>
+        <a:effectStyle>
+          <a:effectLst>
+            <a:outerShdw blurRad="57150" dist="19050" dir="5400000" algn="ctr" rotWithShape="0">
+              <a:srgbClr val="000000">
+                <a:alpha val="63000"/>
+              </a:srgbClr>
+            </a:outerShdw>
+          </a:effectLst>
+        </a:effectStyle>
+      </a:effectStyleLst>
+      <a:bgFillStyleLst>
+        <a:solidFill>
+          <a:schemeClr val="phClr"/>
+        </a:solidFill>
+        <a:solidFill>
+          <a:schemeClr val="phClr">
+            <a:tint val="95000"/>
+            <a:satMod val="170000"/>
+          </a:schemeClr>
+        </a:solidFill>
+        <a:gradFill rotWithShape="1">
+          <a:gsLst>
+            <a:gs pos="0">
+              <a:schemeClr val="phClr">
+                <a:tint val="93000"/>
+                <a:satMod val="150000"/>
+                <a:shade val="98000"/>
+                <a:lumMod val="102000"/>
+              </a:schemeClr>
+            </a:gs>
+            <a:gs pos="50000">
+              <a:schemeClr val="phClr">
+                <a:tint val="98000"/>
+                <a:satMod val="130000"/>
+                <a:shade val="90000"/>
+                <a:lumMod val="103000"/>
+              </a:schemeClr>
+            </a:gs>
+            <a:gs pos="100000">
+              <a:schemeClr val="phClr">
+                <a:shade val="63000"/>
+                <a:satMod val="120000"/>
+              </a:schemeClr>
+            </a:gs>
+          </a:gsLst>
+          <a:lin ang="5400000" scaled="0"/>
+        </a:gradFill>
+      </a:bgFillStyleLst>
+    </a:fmtScheme>
+  </a:themeElements>
+  <a:objectDefaults/>
+  <a:extraClrSchemeLst/>
+  <a:extLst>
+    <a:ext uri="{05A4C25C-085E-4340-85A3-A5531E510DB2}">
+      <thm15:themeFamily xmlns:thm15="http://schemas.microsoft.com/office/thememl/2012/main" name="Office Theme" id="{62F939B6-93AF-4DB8-9C6B-D6C7DFDC589F}" vid="{4A3C46E8-61CC-4603-A589-7422A47A8E4A}"/>
+    </a:ext>
+  </a:extLst>
+</a:theme>
 </file>
--- a/3. Design and Themes/Design and Theme.pptx
+++ b/3. Design and Themes/Design and Theme.pptx
@@ -5,7 +5,7 @@
     <p:sldMasterId id="2147483648" r:id="rId1"/>
   </p:sldMasterIdLst>
   <p:notesMasterIdLst>
-    <p:notesMasterId r:id="rId9"/>
+    <p:notesMasterId r:id="rId14"/>
   </p:notesMasterIdLst>
   <p:sldIdLst>
     <p:sldId id="256" r:id="rId2"/>
@@ -15,6 +15,11 @@
     <p:sldId id="260" r:id="rId6"/>
     <p:sldId id="261" r:id="rId7"/>
     <p:sldId id="263" r:id="rId8"/>
+    <p:sldId id="264" r:id="rId9"/>
+    <p:sldId id="265" r:id="rId10"/>
+    <p:sldId id="266" r:id="rId11"/>
+    <p:sldId id="267" r:id="rId12"/>
+    <p:sldId id="268" r:id="rId13"/>
   </p:sldIdLst>
   <p:sldSz cx="12192000" cy="6858000"/>
   <p:notesSz cx="6858000" cy="9144000"/>
@@ -675,6 +680,710 @@
     <p:extLst>
       <p:ext uri="{BB962C8B-B14F-4D97-AF65-F5344CB8AC3E}">
         <p14:creationId xmlns:p14="http://schemas.microsoft.com/office/powerpoint/2010/main" val="302075242"/>
+      </p:ext>
+    </p:extLst>
+  </p:cSld>
+  <p:clrMapOvr>
+    <a:masterClrMapping/>
+  </p:clrMapOvr>
+</p:notes>
+</file>
+
+<file path=ppt/notesSlides/notesSlide2.xml><?xml version="1.0" encoding="utf-8"?>
+<p:notes xmlns:a="http://schemas.openxmlformats.org/drawingml/2006/main" xmlns:r="http://schemas.openxmlformats.org/officeDocument/2006/relationships" xmlns:p="http://schemas.openxmlformats.org/presentationml/2006/main">
+  <p:cSld>
+    <p:spTree>
+      <p:nvGrpSpPr>
+        <p:cNvPr id="1" name=""/>
+        <p:cNvGrpSpPr/>
+        <p:nvPr/>
+      </p:nvGrpSpPr>
+      <p:grpSpPr>
+        <a:xfrm>
+          <a:off x="0" y="0"/>
+          <a:ext cx="0" cy="0"/>
+          <a:chOff x="0" y="0"/>
+          <a:chExt cx="0" cy="0"/>
+        </a:xfrm>
+      </p:grpSpPr>
+      <p:sp>
+        <p:nvSpPr>
+          <p:cNvPr id="2" name="Slide Image Placeholder 1"/>
+          <p:cNvSpPr>
+            <a:spLocks noGrp="1" noRot="1" noChangeAspect="1"/>
+          </p:cNvSpPr>
+          <p:nvPr>
+            <p:ph type="sldImg"/>
+          </p:nvPr>
+        </p:nvSpPr>
+        <p:spPr/>
+      </p:sp>
+      <p:sp>
+        <p:nvSpPr>
+          <p:cNvPr id="3" name="Notes Placeholder 2"/>
+          <p:cNvSpPr>
+            <a:spLocks noGrp="1"/>
+          </p:cNvSpPr>
+          <p:nvPr>
+            <p:ph type="body" idx="1"/>
+          </p:nvPr>
+        </p:nvSpPr>
+        <p:spPr/>
+        <p:txBody>
+          <a:bodyPr/>
+          <a:lstStyle/>
+          <a:p>
+            <a:r>
+              <a:rPr lang="en-ID" sz="1200" b="0" i="0" kern="1200" dirty="0">
+                <a:solidFill>
+                  <a:schemeClr val="tx1"/>
+                </a:solidFill>
+                <a:effectLst/>
+                <a:latin typeface="+mn-lt"/>
+                <a:ea typeface="+mn-ea"/>
+                <a:cs typeface="+mn-cs"/>
+              </a:rPr>
+              <a:t>When styling Ionic components, it's best to see if there is an existing SASS variable that you can set directly.</a:t>
+            </a:r>
+          </a:p>
+          <a:p>
+            <a:r>
+              <a:rPr lang="en-ID" sz="1200" b="0" i="0" kern="1200" dirty="0">
+                <a:solidFill>
+                  <a:schemeClr val="tx1"/>
+                </a:solidFill>
+                <a:effectLst/>
+                <a:latin typeface="+mn-lt"/>
+                <a:ea typeface="+mn-ea"/>
+                <a:cs typeface="+mn-cs"/>
+              </a:rPr>
+              <a:t>Here, we have the basics of a login form. Two inputs and a login button.</a:t>
+            </a:r>
+          </a:p>
+          <a:p>
+            <a:endParaRPr lang="en-US" dirty="0"/>
+          </a:p>
+        </p:txBody>
+      </p:sp>
+      <p:sp>
+        <p:nvSpPr>
+          <p:cNvPr id="4" name="Slide Number Placeholder 3"/>
+          <p:cNvSpPr>
+            <a:spLocks noGrp="1"/>
+          </p:cNvSpPr>
+          <p:nvPr>
+            <p:ph type="sldNum" sz="quarter" idx="10"/>
+          </p:nvPr>
+        </p:nvSpPr>
+        <p:spPr/>
+        <p:txBody>
+          <a:bodyPr/>
+          <a:lstStyle/>
+          <a:p>
+            <a:fld id="{FBFDB2CD-4BE4-A34F-8525-4BCDFACD1891}" type="slidenum">
+              <a:rPr lang="en-US" smtClean="0"/>
+              <a:t>8</a:t>
+            </a:fld>
+            <a:endParaRPr lang="en-US"/>
+          </a:p>
+        </p:txBody>
+      </p:sp>
+    </p:spTree>
+    <p:extLst>
+      <p:ext uri="{BB962C8B-B14F-4D97-AF65-F5344CB8AC3E}">
+        <p14:creationId xmlns:p14="http://schemas.microsoft.com/office/powerpoint/2010/main" val="2477550054"/>
+      </p:ext>
+    </p:extLst>
+  </p:cSld>
+  <p:clrMapOvr>
+    <a:masterClrMapping/>
+  </p:clrMapOvr>
+</p:notes>
+</file>
+
+<file path=ppt/notesSlides/notesSlide3.xml><?xml version="1.0" encoding="utf-8"?>
+<p:notes xmlns:a="http://schemas.openxmlformats.org/drawingml/2006/main" xmlns:r="http://schemas.openxmlformats.org/officeDocument/2006/relationships" xmlns:p="http://schemas.openxmlformats.org/presentationml/2006/main">
+  <p:cSld>
+    <p:spTree>
+      <p:nvGrpSpPr>
+        <p:cNvPr id="1" name=""/>
+        <p:cNvGrpSpPr/>
+        <p:nvPr/>
+      </p:nvGrpSpPr>
+      <p:grpSpPr>
+        <a:xfrm>
+          <a:off x="0" y="0"/>
+          <a:ext cx="0" cy="0"/>
+          <a:chOff x="0" y="0"/>
+          <a:chExt cx="0" cy="0"/>
+        </a:xfrm>
+      </p:grpSpPr>
+      <p:sp>
+        <p:nvSpPr>
+          <p:cNvPr id="2" name="Slide Image Placeholder 1"/>
+          <p:cNvSpPr>
+            <a:spLocks noGrp="1" noRot="1" noChangeAspect="1"/>
+          </p:cNvSpPr>
+          <p:nvPr>
+            <p:ph type="sldImg"/>
+          </p:nvPr>
+        </p:nvSpPr>
+        <p:spPr/>
+      </p:sp>
+      <p:sp>
+        <p:nvSpPr>
+          <p:cNvPr id="3" name="Notes Placeholder 2"/>
+          <p:cNvSpPr>
+            <a:spLocks noGrp="1"/>
+          </p:cNvSpPr>
+          <p:nvPr>
+            <p:ph type="body" idx="1"/>
+          </p:nvPr>
+        </p:nvSpPr>
+        <p:spPr/>
+        <p:txBody>
+          <a:bodyPr/>
+          <a:lstStyle/>
+          <a:p>
+            <a:r>
+              <a:rPr lang="en-ID" sz="1200" b="0" i="0" kern="1200" dirty="0">
+                <a:solidFill>
+                  <a:schemeClr val="tx1"/>
+                </a:solidFill>
+                <a:effectLst/>
+                <a:latin typeface="+mn-lt"/>
+                <a:ea typeface="+mn-ea"/>
+                <a:cs typeface="+mn-cs"/>
+              </a:rPr>
+              <a:t>When styling Ionic components, it's best to see if there is an existing SASS variable that you can set directly.</a:t>
+            </a:r>
+          </a:p>
+          <a:p>
+            <a:r>
+              <a:rPr lang="en-ID" sz="1200" b="0" i="0" kern="1200" dirty="0">
+                <a:solidFill>
+                  <a:schemeClr val="tx1"/>
+                </a:solidFill>
+                <a:effectLst/>
+                <a:latin typeface="+mn-lt"/>
+                <a:ea typeface="+mn-ea"/>
+                <a:cs typeface="+mn-cs"/>
+              </a:rPr>
+              <a:t>Here, we have the basics of a login form. Two inputs and a login button.</a:t>
+            </a:r>
+          </a:p>
+          <a:p>
+            <a:endParaRPr lang="en-US" dirty="0"/>
+          </a:p>
+        </p:txBody>
+      </p:sp>
+      <p:sp>
+        <p:nvSpPr>
+          <p:cNvPr id="4" name="Slide Number Placeholder 3"/>
+          <p:cNvSpPr>
+            <a:spLocks noGrp="1"/>
+          </p:cNvSpPr>
+          <p:nvPr>
+            <p:ph type="sldNum" sz="quarter" idx="10"/>
+          </p:nvPr>
+        </p:nvSpPr>
+        <p:spPr/>
+        <p:txBody>
+          <a:bodyPr/>
+          <a:lstStyle/>
+          <a:p>
+            <a:fld id="{FBFDB2CD-4BE4-A34F-8525-4BCDFACD1891}" type="slidenum">
+              <a:rPr lang="en-US" smtClean="0"/>
+              <a:t>9</a:t>
+            </a:fld>
+            <a:endParaRPr lang="en-US"/>
+          </a:p>
+        </p:txBody>
+      </p:sp>
+    </p:spTree>
+    <p:extLst>
+      <p:ext uri="{BB962C8B-B14F-4D97-AF65-F5344CB8AC3E}">
+        <p14:creationId xmlns:p14="http://schemas.microsoft.com/office/powerpoint/2010/main" val="2224415591"/>
+      </p:ext>
+    </p:extLst>
+  </p:cSld>
+  <p:clrMapOvr>
+    <a:masterClrMapping/>
+  </p:clrMapOvr>
+</p:notes>
+</file>
+
+<file path=ppt/notesSlides/notesSlide4.xml><?xml version="1.0" encoding="utf-8"?>
+<p:notes xmlns:a="http://schemas.openxmlformats.org/drawingml/2006/main" xmlns:r="http://schemas.openxmlformats.org/officeDocument/2006/relationships" xmlns:p="http://schemas.openxmlformats.org/presentationml/2006/main">
+  <p:cSld>
+    <p:spTree>
+      <p:nvGrpSpPr>
+        <p:cNvPr id="1" name=""/>
+        <p:cNvGrpSpPr/>
+        <p:nvPr/>
+      </p:nvGrpSpPr>
+      <p:grpSpPr>
+        <a:xfrm>
+          <a:off x="0" y="0"/>
+          <a:ext cx="0" cy="0"/>
+          <a:chOff x="0" y="0"/>
+          <a:chExt cx="0" cy="0"/>
+        </a:xfrm>
+      </p:grpSpPr>
+      <p:sp>
+        <p:nvSpPr>
+          <p:cNvPr id="2" name="Slide Image Placeholder 1"/>
+          <p:cNvSpPr>
+            <a:spLocks noGrp="1" noRot="1" noChangeAspect="1"/>
+          </p:cNvSpPr>
+          <p:nvPr>
+            <p:ph type="sldImg"/>
+          </p:nvPr>
+        </p:nvSpPr>
+        <p:spPr/>
+      </p:sp>
+      <p:sp>
+        <p:nvSpPr>
+          <p:cNvPr id="3" name="Notes Placeholder 2"/>
+          <p:cNvSpPr>
+            <a:spLocks noGrp="1"/>
+          </p:cNvSpPr>
+          <p:nvPr>
+            <p:ph type="body" idx="1"/>
+          </p:nvPr>
+        </p:nvSpPr>
+        <p:spPr/>
+        <p:txBody>
+          <a:bodyPr/>
+          <a:lstStyle/>
+          <a:p>
+            <a:r>
+              <a:rPr lang="en-ID" sz="1200" b="0" i="0" kern="1200" dirty="0">
+                <a:solidFill>
+                  <a:schemeClr val="tx1"/>
+                </a:solidFill>
+                <a:effectLst/>
+                <a:latin typeface="+mn-lt"/>
+                <a:ea typeface="+mn-ea"/>
+                <a:cs typeface="+mn-cs"/>
+              </a:rPr>
+              <a:t>To move the inputs over, we need to understand what is causing them to be shifted to the right. Opening Chrome's dev tools and using the elements inspector, we can select each of the DOM elements until we find the </a:t>
+            </a:r>
+            <a:r>
+              <a:rPr lang="en-ID" dirty="0"/>
+              <a:t>ion-item</a:t>
+            </a:r>
+            <a:r>
+              <a:rPr lang="en-ID" sz="1200" b="0" i="0" kern="1200" dirty="0">
+                <a:solidFill>
+                  <a:schemeClr val="tx1"/>
+                </a:solidFill>
+                <a:effectLst/>
+                <a:latin typeface="+mn-lt"/>
+                <a:ea typeface="+mn-ea"/>
+                <a:cs typeface="+mn-cs"/>
+              </a:rPr>
+              <a:t> that is introducing the </a:t>
+            </a:r>
+            <a:r>
+              <a:rPr lang="en-ID" dirty="0"/>
+              <a:t>padding-left</a:t>
+            </a:r>
+            <a:r>
+              <a:rPr lang="en-ID" sz="1200" b="0" i="0" kern="1200" dirty="0">
+                <a:solidFill>
+                  <a:schemeClr val="tx1"/>
+                </a:solidFill>
+                <a:effectLst/>
+                <a:latin typeface="+mn-lt"/>
+                <a:ea typeface="+mn-ea"/>
+                <a:cs typeface="+mn-cs"/>
+              </a:rPr>
+              <a:t> that is shifting our inputs over.</a:t>
+            </a:r>
+            <a:endParaRPr lang="en-US" dirty="0"/>
+          </a:p>
+        </p:txBody>
+      </p:sp>
+      <p:sp>
+        <p:nvSpPr>
+          <p:cNvPr id="4" name="Slide Number Placeholder 3"/>
+          <p:cNvSpPr>
+            <a:spLocks noGrp="1"/>
+          </p:cNvSpPr>
+          <p:nvPr>
+            <p:ph type="sldNum" sz="quarter" idx="10"/>
+          </p:nvPr>
+        </p:nvSpPr>
+        <p:spPr/>
+        <p:txBody>
+          <a:bodyPr/>
+          <a:lstStyle/>
+          <a:p>
+            <a:fld id="{FBFDB2CD-4BE4-A34F-8525-4BCDFACD1891}" type="slidenum">
+              <a:rPr lang="en-US" smtClean="0"/>
+              <a:t>10</a:t>
+            </a:fld>
+            <a:endParaRPr lang="en-US"/>
+          </a:p>
+        </p:txBody>
+      </p:sp>
+    </p:spTree>
+    <p:extLst>
+      <p:ext uri="{BB962C8B-B14F-4D97-AF65-F5344CB8AC3E}">
+        <p14:creationId xmlns:p14="http://schemas.microsoft.com/office/powerpoint/2010/main" val="1200345767"/>
+      </p:ext>
+    </p:extLst>
+  </p:cSld>
+  <p:clrMapOvr>
+    <a:masterClrMapping/>
+  </p:clrMapOvr>
+</p:notes>
+</file>
+
+<file path=ppt/notesSlides/notesSlide5.xml><?xml version="1.0" encoding="utf-8"?>
+<p:notes xmlns:a="http://schemas.openxmlformats.org/drawingml/2006/main" xmlns:r="http://schemas.openxmlformats.org/officeDocument/2006/relationships" xmlns:p="http://schemas.openxmlformats.org/presentationml/2006/main">
+  <p:cSld>
+    <p:spTree>
+      <p:nvGrpSpPr>
+        <p:cNvPr id="1" name=""/>
+        <p:cNvGrpSpPr/>
+        <p:nvPr/>
+      </p:nvGrpSpPr>
+      <p:grpSpPr>
+        <a:xfrm>
+          <a:off x="0" y="0"/>
+          <a:ext cx="0" cy="0"/>
+          <a:chOff x="0" y="0"/>
+          <a:chExt cx="0" cy="0"/>
+        </a:xfrm>
+      </p:grpSpPr>
+      <p:sp>
+        <p:nvSpPr>
+          <p:cNvPr id="2" name="Slide Image Placeholder 1"/>
+          <p:cNvSpPr>
+            <a:spLocks noGrp="1" noRot="1" noChangeAspect="1"/>
+          </p:cNvSpPr>
+          <p:nvPr>
+            <p:ph type="sldImg"/>
+          </p:nvPr>
+        </p:nvSpPr>
+        <p:spPr/>
+      </p:sp>
+      <p:sp>
+        <p:nvSpPr>
+          <p:cNvPr id="3" name="Notes Placeholder 2"/>
+          <p:cNvSpPr>
+            <a:spLocks noGrp="1"/>
+          </p:cNvSpPr>
+          <p:nvPr>
+            <p:ph type="body" idx="1"/>
+          </p:nvPr>
+        </p:nvSpPr>
+        <p:spPr/>
+        <p:txBody>
+          <a:bodyPr/>
+          <a:lstStyle/>
+          <a:p>
+            <a:r>
+              <a:rPr lang="en-ID" sz="1200" b="0" i="0" kern="1200" dirty="0">
+                <a:solidFill>
+                  <a:schemeClr val="tx1"/>
+                </a:solidFill>
+                <a:effectLst/>
+                <a:latin typeface="+mn-lt"/>
+                <a:ea typeface="+mn-ea"/>
+                <a:cs typeface="+mn-cs"/>
+              </a:rPr>
+              <a:t>Now, we could directly override these values, but I want to change this value globally in my application. To do this, first I'm going to see if the </a:t>
+            </a:r>
+            <a:r>
+              <a:rPr lang="en-ID" sz="1200" b="0" i="0" kern="1200" dirty="0">
+                <a:solidFill>
+                  <a:schemeClr val="tx1"/>
+                </a:solidFill>
+                <a:effectLst/>
+                <a:latin typeface="+mn-lt"/>
+                <a:ea typeface="+mn-ea"/>
+                <a:cs typeface="+mn-cs"/>
+                <a:hlinkClick r:id="rId3"/>
+              </a:rPr>
+              <a:t>Ionic framework</a:t>
+            </a:r>
+            <a:r>
+              <a:rPr lang="en-ID" sz="1200" b="0" i="0" kern="1200" dirty="0">
+                <a:solidFill>
+                  <a:schemeClr val="tx1"/>
+                </a:solidFill>
+                <a:effectLst/>
+                <a:latin typeface="+mn-lt"/>
+                <a:ea typeface="+mn-ea"/>
+                <a:cs typeface="+mn-cs"/>
+              </a:rPr>
+              <a:t> has exposed a SASS variable for this attribute.</a:t>
+            </a:r>
+          </a:p>
+          <a:p>
+            <a:endParaRPr lang="en-ID" sz="1200" b="0" i="0" kern="1200" dirty="0">
+              <a:solidFill>
+                <a:schemeClr val="tx1"/>
+              </a:solidFill>
+              <a:effectLst/>
+              <a:latin typeface="+mn-lt"/>
+              <a:ea typeface="+mn-ea"/>
+              <a:cs typeface="+mn-cs"/>
+            </a:endParaRPr>
+          </a:p>
+          <a:p>
+            <a:r>
+              <a:rPr lang="en-ID" sz="1200" b="0" i="0" kern="1200" dirty="0">
+                <a:solidFill>
+                  <a:schemeClr val="tx1"/>
+                </a:solidFill>
+                <a:effectLst/>
+                <a:latin typeface="+mn-lt"/>
+                <a:ea typeface="+mn-ea"/>
+                <a:cs typeface="+mn-cs"/>
+              </a:rPr>
+              <a:t>If you go to the API section for that component, there is a listing of some of the SASS variable to use for that component. Since I do not see anything about padding or margins, I'm going to navigate over to the </a:t>
+            </a:r>
+            <a:r>
+              <a:rPr lang="en-ID" sz="1200" b="0" i="0" kern="1200" dirty="0">
+                <a:solidFill>
+                  <a:schemeClr val="tx1"/>
+                </a:solidFill>
+                <a:effectLst/>
+                <a:latin typeface="+mn-lt"/>
+                <a:ea typeface="+mn-ea"/>
+                <a:cs typeface="+mn-cs"/>
+                <a:hlinkClick r:id="rId4"/>
+              </a:rPr>
+              <a:t>overriding SASS variables page</a:t>
+            </a:r>
+            <a:r>
+              <a:rPr lang="en-ID" sz="1200" b="0" i="0" kern="1200" dirty="0">
+                <a:solidFill>
+                  <a:schemeClr val="tx1"/>
+                </a:solidFill>
+                <a:effectLst/>
+                <a:latin typeface="+mn-lt"/>
+                <a:ea typeface="+mn-ea"/>
+                <a:cs typeface="+mn-cs"/>
+              </a:rPr>
+              <a:t>.</a:t>
+            </a:r>
+          </a:p>
+          <a:p>
+            <a:endParaRPr lang="en-ID" sz="1200" b="0" i="0" kern="1200" dirty="0">
+              <a:solidFill>
+                <a:schemeClr val="tx1"/>
+              </a:solidFill>
+              <a:effectLst/>
+              <a:latin typeface="+mn-lt"/>
+              <a:ea typeface="+mn-ea"/>
+              <a:cs typeface="+mn-cs"/>
+            </a:endParaRPr>
+          </a:p>
+          <a:p>
+            <a:r>
+              <a:rPr lang="en-ID" sz="1200" b="0" i="0" kern="1200" dirty="0">
+                <a:solidFill>
+                  <a:schemeClr val="tx1"/>
+                </a:solidFill>
+                <a:effectLst/>
+                <a:latin typeface="+mn-lt"/>
+                <a:ea typeface="+mn-ea"/>
+                <a:cs typeface="+mn-cs"/>
+              </a:rPr>
+              <a:t>This page contains a listing of all the SASS variables used in Ionic. </a:t>
+            </a:r>
+          </a:p>
+          <a:p>
+            <a:endParaRPr lang="en-ID" sz="1200" b="0" i="0" kern="1200" dirty="0">
+              <a:solidFill>
+                <a:schemeClr val="tx1"/>
+              </a:solidFill>
+              <a:effectLst/>
+              <a:latin typeface="+mn-lt"/>
+              <a:ea typeface="+mn-ea"/>
+              <a:cs typeface="+mn-cs"/>
+            </a:endParaRPr>
+          </a:p>
+          <a:p>
+            <a:r>
+              <a:rPr lang="en-ID" sz="1200" b="0" i="0" kern="1200" dirty="0">
+                <a:solidFill>
+                  <a:schemeClr val="tx1"/>
+                </a:solidFill>
+                <a:effectLst/>
+                <a:latin typeface="+mn-lt"/>
+                <a:ea typeface="+mn-ea"/>
+                <a:cs typeface="+mn-cs"/>
+              </a:rPr>
+              <a:t>I'm going to search on item-</a:t>
+            </a:r>
+            <a:r>
+              <a:rPr lang="en-ID" sz="1200" b="0" i="0" kern="1200" dirty="0" err="1">
+                <a:solidFill>
+                  <a:schemeClr val="tx1"/>
+                </a:solidFill>
+                <a:effectLst/>
+                <a:latin typeface="+mn-lt"/>
+                <a:ea typeface="+mn-ea"/>
+                <a:cs typeface="+mn-cs"/>
+              </a:rPr>
+              <a:t>md.</a:t>
+            </a:r>
+            <a:r>
+              <a:rPr lang="en-ID" sz="1200" b="0" i="0" kern="1200" dirty="0">
+                <a:solidFill>
+                  <a:schemeClr val="tx1"/>
+                </a:solidFill>
+                <a:effectLst/>
+                <a:latin typeface="+mn-lt"/>
+                <a:ea typeface="+mn-ea"/>
+                <a:cs typeface="+mn-cs"/>
+              </a:rPr>
+              <a:t> This list new filters the variables for us. There's the exact name of the SASS variable we need, item-md-padding-left. The iOS-specific value would be item-</a:t>
+            </a:r>
+            <a:r>
+              <a:rPr lang="en-ID" sz="1200" b="0" i="0" kern="1200" dirty="0" err="1">
+                <a:solidFill>
+                  <a:schemeClr val="tx1"/>
+                </a:solidFill>
+                <a:effectLst/>
+                <a:latin typeface="+mn-lt"/>
+                <a:ea typeface="+mn-ea"/>
+                <a:cs typeface="+mn-cs"/>
+              </a:rPr>
+              <a:t>ios</a:t>
+            </a:r>
+            <a:r>
+              <a:rPr lang="en-ID" sz="1200" b="0" i="0" kern="1200" dirty="0">
+                <a:solidFill>
+                  <a:schemeClr val="tx1"/>
+                </a:solidFill>
+                <a:effectLst/>
+                <a:latin typeface="+mn-lt"/>
+                <a:ea typeface="+mn-ea"/>
+                <a:cs typeface="+mn-cs"/>
+              </a:rPr>
+              <a:t>-padding-left.</a:t>
+            </a:r>
+          </a:p>
+        </p:txBody>
+      </p:sp>
+      <p:sp>
+        <p:nvSpPr>
+          <p:cNvPr id="4" name="Slide Number Placeholder 3"/>
+          <p:cNvSpPr>
+            <a:spLocks noGrp="1"/>
+          </p:cNvSpPr>
+          <p:nvPr>
+            <p:ph type="sldNum" sz="quarter" idx="10"/>
+          </p:nvPr>
+        </p:nvSpPr>
+        <p:spPr/>
+        <p:txBody>
+          <a:bodyPr/>
+          <a:lstStyle/>
+          <a:p>
+            <a:fld id="{FBFDB2CD-4BE4-A34F-8525-4BCDFACD1891}" type="slidenum">
+              <a:rPr lang="en-US" smtClean="0"/>
+              <a:t>11</a:t>
+            </a:fld>
+            <a:endParaRPr lang="en-US"/>
+          </a:p>
+        </p:txBody>
+      </p:sp>
+    </p:spTree>
+    <p:extLst>
+      <p:ext uri="{BB962C8B-B14F-4D97-AF65-F5344CB8AC3E}">
+        <p14:creationId xmlns:p14="http://schemas.microsoft.com/office/powerpoint/2010/main" val="16487909"/>
+      </p:ext>
+    </p:extLst>
+  </p:cSld>
+  <p:clrMapOvr>
+    <a:masterClrMapping/>
+  </p:clrMapOvr>
+</p:notes>
+</file>
+
+<file path=ppt/notesSlides/notesSlide6.xml><?xml version="1.0" encoding="utf-8"?>
+<p:notes xmlns:a="http://schemas.openxmlformats.org/drawingml/2006/main" xmlns:r="http://schemas.openxmlformats.org/officeDocument/2006/relationships" xmlns:p="http://schemas.openxmlformats.org/presentationml/2006/main">
+  <p:cSld>
+    <p:spTree>
+      <p:nvGrpSpPr>
+        <p:cNvPr id="1" name=""/>
+        <p:cNvGrpSpPr/>
+        <p:nvPr/>
+      </p:nvGrpSpPr>
+      <p:grpSpPr>
+        <a:xfrm>
+          <a:off x="0" y="0"/>
+          <a:ext cx="0" cy="0"/>
+          <a:chOff x="0" y="0"/>
+          <a:chExt cx="0" cy="0"/>
+        </a:xfrm>
+      </p:grpSpPr>
+      <p:sp>
+        <p:nvSpPr>
+          <p:cNvPr id="2" name="Slide Image Placeholder 1"/>
+          <p:cNvSpPr>
+            <a:spLocks noGrp="1" noRot="1" noChangeAspect="1"/>
+          </p:cNvSpPr>
+          <p:nvPr>
+            <p:ph type="sldImg"/>
+          </p:nvPr>
+        </p:nvSpPr>
+        <p:spPr/>
+      </p:sp>
+      <p:sp>
+        <p:nvSpPr>
+          <p:cNvPr id="3" name="Notes Placeholder 2"/>
+          <p:cNvSpPr>
+            <a:spLocks noGrp="1"/>
+          </p:cNvSpPr>
+          <p:nvPr>
+            <p:ph type="body" idx="1"/>
+          </p:nvPr>
+        </p:nvSpPr>
+        <p:spPr/>
+        <p:txBody>
+          <a:bodyPr/>
+          <a:lstStyle/>
+          <a:p>
+            <a:endParaRPr lang="en-US" dirty="0"/>
+          </a:p>
+        </p:txBody>
+      </p:sp>
+      <p:sp>
+        <p:nvSpPr>
+          <p:cNvPr id="4" name="Slide Number Placeholder 3"/>
+          <p:cNvSpPr>
+            <a:spLocks noGrp="1"/>
+          </p:cNvSpPr>
+          <p:nvPr>
+            <p:ph type="sldNum" sz="quarter" idx="10"/>
+          </p:nvPr>
+        </p:nvSpPr>
+        <p:spPr/>
+        <p:txBody>
+          <a:bodyPr/>
+          <a:lstStyle/>
+          <a:p>
+            <a:fld id="{FBFDB2CD-4BE4-A34F-8525-4BCDFACD1891}" type="slidenum">
+              <a:rPr lang="en-US" smtClean="0"/>
+              <a:t>12</a:t>
+            </a:fld>
+            <a:endParaRPr lang="en-US"/>
+          </a:p>
+        </p:txBody>
+      </p:sp>
+    </p:spTree>
+    <p:extLst>
+      <p:ext uri="{BB962C8B-B14F-4D97-AF65-F5344CB8AC3E}">
+        <p14:creationId xmlns:p14="http://schemas.microsoft.com/office/powerpoint/2010/main" val="443728169"/>
       </p:ext>
     </p:extLst>
   </p:cSld>
@@ -4195,6 +4904,581 @@
 </p:sld>
 </file>
 
+<file path=ppt/slides/slide10.xml><?xml version="1.0" encoding="utf-8"?>
+<p:sld xmlns:a="http://schemas.openxmlformats.org/drawingml/2006/main" xmlns:r="http://schemas.openxmlformats.org/officeDocument/2006/relationships" xmlns:p="http://schemas.openxmlformats.org/presentationml/2006/main">
+  <p:cSld>
+    <p:spTree>
+      <p:nvGrpSpPr>
+        <p:cNvPr id="1" name=""/>
+        <p:cNvGrpSpPr/>
+        <p:nvPr/>
+      </p:nvGrpSpPr>
+      <p:grpSpPr>
+        <a:xfrm>
+          <a:off x="0" y="0"/>
+          <a:ext cx="0" cy="0"/>
+          <a:chOff x="0" y="0"/>
+          <a:chExt cx="0" cy="0"/>
+        </a:xfrm>
+      </p:grpSpPr>
+      <p:sp>
+        <p:nvSpPr>
+          <p:cNvPr id="2" name="Title 1">
+            <a:extLst>
+              <a:ext uri="{FF2B5EF4-FFF2-40B4-BE49-F238E27FC236}">
+                <a16:creationId xmlns:a16="http://schemas.microsoft.com/office/drawing/2014/main" id="{F8D9D734-5D67-AF4C-AB80-99D18AFC433A}"/>
+              </a:ext>
+            </a:extLst>
+          </p:cNvPr>
+          <p:cNvSpPr>
+            <a:spLocks noGrp="1"/>
+          </p:cNvSpPr>
+          <p:nvPr>
+            <p:ph type="title"/>
+          </p:nvPr>
+        </p:nvSpPr>
+        <p:spPr/>
+        <p:txBody>
+          <a:bodyPr>
+            <a:normAutofit/>
+          </a:bodyPr>
+          <a:lstStyle/>
+          <a:p>
+            <a:r>
+              <a:rPr lang="en-ID" sz="3600" dirty="0"/>
+              <a:t>Override Global SASS Variables in Ionic Applications</a:t>
+            </a:r>
+          </a:p>
+        </p:txBody>
+      </p:sp>
+      <p:pic>
+        <p:nvPicPr>
+          <p:cNvPr id="7" name="Picture 6">
+            <a:extLst>
+              <a:ext uri="{FF2B5EF4-FFF2-40B4-BE49-F238E27FC236}">
+                <a16:creationId xmlns:a16="http://schemas.microsoft.com/office/drawing/2014/main" id="{9E8DE318-5405-C849-B6E6-B7D1E0A1C361}"/>
+              </a:ext>
+            </a:extLst>
+          </p:cNvPr>
+          <p:cNvPicPr>
+            <a:picLocks noChangeAspect="1"/>
+          </p:cNvPicPr>
+          <p:nvPr/>
+        </p:nvPicPr>
+        <p:blipFill>
+          <a:blip r:embed="rId3"/>
+          <a:stretch>
+            <a:fillRect/>
+          </a:stretch>
+        </p:blipFill>
+        <p:spPr>
+          <a:xfrm>
+            <a:off x="3378932" y="3397585"/>
+            <a:ext cx="3335224" cy="3180497"/>
+          </a:xfrm>
+          <a:prstGeom prst="rect">
+            <a:avLst/>
+          </a:prstGeom>
+        </p:spPr>
+      </p:pic>
+      <p:pic>
+        <p:nvPicPr>
+          <p:cNvPr id="9" name="Picture 8">
+            <a:extLst>
+              <a:ext uri="{FF2B5EF4-FFF2-40B4-BE49-F238E27FC236}">
+                <a16:creationId xmlns:a16="http://schemas.microsoft.com/office/drawing/2014/main" id="{52DBA374-C534-2746-A2EB-9FEA4917C613}"/>
+              </a:ext>
+            </a:extLst>
+          </p:cNvPr>
+          <p:cNvPicPr>
+            <a:picLocks noChangeAspect="1"/>
+          </p:cNvPicPr>
+          <p:nvPr/>
+        </p:nvPicPr>
+        <p:blipFill>
+          <a:blip r:embed="rId4"/>
+          <a:stretch>
+            <a:fillRect/>
+          </a:stretch>
+        </p:blipFill>
+        <p:spPr>
+          <a:xfrm>
+            <a:off x="6714156" y="2361682"/>
+            <a:ext cx="5245100" cy="4216400"/>
+          </a:xfrm>
+          <a:prstGeom prst="rect">
+            <a:avLst/>
+          </a:prstGeom>
+        </p:spPr>
+      </p:pic>
+      <p:sp>
+        <p:nvSpPr>
+          <p:cNvPr id="10" name="TextBox 9">
+            <a:extLst>
+              <a:ext uri="{FF2B5EF4-FFF2-40B4-BE49-F238E27FC236}">
+                <a16:creationId xmlns:a16="http://schemas.microsoft.com/office/drawing/2014/main" id="{C57183AD-E983-664C-9E3C-E9E85BD6F127}"/>
+              </a:ext>
+            </a:extLst>
+          </p:cNvPr>
+          <p:cNvSpPr txBox="1"/>
+          <p:nvPr/>
+        </p:nvSpPr>
+        <p:spPr>
+          <a:xfrm>
+            <a:off x="236101" y="2464135"/>
+            <a:ext cx="6478055" cy="830997"/>
+          </a:xfrm>
+          <a:prstGeom prst="rect">
+            <a:avLst/>
+          </a:prstGeom>
+          <a:noFill/>
+        </p:spPr>
+        <p:txBody>
+          <a:bodyPr wrap="none" rtlCol="0">
+            <a:spAutoFit/>
+          </a:bodyPr>
+          <a:lstStyle/>
+          <a:p>
+            <a:pPr marL="457200" indent="-457200">
+              <a:buAutoNum type="arabicPeriod"/>
+            </a:pPr>
+            <a:r>
+              <a:rPr lang="en-ID" sz="2400" dirty="0">
+                <a:latin typeface="Helvetica Neue" panose="02000503000000020004" pitchFamily="2" charset="0"/>
+                <a:ea typeface="Helvetica Neue" panose="02000503000000020004" pitchFamily="2" charset="0"/>
+                <a:cs typeface="Helvetica Neue" panose="02000503000000020004" pitchFamily="2" charset="0"/>
+              </a:rPr>
+              <a:t>Open Inspect Element</a:t>
+            </a:r>
+          </a:p>
+          <a:p>
+            <a:pPr marL="457200" indent="-457200">
+              <a:buAutoNum type="arabicPeriod"/>
+            </a:pPr>
+            <a:r>
+              <a:rPr lang="en-ID" sz="2400" dirty="0">
+                <a:latin typeface="Helvetica Neue" panose="02000503000000020004" pitchFamily="2" charset="0"/>
+                <a:ea typeface="Helvetica Neue" panose="02000503000000020004" pitchFamily="2" charset="0"/>
+                <a:cs typeface="Helvetica Neue" panose="02000503000000020004" pitchFamily="2" charset="0"/>
+              </a:rPr>
+              <a:t>Select an element in this page to inspect it</a:t>
+            </a:r>
+            <a:endParaRPr lang="en-US" sz="2400" dirty="0">
+              <a:latin typeface="Helvetica Neue" panose="02000503000000020004" pitchFamily="2" charset="0"/>
+              <a:ea typeface="Helvetica Neue" panose="02000503000000020004" pitchFamily="2" charset="0"/>
+              <a:cs typeface="Helvetica Neue" panose="02000503000000020004" pitchFamily="2" charset="0"/>
+            </a:endParaRPr>
+          </a:p>
+        </p:txBody>
+      </p:sp>
+    </p:spTree>
+    <p:extLst>
+      <p:ext uri="{BB962C8B-B14F-4D97-AF65-F5344CB8AC3E}">
+        <p14:creationId xmlns:p14="http://schemas.microsoft.com/office/powerpoint/2010/main" val="4267783320"/>
+      </p:ext>
+    </p:extLst>
+  </p:cSld>
+  <p:clrMapOvr>
+    <a:masterClrMapping/>
+  </p:clrMapOvr>
+</p:sld>
+</file>
+
+<file path=ppt/slides/slide11.xml><?xml version="1.0" encoding="utf-8"?>
+<p:sld xmlns:a="http://schemas.openxmlformats.org/drawingml/2006/main" xmlns:r="http://schemas.openxmlformats.org/officeDocument/2006/relationships" xmlns:p="http://schemas.openxmlformats.org/presentationml/2006/main">
+  <p:cSld>
+    <p:spTree>
+      <p:nvGrpSpPr>
+        <p:cNvPr id="1" name=""/>
+        <p:cNvGrpSpPr/>
+        <p:nvPr/>
+      </p:nvGrpSpPr>
+      <p:grpSpPr>
+        <a:xfrm>
+          <a:off x="0" y="0"/>
+          <a:ext cx="0" cy="0"/>
+          <a:chOff x="0" y="0"/>
+          <a:chExt cx="0" cy="0"/>
+        </a:xfrm>
+      </p:grpSpPr>
+      <p:sp>
+        <p:nvSpPr>
+          <p:cNvPr id="2" name="Title 1">
+            <a:extLst>
+              <a:ext uri="{FF2B5EF4-FFF2-40B4-BE49-F238E27FC236}">
+                <a16:creationId xmlns:a16="http://schemas.microsoft.com/office/drawing/2014/main" id="{F8D9D734-5D67-AF4C-AB80-99D18AFC433A}"/>
+              </a:ext>
+            </a:extLst>
+          </p:cNvPr>
+          <p:cNvSpPr>
+            <a:spLocks noGrp="1"/>
+          </p:cNvSpPr>
+          <p:nvPr>
+            <p:ph type="title"/>
+          </p:nvPr>
+        </p:nvSpPr>
+        <p:spPr/>
+        <p:txBody>
+          <a:bodyPr>
+            <a:normAutofit/>
+          </a:bodyPr>
+          <a:lstStyle/>
+          <a:p>
+            <a:r>
+              <a:rPr lang="en-ID" sz="3600" dirty="0"/>
+              <a:t>Override Global SASS Variables in Ionic Applications</a:t>
+            </a:r>
+          </a:p>
+        </p:txBody>
+      </p:sp>
+      <p:pic>
+        <p:nvPicPr>
+          <p:cNvPr id="6" name="Picture 5">
+            <a:extLst>
+              <a:ext uri="{FF2B5EF4-FFF2-40B4-BE49-F238E27FC236}">
+                <a16:creationId xmlns:a16="http://schemas.microsoft.com/office/drawing/2014/main" id="{E62EC286-311D-8244-9601-AF89F7552B55}"/>
+              </a:ext>
+            </a:extLst>
+          </p:cNvPr>
+          <p:cNvPicPr>
+            <a:picLocks noChangeAspect="1"/>
+          </p:cNvPicPr>
+          <p:nvPr/>
+        </p:nvPicPr>
+        <p:blipFill>
+          <a:blip r:embed="rId3"/>
+          <a:stretch>
+            <a:fillRect/>
+          </a:stretch>
+        </p:blipFill>
+        <p:spPr>
+          <a:xfrm>
+            <a:off x="535345" y="1369008"/>
+            <a:ext cx="10934700" cy="2590482"/>
+          </a:xfrm>
+          <a:prstGeom prst="rect">
+            <a:avLst/>
+          </a:prstGeom>
+        </p:spPr>
+      </p:pic>
+      <p:pic>
+        <p:nvPicPr>
+          <p:cNvPr id="11" name="Picture 10">
+            <a:extLst>
+              <a:ext uri="{FF2B5EF4-FFF2-40B4-BE49-F238E27FC236}">
+                <a16:creationId xmlns:a16="http://schemas.microsoft.com/office/drawing/2014/main" id="{4BC8F1FF-0F46-9440-971F-21A01457D28E}"/>
+              </a:ext>
+            </a:extLst>
+          </p:cNvPr>
+          <p:cNvPicPr>
+            <a:picLocks noChangeAspect="1"/>
+          </p:cNvPicPr>
+          <p:nvPr/>
+        </p:nvPicPr>
+        <p:blipFill>
+          <a:blip r:embed="rId4"/>
+          <a:stretch>
+            <a:fillRect/>
+          </a:stretch>
+        </p:blipFill>
+        <p:spPr>
+          <a:xfrm>
+            <a:off x="535345" y="4201374"/>
+            <a:ext cx="11090988" cy="2337030"/>
+          </a:xfrm>
+          <a:prstGeom prst="rect">
+            <a:avLst/>
+          </a:prstGeom>
+        </p:spPr>
+      </p:pic>
+      <p:sp>
+        <p:nvSpPr>
+          <p:cNvPr id="12" name="Frame 11">
+            <a:extLst>
+              <a:ext uri="{FF2B5EF4-FFF2-40B4-BE49-F238E27FC236}">
+                <a16:creationId xmlns:a16="http://schemas.microsoft.com/office/drawing/2014/main" id="{24F51F1A-524C-D44F-AB84-0135BF26BC23}"/>
+              </a:ext>
+            </a:extLst>
+          </p:cNvPr>
+          <p:cNvSpPr/>
+          <p:nvPr/>
+        </p:nvSpPr>
+        <p:spPr>
+          <a:xfrm>
+            <a:off x="186613" y="2407298"/>
+            <a:ext cx="11681927" cy="765110"/>
+          </a:xfrm>
+          <a:prstGeom prst="frame">
+            <a:avLst/>
+          </a:prstGeom>
+          <a:solidFill>
+            <a:schemeClr val="accent2"/>
+          </a:solidFill>
+          <a:ln w="0">
+            <a:solidFill>
+              <a:schemeClr val="accent2"/>
+            </a:solidFill>
+          </a:ln>
+        </p:spPr>
+        <p:style>
+          <a:lnRef idx="2">
+            <a:schemeClr val="accent1">
+              <a:shade val="50000"/>
+            </a:schemeClr>
+          </a:lnRef>
+          <a:fillRef idx="1">
+            <a:schemeClr val="accent1"/>
+          </a:fillRef>
+          <a:effectRef idx="0">
+            <a:schemeClr val="accent1"/>
+          </a:effectRef>
+          <a:fontRef idx="minor">
+            <a:schemeClr val="lt1"/>
+          </a:fontRef>
+        </p:style>
+        <p:txBody>
+          <a:bodyPr rtlCol="0" anchor="ctr"/>
+          <a:lstStyle/>
+          <a:p>
+            <a:pPr algn="ctr"/>
+            <a:endParaRPr lang="en-US">
+              <a:solidFill>
+                <a:schemeClr val="tx1"/>
+              </a:solidFill>
+            </a:endParaRPr>
+          </a:p>
+        </p:txBody>
+      </p:sp>
+      <p:sp>
+        <p:nvSpPr>
+          <p:cNvPr id="13" name="Frame 12">
+            <a:extLst>
+              <a:ext uri="{FF2B5EF4-FFF2-40B4-BE49-F238E27FC236}">
+                <a16:creationId xmlns:a16="http://schemas.microsoft.com/office/drawing/2014/main" id="{2E1BDD23-86A1-F044-88C6-B2821BC29D2A}"/>
+              </a:ext>
+            </a:extLst>
+          </p:cNvPr>
+          <p:cNvSpPr/>
+          <p:nvPr/>
+        </p:nvSpPr>
+        <p:spPr>
+          <a:xfrm>
+            <a:off x="264369" y="5265572"/>
+            <a:ext cx="11681927" cy="765110"/>
+          </a:xfrm>
+          <a:prstGeom prst="frame">
+            <a:avLst/>
+          </a:prstGeom>
+          <a:solidFill>
+            <a:schemeClr val="accent2"/>
+          </a:solidFill>
+          <a:ln w="0">
+            <a:solidFill>
+              <a:schemeClr val="accent2"/>
+            </a:solidFill>
+          </a:ln>
+        </p:spPr>
+        <p:style>
+          <a:lnRef idx="2">
+            <a:schemeClr val="accent1">
+              <a:shade val="50000"/>
+            </a:schemeClr>
+          </a:lnRef>
+          <a:fillRef idx="1">
+            <a:schemeClr val="accent1"/>
+          </a:fillRef>
+          <a:effectRef idx="0">
+            <a:schemeClr val="accent1"/>
+          </a:effectRef>
+          <a:fontRef idx="minor">
+            <a:schemeClr val="lt1"/>
+          </a:fontRef>
+        </p:style>
+        <p:txBody>
+          <a:bodyPr rtlCol="0" anchor="ctr"/>
+          <a:lstStyle/>
+          <a:p>
+            <a:pPr algn="ctr"/>
+            <a:endParaRPr lang="en-US">
+              <a:solidFill>
+                <a:schemeClr val="tx1"/>
+              </a:solidFill>
+            </a:endParaRPr>
+          </a:p>
+        </p:txBody>
+      </p:sp>
+    </p:spTree>
+    <p:extLst>
+      <p:ext uri="{BB962C8B-B14F-4D97-AF65-F5344CB8AC3E}">
+        <p14:creationId xmlns:p14="http://schemas.microsoft.com/office/powerpoint/2010/main" val="2411951559"/>
+      </p:ext>
+    </p:extLst>
+  </p:cSld>
+  <p:clrMapOvr>
+    <a:masterClrMapping/>
+  </p:clrMapOvr>
+</p:sld>
+</file>
+
+<file path=ppt/slides/slide12.xml><?xml version="1.0" encoding="utf-8"?>
+<p:sld xmlns:a="http://schemas.openxmlformats.org/drawingml/2006/main" xmlns:r="http://schemas.openxmlformats.org/officeDocument/2006/relationships" xmlns:p="http://schemas.openxmlformats.org/presentationml/2006/main">
+  <p:cSld>
+    <p:spTree>
+      <p:nvGrpSpPr>
+        <p:cNvPr id="1" name=""/>
+        <p:cNvGrpSpPr/>
+        <p:nvPr/>
+      </p:nvGrpSpPr>
+      <p:grpSpPr>
+        <a:xfrm>
+          <a:off x="0" y="0"/>
+          <a:ext cx="0" cy="0"/>
+          <a:chOff x="0" y="0"/>
+          <a:chExt cx="0" cy="0"/>
+        </a:xfrm>
+      </p:grpSpPr>
+      <p:sp>
+        <p:nvSpPr>
+          <p:cNvPr id="2" name="Title 1">
+            <a:extLst>
+              <a:ext uri="{FF2B5EF4-FFF2-40B4-BE49-F238E27FC236}">
+                <a16:creationId xmlns:a16="http://schemas.microsoft.com/office/drawing/2014/main" id="{F8D9D734-5D67-AF4C-AB80-99D18AFC433A}"/>
+              </a:ext>
+            </a:extLst>
+          </p:cNvPr>
+          <p:cNvSpPr>
+            <a:spLocks noGrp="1"/>
+          </p:cNvSpPr>
+          <p:nvPr>
+            <p:ph type="title"/>
+          </p:nvPr>
+        </p:nvSpPr>
+        <p:spPr/>
+        <p:txBody>
+          <a:bodyPr>
+            <a:normAutofit/>
+          </a:bodyPr>
+          <a:lstStyle/>
+          <a:p>
+            <a:r>
+              <a:rPr lang="en-ID" sz="3600" dirty="0"/>
+              <a:t>Override Global SASS Variables in Ionic Applications</a:t>
+            </a:r>
+          </a:p>
+        </p:txBody>
+      </p:sp>
+      <p:pic>
+        <p:nvPicPr>
+          <p:cNvPr id="4" name="Picture 3">
+            <a:extLst>
+              <a:ext uri="{FF2B5EF4-FFF2-40B4-BE49-F238E27FC236}">
+                <a16:creationId xmlns:a16="http://schemas.microsoft.com/office/drawing/2014/main" id="{ECE9FE66-220E-EE4B-833C-86A32EEE1B00}"/>
+              </a:ext>
+            </a:extLst>
+          </p:cNvPr>
+          <p:cNvPicPr>
+            <a:picLocks noChangeAspect="1"/>
+          </p:cNvPicPr>
+          <p:nvPr/>
+        </p:nvPicPr>
+        <p:blipFill>
+          <a:blip r:embed="rId3"/>
+          <a:stretch>
+            <a:fillRect/>
+          </a:stretch>
+        </p:blipFill>
+        <p:spPr>
+          <a:xfrm>
+            <a:off x="2013080" y="1690688"/>
+            <a:ext cx="7746741" cy="2964457"/>
+          </a:xfrm>
+          <a:prstGeom prst="rect">
+            <a:avLst/>
+          </a:prstGeom>
+        </p:spPr>
+      </p:pic>
+      <p:pic>
+        <p:nvPicPr>
+          <p:cNvPr id="7" name="Picture 6">
+            <a:extLst>
+              <a:ext uri="{FF2B5EF4-FFF2-40B4-BE49-F238E27FC236}">
+                <a16:creationId xmlns:a16="http://schemas.microsoft.com/office/drawing/2014/main" id="{E4687923-426E-6D40-838F-FA40120356ED}"/>
+              </a:ext>
+            </a:extLst>
+          </p:cNvPr>
+          <p:cNvPicPr>
+            <a:picLocks noChangeAspect="1"/>
+          </p:cNvPicPr>
+          <p:nvPr/>
+        </p:nvPicPr>
+        <p:blipFill>
+          <a:blip r:embed="rId4"/>
+          <a:stretch>
+            <a:fillRect/>
+          </a:stretch>
+        </p:blipFill>
+        <p:spPr>
+          <a:xfrm>
+            <a:off x="2013080" y="5424240"/>
+            <a:ext cx="4829718" cy="1112935"/>
+          </a:xfrm>
+          <a:prstGeom prst="rect">
+            <a:avLst/>
+          </a:prstGeom>
+        </p:spPr>
+      </p:pic>
+      <p:sp>
+        <p:nvSpPr>
+          <p:cNvPr id="14" name="TextBox 13">
+            <a:extLst>
+              <a:ext uri="{FF2B5EF4-FFF2-40B4-BE49-F238E27FC236}">
+                <a16:creationId xmlns:a16="http://schemas.microsoft.com/office/drawing/2014/main" id="{B5F982DB-689D-674B-8338-1FE28279B310}"/>
+              </a:ext>
+            </a:extLst>
+          </p:cNvPr>
+          <p:cNvSpPr txBox="1"/>
+          <p:nvPr/>
+        </p:nvSpPr>
+        <p:spPr>
+          <a:xfrm>
+            <a:off x="2013080" y="4808860"/>
+            <a:ext cx="2122697" cy="461665"/>
+          </a:xfrm>
+          <a:prstGeom prst="rect">
+            <a:avLst/>
+          </a:prstGeom>
+          <a:noFill/>
+        </p:spPr>
+        <p:txBody>
+          <a:bodyPr wrap="none" rtlCol="0">
+            <a:spAutoFit/>
+          </a:bodyPr>
+          <a:lstStyle/>
+          <a:p>
+            <a:r>
+              <a:rPr lang="en-US" sz="2400" dirty="0">
+                <a:latin typeface="Helvetica Neue" panose="02000503000000020004" pitchFamily="2" charset="0"/>
+                <a:ea typeface="Helvetica Neue" panose="02000503000000020004" pitchFamily="2" charset="0"/>
+                <a:cs typeface="Helvetica Neue" panose="02000503000000020004" pitchFamily="2" charset="0"/>
+              </a:rPr>
+              <a:t>variables.scss</a:t>
+            </a:r>
+          </a:p>
+        </p:txBody>
+      </p:sp>
+    </p:spTree>
+    <p:extLst>
+      <p:ext uri="{BB962C8B-B14F-4D97-AF65-F5344CB8AC3E}">
+        <p14:creationId xmlns:p14="http://schemas.microsoft.com/office/powerpoint/2010/main" val="1986576456"/>
+      </p:ext>
+    </p:extLst>
+  </p:cSld>
+  <p:clrMapOvr>
+    <a:masterClrMapping/>
+  </p:clrMapOvr>
+</p:sld>
+</file>
+
 <file path=ppt/slides/slide2.xml><?xml version="1.0" encoding="utf-8"?>
 <p:sld xmlns:a="http://schemas.openxmlformats.org/drawingml/2006/main" xmlns:r="http://schemas.openxmlformats.org/officeDocument/2006/relationships" xmlns:p="http://schemas.openxmlformats.org/presentationml/2006/main">
   <p:cSld>
@@ -5256,6 +6540,414 @@
     <p:extLst>
       <p:ext uri="{BB962C8B-B14F-4D97-AF65-F5344CB8AC3E}">
         <p14:creationId xmlns:p14="http://schemas.microsoft.com/office/powerpoint/2010/main" val="1504237409"/>
+      </p:ext>
+    </p:extLst>
+  </p:cSld>
+  <p:clrMapOvr>
+    <a:masterClrMapping/>
+  </p:clrMapOvr>
+</p:sld>
+</file>
+
+<file path=ppt/slides/slide8.xml><?xml version="1.0" encoding="utf-8"?>
+<p:sld xmlns:a="http://schemas.openxmlformats.org/drawingml/2006/main" xmlns:r="http://schemas.openxmlformats.org/officeDocument/2006/relationships" xmlns:p="http://schemas.openxmlformats.org/presentationml/2006/main">
+  <p:cSld>
+    <p:spTree>
+      <p:nvGrpSpPr>
+        <p:cNvPr id="1" name=""/>
+        <p:cNvGrpSpPr/>
+        <p:nvPr/>
+      </p:nvGrpSpPr>
+      <p:grpSpPr>
+        <a:xfrm>
+          <a:off x="0" y="0"/>
+          <a:ext cx="0" cy="0"/>
+          <a:chOff x="0" y="0"/>
+          <a:chExt cx="0" cy="0"/>
+        </a:xfrm>
+      </p:grpSpPr>
+      <p:sp>
+        <p:nvSpPr>
+          <p:cNvPr id="2" name="Title 1">
+            <a:extLst>
+              <a:ext uri="{FF2B5EF4-FFF2-40B4-BE49-F238E27FC236}">
+                <a16:creationId xmlns:a16="http://schemas.microsoft.com/office/drawing/2014/main" id="{F8D9D734-5D67-AF4C-AB80-99D18AFC433A}"/>
+              </a:ext>
+            </a:extLst>
+          </p:cNvPr>
+          <p:cNvSpPr>
+            <a:spLocks noGrp="1"/>
+          </p:cNvSpPr>
+          <p:nvPr>
+            <p:ph type="title"/>
+          </p:nvPr>
+        </p:nvSpPr>
+        <p:spPr/>
+        <p:txBody>
+          <a:bodyPr>
+            <a:normAutofit/>
+          </a:bodyPr>
+          <a:lstStyle/>
+          <a:p>
+            <a:r>
+              <a:rPr lang="en-ID" sz="3600" dirty="0"/>
+              <a:t>Override Global SASS Variables in Ionic Applications</a:t>
+            </a:r>
+          </a:p>
+        </p:txBody>
+      </p:sp>
+      <p:pic>
+        <p:nvPicPr>
+          <p:cNvPr id="4" name="Picture 3">
+            <a:extLst>
+              <a:ext uri="{FF2B5EF4-FFF2-40B4-BE49-F238E27FC236}">
+                <a16:creationId xmlns:a16="http://schemas.microsoft.com/office/drawing/2014/main" id="{48BB8A78-379D-6941-B439-252A6E4C5983}"/>
+              </a:ext>
+            </a:extLst>
+          </p:cNvPr>
+          <p:cNvPicPr>
+            <a:picLocks noChangeAspect="1"/>
+          </p:cNvPicPr>
+          <p:nvPr/>
+        </p:nvPicPr>
+        <p:blipFill>
+          <a:blip r:embed="rId3"/>
+          <a:stretch>
+            <a:fillRect/>
+          </a:stretch>
+        </p:blipFill>
+        <p:spPr>
+          <a:xfrm>
+            <a:off x="1207851" y="1690688"/>
+            <a:ext cx="2559027" cy="4719839"/>
+          </a:xfrm>
+          <a:prstGeom prst="rect">
+            <a:avLst/>
+          </a:prstGeom>
+        </p:spPr>
+      </p:pic>
+      <p:cxnSp>
+        <p:nvCxnSpPr>
+          <p:cNvPr id="11" name="Elbow Connector 10">
+            <a:extLst>
+              <a:ext uri="{FF2B5EF4-FFF2-40B4-BE49-F238E27FC236}">
+                <a16:creationId xmlns:a16="http://schemas.microsoft.com/office/drawing/2014/main" id="{551C10DB-A90B-F243-B5A9-5B11757D0028}"/>
+              </a:ext>
+            </a:extLst>
+          </p:cNvPr>
+          <p:cNvCxnSpPr>
+            <a:cxnSpLocks/>
+          </p:cNvCxnSpPr>
+          <p:nvPr/>
+        </p:nvCxnSpPr>
+        <p:spPr>
+          <a:xfrm flipV="1">
+            <a:off x="3797410" y="2765011"/>
+            <a:ext cx="1581971" cy="1304799"/>
+          </a:xfrm>
+          <a:prstGeom prst="bentConnector3">
+            <a:avLst>
+              <a:gd name="adj1" fmla="val 50000"/>
+            </a:avLst>
+          </a:prstGeom>
+          <a:ln>
+            <a:tailEnd type="triangle"/>
+          </a:ln>
+        </p:spPr>
+        <p:style>
+          <a:lnRef idx="1">
+            <a:schemeClr val="accent1"/>
+          </a:lnRef>
+          <a:fillRef idx="0">
+            <a:schemeClr val="accent1"/>
+          </a:fillRef>
+          <a:effectRef idx="0">
+            <a:schemeClr val="accent1"/>
+          </a:effectRef>
+          <a:fontRef idx="minor">
+            <a:schemeClr val="tx1"/>
+          </a:fontRef>
+        </p:style>
+      </p:cxnSp>
+      <p:sp>
+        <p:nvSpPr>
+          <p:cNvPr id="13" name="TextBox 12">
+            <a:extLst>
+              <a:ext uri="{FF2B5EF4-FFF2-40B4-BE49-F238E27FC236}">
+                <a16:creationId xmlns:a16="http://schemas.microsoft.com/office/drawing/2014/main" id="{FCAD364D-F2E4-CD4C-A895-EF0456AD75C2}"/>
+              </a:ext>
+            </a:extLst>
+          </p:cNvPr>
+          <p:cNvSpPr txBox="1"/>
+          <p:nvPr/>
+        </p:nvSpPr>
+        <p:spPr>
+          <a:xfrm>
+            <a:off x="4132694" y="2326249"/>
+            <a:ext cx="1240532" cy="369332"/>
+          </a:xfrm>
+          <a:prstGeom prst="rect">
+            <a:avLst/>
+          </a:prstGeom>
+          <a:noFill/>
+        </p:spPr>
+        <p:txBody>
+          <a:bodyPr wrap="none" rtlCol="0">
+            <a:spAutoFit/>
+          </a:bodyPr>
+          <a:lstStyle/>
+          <a:p>
+            <a:r>
+              <a:rPr lang="en-US" b="1" dirty="0">
+                <a:solidFill>
+                  <a:srgbClr val="436FBF"/>
+                </a:solidFill>
+              </a:rPr>
+              <a:t>home.html</a:t>
+            </a:r>
+          </a:p>
+        </p:txBody>
+      </p:sp>
+      <p:pic>
+        <p:nvPicPr>
+          <p:cNvPr id="6" name="Picture 5">
+            <a:extLst>
+              <a:ext uri="{FF2B5EF4-FFF2-40B4-BE49-F238E27FC236}">
+                <a16:creationId xmlns:a16="http://schemas.microsoft.com/office/drawing/2014/main" id="{AAAB9B21-8C1D-4142-BEEA-926B402E2A66}"/>
+              </a:ext>
+            </a:extLst>
+          </p:cNvPr>
+          <p:cNvPicPr>
+            <a:picLocks noChangeAspect="1"/>
+          </p:cNvPicPr>
+          <p:nvPr/>
+        </p:nvPicPr>
+        <p:blipFill>
+          <a:blip r:embed="rId4"/>
+          <a:stretch>
+            <a:fillRect/>
+          </a:stretch>
+        </p:blipFill>
+        <p:spPr>
+          <a:xfrm>
+            <a:off x="5478401" y="1860270"/>
+            <a:ext cx="5972674" cy="4380673"/>
+          </a:xfrm>
+          <a:prstGeom prst="rect">
+            <a:avLst/>
+          </a:prstGeom>
+        </p:spPr>
+      </p:pic>
+    </p:spTree>
+    <p:extLst>
+      <p:ext uri="{BB962C8B-B14F-4D97-AF65-F5344CB8AC3E}">
+        <p14:creationId xmlns:p14="http://schemas.microsoft.com/office/powerpoint/2010/main" val="7361161"/>
+      </p:ext>
+    </p:extLst>
+  </p:cSld>
+  <p:clrMapOvr>
+    <a:masterClrMapping/>
+  </p:clrMapOvr>
+</p:sld>
+</file>
+
+<file path=ppt/slides/slide9.xml><?xml version="1.0" encoding="utf-8"?>
+<p:sld xmlns:a="http://schemas.openxmlformats.org/drawingml/2006/main" xmlns:r="http://schemas.openxmlformats.org/officeDocument/2006/relationships" xmlns:p="http://schemas.openxmlformats.org/presentationml/2006/main">
+  <p:cSld>
+    <p:spTree>
+      <p:nvGrpSpPr>
+        <p:cNvPr id="1" name=""/>
+        <p:cNvGrpSpPr/>
+        <p:nvPr/>
+      </p:nvGrpSpPr>
+      <p:grpSpPr>
+        <a:xfrm>
+          <a:off x="0" y="0"/>
+          <a:ext cx="0" cy="0"/>
+          <a:chOff x="0" y="0"/>
+          <a:chExt cx="0" cy="0"/>
+        </a:xfrm>
+      </p:grpSpPr>
+      <p:sp>
+        <p:nvSpPr>
+          <p:cNvPr id="2" name="Title 1">
+            <a:extLst>
+              <a:ext uri="{FF2B5EF4-FFF2-40B4-BE49-F238E27FC236}">
+                <a16:creationId xmlns:a16="http://schemas.microsoft.com/office/drawing/2014/main" id="{F8D9D734-5D67-AF4C-AB80-99D18AFC433A}"/>
+              </a:ext>
+            </a:extLst>
+          </p:cNvPr>
+          <p:cNvSpPr>
+            <a:spLocks noGrp="1"/>
+          </p:cNvSpPr>
+          <p:nvPr>
+            <p:ph type="title"/>
+          </p:nvPr>
+        </p:nvSpPr>
+        <p:spPr/>
+        <p:txBody>
+          <a:bodyPr>
+            <a:normAutofit/>
+          </a:bodyPr>
+          <a:lstStyle/>
+          <a:p>
+            <a:r>
+              <a:rPr lang="en-ID" sz="3600" dirty="0"/>
+              <a:t>Override Global SASS Variables in Ionic Applications</a:t>
+            </a:r>
+          </a:p>
+        </p:txBody>
+      </p:sp>
+      <p:pic>
+        <p:nvPicPr>
+          <p:cNvPr id="4" name="Picture 3">
+            <a:extLst>
+              <a:ext uri="{FF2B5EF4-FFF2-40B4-BE49-F238E27FC236}">
+                <a16:creationId xmlns:a16="http://schemas.microsoft.com/office/drawing/2014/main" id="{48BB8A78-379D-6941-B439-252A6E4C5983}"/>
+              </a:ext>
+            </a:extLst>
+          </p:cNvPr>
+          <p:cNvPicPr>
+            <a:picLocks noChangeAspect="1"/>
+          </p:cNvPicPr>
+          <p:nvPr/>
+        </p:nvPicPr>
+        <p:blipFill rotWithShape="1">
+          <a:blip r:embed="rId3"/>
+          <a:srcRect r="-1812" b="57090"/>
+          <a:stretch/>
+        </p:blipFill>
+        <p:spPr>
+          <a:xfrm>
+            <a:off x="3898641" y="2050311"/>
+            <a:ext cx="4371540" cy="3398177"/>
+          </a:xfrm>
+          <a:prstGeom prst="rect">
+            <a:avLst/>
+          </a:prstGeom>
+        </p:spPr>
+      </p:pic>
+      <p:sp>
+        <p:nvSpPr>
+          <p:cNvPr id="3" name="Frame 2">
+            <a:extLst>
+              <a:ext uri="{FF2B5EF4-FFF2-40B4-BE49-F238E27FC236}">
+                <a16:creationId xmlns:a16="http://schemas.microsoft.com/office/drawing/2014/main" id="{035B2E6D-C21D-124A-BA75-6329F3D1BD87}"/>
+              </a:ext>
+            </a:extLst>
+          </p:cNvPr>
+          <p:cNvSpPr/>
+          <p:nvPr/>
+        </p:nvSpPr>
+        <p:spPr>
+          <a:xfrm>
+            <a:off x="3898641" y="2990460"/>
+            <a:ext cx="561475" cy="2458028"/>
+          </a:xfrm>
+          <a:prstGeom prst="frame">
+            <a:avLst/>
+          </a:prstGeom>
+          <a:solidFill>
+            <a:schemeClr val="accent2"/>
+          </a:solidFill>
+          <a:ln>
+            <a:solidFill>
+              <a:schemeClr val="accent2"/>
+            </a:solidFill>
+          </a:ln>
+        </p:spPr>
+        <p:style>
+          <a:lnRef idx="2">
+            <a:schemeClr val="accent1">
+              <a:shade val="50000"/>
+            </a:schemeClr>
+          </a:lnRef>
+          <a:fillRef idx="1">
+            <a:schemeClr val="accent1"/>
+          </a:fillRef>
+          <a:effectRef idx="0">
+            <a:schemeClr val="accent1"/>
+          </a:effectRef>
+          <a:fontRef idx="minor">
+            <a:schemeClr val="lt1"/>
+          </a:fontRef>
+        </p:style>
+        <p:txBody>
+          <a:bodyPr rtlCol="0" anchor="ctr"/>
+          <a:lstStyle/>
+          <a:p>
+            <a:pPr algn="ctr"/>
+            <a:endParaRPr lang="en-US">
+              <a:solidFill>
+                <a:schemeClr val="tx1"/>
+              </a:solidFill>
+            </a:endParaRPr>
+          </a:p>
+        </p:txBody>
+      </p:sp>
+      <p:sp>
+        <p:nvSpPr>
+          <p:cNvPr id="5" name="TextBox 4">
+            <a:extLst>
+              <a:ext uri="{FF2B5EF4-FFF2-40B4-BE49-F238E27FC236}">
+                <a16:creationId xmlns:a16="http://schemas.microsoft.com/office/drawing/2014/main" id="{97678F7E-F596-034B-94EA-BBF492E41566}"/>
+              </a:ext>
+            </a:extLst>
+          </p:cNvPr>
+          <p:cNvSpPr txBox="1"/>
+          <p:nvPr/>
+        </p:nvSpPr>
+        <p:spPr>
+          <a:xfrm>
+            <a:off x="2765511" y="5592667"/>
+            <a:ext cx="6250429" cy="1107996"/>
+          </a:xfrm>
+          <a:prstGeom prst="rect">
+            <a:avLst/>
+          </a:prstGeom>
+          <a:noFill/>
+        </p:spPr>
+        <p:txBody>
+          <a:bodyPr wrap="none" rtlCol="0">
+            <a:spAutoFit/>
+          </a:bodyPr>
+          <a:lstStyle/>
+          <a:p>
+            <a:pPr algn="ctr"/>
+            <a:r>
+              <a:rPr lang="en-ID" sz="2200" dirty="0">
+                <a:latin typeface="Helvetica Neue" panose="02000503000000020004" pitchFamily="2" charset="0"/>
+                <a:ea typeface="Helvetica Neue" panose="02000503000000020004" pitchFamily="2" charset="0"/>
+                <a:cs typeface="Helvetica Neue" panose="02000503000000020004" pitchFamily="2" charset="0"/>
+              </a:rPr>
+              <a:t>As you can see, the alignment of the two inputs </a:t>
+            </a:r>
+          </a:p>
+          <a:p>
+            <a:pPr algn="ctr"/>
+            <a:r>
+              <a:rPr lang="en-ID" sz="2200" dirty="0">
+                <a:latin typeface="Helvetica Neue" panose="02000503000000020004" pitchFamily="2" charset="0"/>
+                <a:ea typeface="Helvetica Neue" panose="02000503000000020004" pitchFamily="2" charset="0"/>
+                <a:cs typeface="Helvetica Neue" panose="02000503000000020004" pitchFamily="2" charset="0"/>
+              </a:rPr>
+              <a:t>does not match the left edge of the button. </a:t>
+            </a:r>
+          </a:p>
+          <a:p>
+            <a:pPr algn="ctr"/>
+            <a:endParaRPr lang="en-US" sz="2200" dirty="0">
+              <a:latin typeface="Helvetica Neue" panose="02000503000000020004" pitchFamily="2" charset="0"/>
+              <a:ea typeface="Helvetica Neue" panose="02000503000000020004" pitchFamily="2" charset="0"/>
+              <a:cs typeface="Helvetica Neue" panose="02000503000000020004" pitchFamily="2" charset="0"/>
+            </a:endParaRPr>
+          </a:p>
+        </p:txBody>
+      </p:sp>
+    </p:spTree>
+    <p:extLst>
+      <p:ext uri="{BB962C8B-B14F-4D97-AF65-F5344CB8AC3E}">
+        <p14:creationId xmlns:p14="http://schemas.microsoft.com/office/powerpoint/2010/main" val="203568269"/>
       </p:ext>
     </p:extLst>
   </p:cSld>

--- a/3. Design and Themes/Design and Theme.pptx
+++ b/3. Design and Themes/Design and Theme.pptx
@@ -5,7 +5,7 @@
     <p:sldMasterId id="2147483648" r:id="rId1"/>
   </p:sldMasterIdLst>
   <p:notesMasterIdLst>
-    <p:notesMasterId r:id="rId14"/>
+    <p:notesMasterId r:id="rId17"/>
   </p:notesMasterIdLst>
   <p:sldIdLst>
     <p:sldId id="256" r:id="rId2"/>
@@ -20,6 +20,9 @@
     <p:sldId id="266" r:id="rId11"/>
     <p:sldId id="267" r:id="rId12"/>
     <p:sldId id="268" r:id="rId13"/>
+    <p:sldId id="271" r:id="rId14"/>
+    <p:sldId id="272" r:id="rId15"/>
+    <p:sldId id="273" r:id="rId16"/>
   </p:sldIdLst>
   <p:sldSz cx="12192000" cy="6858000"/>
   <p:notesSz cx="6858000" cy="9144000"/>
@@ -531,124 +534,6 @@
           <a:bodyPr/>
           <a:lstStyle/>
           <a:p>
-            <a:pPr algn="ctr"/>
-            <a:r>
-              <a:rPr lang="en-ID" sz="1200" dirty="0">
-                <a:latin typeface="Helvetica Neue" panose="02000503000000020004" pitchFamily="2" charset="0"/>
-                <a:ea typeface="Helvetica Neue" panose="02000503000000020004" pitchFamily="2" charset="0"/>
-                <a:cs typeface="Helvetica Neue" panose="02000503000000020004" pitchFamily="2" charset="0"/>
-              </a:rPr>
-              <a:t>If we want more control, we can combine the </a:t>
-            </a:r>
-            <a:r>
-              <a:rPr lang="en-ID" sz="1200" dirty="0" err="1">
-                <a:latin typeface="Helvetica Neue" panose="02000503000000020004" pitchFamily="2" charset="0"/>
-                <a:ea typeface="Helvetica Neue" panose="02000503000000020004" pitchFamily="2" charset="0"/>
-                <a:cs typeface="Helvetica Neue" panose="02000503000000020004" pitchFamily="2" charset="0"/>
-              </a:rPr>
-              <a:t>colors</a:t>
-            </a:r>
-            <a:r>
-              <a:rPr lang="en-ID" sz="1200" dirty="0">
-                <a:latin typeface="Helvetica Neue" panose="02000503000000020004" pitchFamily="2" charset="0"/>
-                <a:ea typeface="Helvetica Neue" panose="02000503000000020004" pitchFamily="2" charset="0"/>
-                <a:cs typeface="Helvetica Neue" panose="02000503000000020004" pitchFamily="2" charset="0"/>
-              </a:rPr>
-              <a:t> further </a:t>
-            </a:r>
-          </a:p>
-          <a:p>
-            <a:pPr algn="ctr"/>
-            <a:r>
-              <a:rPr lang="en-ID" sz="1200" dirty="0">
-                <a:latin typeface="Helvetica Neue" panose="02000503000000020004" pitchFamily="2" charset="0"/>
-                <a:ea typeface="Helvetica Neue" panose="02000503000000020004" pitchFamily="2" charset="0"/>
-                <a:cs typeface="Helvetica Neue" panose="02000503000000020004" pitchFamily="2" charset="0"/>
-              </a:rPr>
-              <a:t>by setting the base </a:t>
-            </a:r>
-            <a:r>
-              <a:rPr lang="en-ID" sz="1200" dirty="0" err="1">
-                <a:latin typeface="Helvetica Neue" panose="02000503000000020004" pitchFamily="2" charset="0"/>
-                <a:ea typeface="Helvetica Neue" panose="02000503000000020004" pitchFamily="2" charset="0"/>
-                <a:cs typeface="Helvetica Neue" panose="02000503000000020004" pitchFamily="2" charset="0"/>
-              </a:rPr>
-              <a:t>color</a:t>
-            </a:r>
-            <a:r>
-              <a:rPr lang="en-ID" sz="1200" dirty="0">
-                <a:latin typeface="Helvetica Neue" panose="02000503000000020004" pitchFamily="2" charset="0"/>
-                <a:ea typeface="Helvetica Neue" panose="02000503000000020004" pitchFamily="2" charset="0"/>
-                <a:cs typeface="Helvetica Neue" panose="02000503000000020004" pitchFamily="2" charset="0"/>
-              </a:rPr>
-              <a:t> and its contrast </a:t>
-            </a:r>
-            <a:r>
-              <a:rPr lang="en-ID" sz="1200" dirty="0" err="1">
-                <a:latin typeface="Helvetica Neue" panose="02000503000000020004" pitchFamily="2" charset="0"/>
-                <a:ea typeface="Helvetica Neue" panose="02000503000000020004" pitchFamily="2" charset="0"/>
-                <a:cs typeface="Helvetica Neue" panose="02000503000000020004" pitchFamily="2" charset="0"/>
-              </a:rPr>
-              <a:t>color</a:t>
-            </a:r>
-            <a:r>
-              <a:rPr lang="en-ID" sz="1200" dirty="0">
-                <a:latin typeface="Helvetica Neue" panose="02000503000000020004" pitchFamily="2" charset="0"/>
-                <a:ea typeface="Helvetica Neue" panose="02000503000000020004" pitchFamily="2" charset="0"/>
-                <a:cs typeface="Helvetica Neue" panose="02000503000000020004" pitchFamily="2" charset="0"/>
-              </a:rPr>
-              <a:t>.</a:t>
-            </a:r>
-          </a:p>
-          <a:p>
-            <a:pPr algn="ctr"/>
-            <a:r>
-              <a:rPr lang="en-ID" sz="1200" dirty="0">
-                <a:latin typeface="Helvetica Neue" panose="02000503000000020004" pitchFamily="2" charset="0"/>
-                <a:ea typeface="Helvetica Neue" panose="02000503000000020004" pitchFamily="2" charset="0"/>
-                <a:cs typeface="Helvetica Neue" panose="02000503000000020004" pitchFamily="2" charset="0"/>
-              </a:rPr>
-              <a:t> We can see the result of the contrast </a:t>
-            </a:r>
-            <a:r>
-              <a:rPr lang="en-ID" sz="1200" dirty="0" err="1">
-                <a:latin typeface="Helvetica Neue" panose="02000503000000020004" pitchFamily="2" charset="0"/>
-                <a:ea typeface="Helvetica Neue" panose="02000503000000020004" pitchFamily="2" charset="0"/>
-                <a:cs typeface="Helvetica Neue" panose="02000503000000020004" pitchFamily="2" charset="0"/>
-              </a:rPr>
-              <a:t>color</a:t>
-            </a:r>
-            <a:r>
-              <a:rPr lang="en-ID" sz="1200" dirty="0">
-                <a:latin typeface="Helvetica Neue" panose="02000503000000020004" pitchFamily="2" charset="0"/>
-                <a:ea typeface="Helvetica Neue" panose="02000503000000020004" pitchFamily="2" charset="0"/>
-                <a:cs typeface="Helvetica Neue" panose="02000503000000020004" pitchFamily="2" charset="0"/>
-              </a:rPr>
-              <a:t> in how the text is </a:t>
-            </a:r>
-            <a:r>
-              <a:rPr lang="en-ID" sz="1200" dirty="0" err="1">
-                <a:latin typeface="Helvetica Neue" panose="02000503000000020004" pitchFamily="2" charset="0"/>
-                <a:ea typeface="Helvetica Neue" panose="02000503000000020004" pitchFamily="2" charset="0"/>
-                <a:cs typeface="Helvetica Neue" panose="02000503000000020004" pitchFamily="2" charset="0"/>
-              </a:rPr>
-              <a:t>colored</a:t>
-            </a:r>
-            <a:r>
-              <a:rPr lang="en-ID" sz="1200" dirty="0">
-                <a:latin typeface="Helvetica Neue" panose="02000503000000020004" pitchFamily="2" charset="0"/>
-                <a:ea typeface="Helvetica Neue" panose="02000503000000020004" pitchFamily="2" charset="0"/>
-                <a:cs typeface="Helvetica Neue" panose="02000503000000020004" pitchFamily="2" charset="0"/>
-              </a:rPr>
-              <a:t> in each button.</a:t>
-            </a:r>
-            <a:endParaRPr lang="en-US" sz="1200" dirty="0">
-              <a:latin typeface="Helvetica Neue" panose="02000503000000020004" pitchFamily="2" charset="0"/>
-              <a:ea typeface="Helvetica Neue" panose="02000503000000020004" pitchFamily="2" charset="0"/>
-              <a:cs typeface="Helvetica Neue" panose="02000503000000020004" pitchFamily="2" charset="0"/>
-            </a:endParaRPr>
-          </a:p>
-          <a:p>
             <a:endParaRPr lang="en-US" dirty="0"/>
           </a:p>
         </p:txBody>
@@ -670,7 +555,7 @@
           <a:p>
             <a:fld id="{FBFDB2CD-4BE4-A34F-8525-4BCDFACD1891}" type="slidenum">
               <a:rPr lang="en-US" smtClean="0"/>
-              <a:t>7</a:t>
+              <a:t>6</a:t>
             </a:fld>
             <a:endParaRPr lang="en-US"/>
           </a:p>
@@ -679,7 +564,7 @@
     </p:spTree>
     <p:extLst>
       <p:ext uri="{BB962C8B-B14F-4D97-AF65-F5344CB8AC3E}">
-        <p14:creationId xmlns:p14="http://schemas.microsoft.com/office/powerpoint/2010/main" val="302075242"/>
+        <p14:creationId xmlns:p14="http://schemas.microsoft.com/office/powerpoint/2010/main" val="2272091462"/>
       </p:ext>
     </p:extLst>
   </p:cSld>
@@ -733,32 +618,122 @@
           <a:bodyPr/>
           <a:lstStyle/>
           <a:p>
-            <a:r>
-              <a:rPr lang="en-ID" sz="1200" b="0" i="0" kern="1200" dirty="0">
-                <a:solidFill>
-                  <a:schemeClr val="tx1"/>
-                </a:solidFill>
-                <a:effectLst/>
-                <a:latin typeface="+mn-lt"/>
-                <a:ea typeface="+mn-ea"/>
-                <a:cs typeface="+mn-cs"/>
+            <a:pPr algn="ctr"/>
+            <a:r>
+              <a:rPr lang="en-ID" sz="1200" dirty="0">
+                <a:latin typeface="Helvetica Neue" panose="02000503000000020004" pitchFamily="2" charset="0"/>
+                <a:ea typeface="Helvetica Neue" panose="02000503000000020004" pitchFamily="2" charset="0"/>
+                <a:cs typeface="Helvetica Neue" panose="02000503000000020004" pitchFamily="2" charset="0"/>
               </a:rPr>
-              <a:t>When styling Ionic components, it's best to see if there is an existing SASS variable that you can set directly.</a:t>
-            </a:r>
-          </a:p>
-          <a:p>
-            <a:r>
-              <a:rPr lang="en-ID" sz="1200" b="0" i="0" kern="1200" dirty="0">
-                <a:solidFill>
-                  <a:schemeClr val="tx1"/>
-                </a:solidFill>
-                <a:effectLst/>
-                <a:latin typeface="+mn-lt"/>
-                <a:ea typeface="+mn-ea"/>
-                <a:cs typeface="+mn-cs"/>
+              <a:t>If we want more control, we can combine the </a:t>
+            </a:r>
+            <a:r>
+              <a:rPr lang="en-ID" sz="1200" dirty="0" err="1">
+                <a:latin typeface="Helvetica Neue" panose="02000503000000020004" pitchFamily="2" charset="0"/>
+                <a:ea typeface="Helvetica Neue" panose="02000503000000020004" pitchFamily="2" charset="0"/>
+                <a:cs typeface="Helvetica Neue" panose="02000503000000020004" pitchFamily="2" charset="0"/>
               </a:rPr>
-              <a:t>Here, we have the basics of a login form. Two inputs and a login button.</a:t>
-            </a:r>
+              <a:t>colors</a:t>
+            </a:r>
+            <a:r>
+              <a:rPr lang="en-ID" sz="1200" dirty="0">
+                <a:latin typeface="Helvetica Neue" panose="02000503000000020004" pitchFamily="2" charset="0"/>
+                <a:ea typeface="Helvetica Neue" panose="02000503000000020004" pitchFamily="2" charset="0"/>
+                <a:cs typeface="Helvetica Neue" panose="02000503000000020004" pitchFamily="2" charset="0"/>
+              </a:rPr>
+              <a:t> further </a:t>
+            </a:r>
+          </a:p>
+          <a:p>
+            <a:pPr algn="ctr"/>
+            <a:r>
+              <a:rPr lang="en-ID" sz="1200" dirty="0">
+                <a:latin typeface="Helvetica Neue" panose="02000503000000020004" pitchFamily="2" charset="0"/>
+                <a:ea typeface="Helvetica Neue" panose="02000503000000020004" pitchFamily="2" charset="0"/>
+                <a:cs typeface="Helvetica Neue" panose="02000503000000020004" pitchFamily="2" charset="0"/>
+              </a:rPr>
+              <a:t>by setting the base </a:t>
+            </a:r>
+            <a:r>
+              <a:rPr lang="en-ID" sz="1200" dirty="0" err="1">
+                <a:latin typeface="Helvetica Neue" panose="02000503000000020004" pitchFamily="2" charset="0"/>
+                <a:ea typeface="Helvetica Neue" panose="02000503000000020004" pitchFamily="2" charset="0"/>
+                <a:cs typeface="Helvetica Neue" panose="02000503000000020004" pitchFamily="2" charset="0"/>
+              </a:rPr>
+              <a:t>color</a:t>
+            </a:r>
+            <a:r>
+              <a:rPr lang="en-ID" sz="1200" dirty="0">
+                <a:latin typeface="Helvetica Neue" panose="02000503000000020004" pitchFamily="2" charset="0"/>
+                <a:ea typeface="Helvetica Neue" panose="02000503000000020004" pitchFamily="2" charset="0"/>
+                <a:cs typeface="Helvetica Neue" panose="02000503000000020004" pitchFamily="2" charset="0"/>
+              </a:rPr>
+              <a:t> and its contrast </a:t>
+            </a:r>
+            <a:r>
+              <a:rPr lang="en-ID" sz="1200" dirty="0" err="1">
+                <a:latin typeface="Helvetica Neue" panose="02000503000000020004" pitchFamily="2" charset="0"/>
+                <a:ea typeface="Helvetica Neue" panose="02000503000000020004" pitchFamily="2" charset="0"/>
+                <a:cs typeface="Helvetica Neue" panose="02000503000000020004" pitchFamily="2" charset="0"/>
+              </a:rPr>
+              <a:t>color</a:t>
+            </a:r>
+            <a:r>
+              <a:rPr lang="en-ID" sz="1200" dirty="0">
+                <a:latin typeface="Helvetica Neue" panose="02000503000000020004" pitchFamily="2" charset="0"/>
+                <a:ea typeface="Helvetica Neue" panose="02000503000000020004" pitchFamily="2" charset="0"/>
+                <a:cs typeface="Helvetica Neue" panose="02000503000000020004" pitchFamily="2" charset="0"/>
+              </a:rPr>
+              <a:t>.</a:t>
+            </a:r>
+          </a:p>
+          <a:p>
+            <a:pPr algn="ctr"/>
+            <a:r>
+              <a:rPr lang="en-ID" sz="1200" dirty="0">
+                <a:latin typeface="Helvetica Neue" panose="02000503000000020004" pitchFamily="2" charset="0"/>
+                <a:ea typeface="Helvetica Neue" panose="02000503000000020004" pitchFamily="2" charset="0"/>
+                <a:cs typeface="Helvetica Neue" panose="02000503000000020004" pitchFamily="2" charset="0"/>
+              </a:rPr>
+              <a:t> We can see the result of the contrast </a:t>
+            </a:r>
+            <a:r>
+              <a:rPr lang="en-ID" sz="1200" dirty="0" err="1">
+                <a:latin typeface="Helvetica Neue" panose="02000503000000020004" pitchFamily="2" charset="0"/>
+                <a:ea typeface="Helvetica Neue" panose="02000503000000020004" pitchFamily="2" charset="0"/>
+                <a:cs typeface="Helvetica Neue" panose="02000503000000020004" pitchFamily="2" charset="0"/>
+              </a:rPr>
+              <a:t>color</a:t>
+            </a:r>
+            <a:r>
+              <a:rPr lang="en-ID" sz="1200" dirty="0">
+                <a:latin typeface="Helvetica Neue" panose="02000503000000020004" pitchFamily="2" charset="0"/>
+                <a:ea typeface="Helvetica Neue" panose="02000503000000020004" pitchFamily="2" charset="0"/>
+                <a:cs typeface="Helvetica Neue" panose="02000503000000020004" pitchFamily="2" charset="0"/>
+              </a:rPr>
+              <a:t> in how the text is </a:t>
+            </a:r>
+            <a:r>
+              <a:rPr lang="en-ID" sz="1200" dirty="0" err="1">
+                <a:latin typeface="Helvetica Neue" panose="02000503000000020004" pitchFamily="2" charset="0"/>
+                <a:ea typeface="Helvetica Neue" panose="02000503000000020004" pitchFamily="2" charset="0"/>
+                <a:cs typeface="Helvetica Neue" panose="02000503000000020004" pitchFamily="2" charset="0"/>
+              </a:rPr>
+              <a:t>colored</a:t>
+            </a:r>
+            <a:r>
+              <a:rPr lang="en-ID" sz="1200" dirty="0">
+                <a:latin typeface="Helvetica Neue" panose="02000503000000020004" pitchFamily="2" charset="0"/>
+                <a:ea typeface="Helvetica Neue" panose="02000503000000020004" pitchFamily="2" charset="0"/>
+                <a:cs typeface="Helvetica Neue" panose="02000503000000020004" pitchFamily="2" charset="0"/>
+              </a:rPr>
+              <a:t> in each button.</a:t>
+            </a:r>
+            <a:endParaRPr lang="en-US" sz="1200" dirty="0">
+              <a:latin typeface="Helvetica Neue" panose="02000503000000020004" pitchFamily="2" charset="0"/>
+              <a:ea typeface="Helvetica Neue" panose="02000503000000020004" pitchFamily="2" charset="0"/>
+              <a:cs typeface="Helvetica Neue" panose="02000503000000020004" pitchFamily="2" charset="0"/>
+            </a:endParaRPr>
           </a:p>
           <a:p>
             <a:endParaRPr lang="en-US" dirty="0"/>
@@ -782,7 +757,7 @@
           <a:p>
             <a:fld id="{FBFDB2CD-4BE4-A34F-8525-4BCDFACD1891}" type="slidenum">
               <a:rPr lang="en-US" smtClean="0"/>
-              <a:t>8</a:t>
+              <a:t>7</a:t>
             </a:fld>
             <a:endParaRPr lang="en-US"/>
           </a:p>
@@ -791,7 +766,7 @@
     </p:spTree>
     <p:extLst>
       <p:ext uri="{BB962C8B-B14F-4D97-AF65-F5344CB8AC3E}">
-        <p14:creationId xmlns:p14="http://schemas.microsoft.com/office/powerpoint/2010/main" val="2477550054"/>
+        <p14:creationId xmlns:p14="http://schemas.microsoft.com/office/powerpoint/2010/main" val="302075242"/>
       </p:ext>
     </p:extLst>
   </p:cSld>
@@ -894,7 +869,7 @@
           <a:p>
             <a:fld id="{FBFDB2CD-4BE4-A34F-8525-4BCDFACD1891}" type="slidenum">
               <a:rPr lang="en-US" smtClean="0"/>
-              <a:t>9</a:t>
+              <a:t>8</a:t>
             </a:fld>
             <a:endParaRPr lang="en-US"/>
           </a:p>
@@ -903,7 +878,7 @@
     </p:spTree>
     <p:extLst>
       <p:ext uri="{BB962C8B-B14F-4D97-AF65-F5344CB8AC3E}">
-        <p14:creationId xmlns:p14="http://schemas.microsoft.com/office/powerpoint/2010/main" val="2224415591"/>
+        <p14:creationId xmlns:p14="http://schemas.microsoft.com/office/powerpoint/2010/main" val="2477550054"/>
       </p:ext>
     </p:extLst>
   </p:cSld>
@@ -967,12 +942,10 @@
                 <a:ea typeface="+mn-ea"/>
                 <a:cs typeface="+mn-cs"/>
               </a:rPr>
-              <a:t>To move the inputs over, we need to understand what is causing them to be shifted to the right. Opening Chrome's dev tools and using the elements inspector, we can select each of the DOM elements until we find the </a:t>
-            </a:r>
-            <a:r>
-              <a:rPr lang="en-ID" dirty="0"/>
-              <a:t>ion-item</a:t>
-            </a:r>
+              <a:t>When styling Ionic components, it's best to see if there is an existing SASS variable that you can set directly.</a:t>
+            </a:r>
+          </a:p>
+          <a:p>
             <a:r>
               <a:rPr lang="en-ID" sz="1200" b="0" i="0" kern="1200" dirty="0">
                 <a:solidFill>
@@ -983,24 +956,10 @@
                 <a:ea typeface="+mn-ea"/>
                 <a:cs typeface="+mn-cs"/>
               </a:rPr>
-              <a:t> that is introducing the </a:t>
-            </a:r>
-            <a:r>
-              <a:rPr lang="en-ID" dirty="0"/>
-              <a:t>padding-left</a:t>
-            </a:r>
-            <a:r>
-              <a:rPr lang="en-ID" sz="1200" b="0" i="0" kern="1200" dirty="0">
-                <a:solidFill>
-                  <a:schemeClr val="tx1"/>
-                </a:solidFill>
-                <a:effectLst/>
-                <a:latin typeface="+mn-lt"/>
-                <a:ea typeface="+mn-ea"/>
-                <a:cs typeface="+mn-cs"/>
-              </a:rPr>
-              <a:t> that is shifting our inputs over.</a:t>
-            </a:r>
+              <a:t>Here, we have the basics of a login form. Two inputs and a login button.</a:t>
+            </a:r>
+          </a:p>
+          <a:p>
             <a:endParaRPr lang="en-US" dirty="0"/>
           </a:p>
         </p:txBody>
@@ -1022,7 +981,7 @@
           <a:p>
             <a:fld id="{FBFDB2CD-4BE4-A34F-8525-4BCDFACD1891}" type="slidenum">
               <a:rPr lang="en-US" smtClean="0"/>
-              <a:t>10</a:t>
+              <a:t>9</a:t>
             </a:fld>
             <a:endParaRPr lang="en-US"/>
           </a:p>
@@ -1031,7 +990,7 @@
     </p:spTree>
     <p:extLst>
       <p:ext uri="{BB962C8B-B14F-4D97-AF65-F5344CB8AC3E}">
-        <p14:creationId xmlns:p14="http://schemas.microsoft.com/office/powerpoint/2010/main" val="1200345767"/>
+        <p14:creationId xmlns:p14="http://schemas.microsoft.com/office/powerpoint/2010/main" val="2224415591"/>
       </p:ext>
     </p:extLst>
   </p:cSld>
@@ -1095,6 +1054,134 @@
                 <a:ea typeface="+mn-ea"/>
                 <a:cs typeface="+mn-cs"/>
               </a:rPr>
+              <a:t>To move the inputs over, we need to understand what is causing them to be shifted to the right. Opening Chrome's dev tools and using the elements inspector, we can select each of the DOM elements until we find the </a:t>
+            </a:r>
+            <a:r>
+              <a:rPr lang="en-ID" dirty="0"/>
+              <a:t>ion-item</a:t>
+            </a:r>
+            <a:r>
+              <a:rPr lang="en-ID" sz="1200" b="0" i="0" kern="1200" dirty="0">
+                <a:solidFill>
+                  <a:schemeClr val="tx1"/>
+                </a:solidFill>
+                <a:effectLst/>
+                <a:latin typeface="+mn-lt"/>
+                <a:ea typeface="+mn-ea"/>
+                <a:cs typeface="+mn-cs"/>
+              </a:rPr>
+              <a:t> that is introducing the </a:t>
+            </a:r>
+            <a:r>
+              <a:rPr lang="en-ID" dirty="0"/>
+              <a:t>padding-left</a:t>
+            </a:r>
+            <a:r>
+              <a:rPr lang="en-ID" sz="1200" b="0" i="0" kern="1200" dirty="0">
+                <a:solidFill>
+                  <a:schemeClr val="tx1"/>
+                </a:solidFill>
+                <a:effectLst/>
+                <a:latin typeface="+mn-lt"/>
+                <a:ea typeface="+mn-ea"/>
+                <a:cs typeface="+mn-cs"/>
+              </a:rPr>
+              <a:t> that is shifting our inputs over.</a:t>
+            </a:r>
+            <a:endParaRPr lang="en-US" dirty="0"/>
+          </a:p>
+        </p:txBody>
+      </p:sp>
+      <p:sp>
+        <p:nvSpPr>
+          <p:cNvPr id="4" name="Slide Number Placeholder 3"/>
+          <p:cNvSpPr>
+            <a:spLocks noGrp="1"/>
+          </p:cNvSpPr>
+          <p:nvPr>
+            <p:ph type="sldNum" sz="quarter" idx="10"/>
+          </p:nvPr>
+        </p:nvSpPr>
+        <p:spPr/>
+        <p:txBody>
+          <a:bodyPr/>
+          <a:lstStyle/>
+          <a:p>
+            <a:fld id="{FBFDB2CD-4BE4-A34F-8525-4BCDFACD1891}" type="slidenum">
+              <a:rPr lang="en-US" smtClean="0"/>
+              <a:t>10</a:t>
+            </a:fld>
+            <a:endParaRPr lang="en-US"/>
+          </a:p>
+        </p:txBody>
+      </p:sp>
+    </p:spTree>
+    <p:extLst>
+      <p:ext uri="{BB962C8B-B14F-4D97-AF65-F5344CB8AC3E}">
+        <p14:creationId xmlns:p14="http://schemas.microsoft.com/office/powerpoint/2010/main" val="1200345767"/>
+      </p:ext>
+    </p:extLst>
+  </p:cSld>
+  <p:clrMapOvr>
+    <a:masterClrMapping/>
+  </p:clrMapOvr>
+</p:notes>
+</file>
+
+<file path=ppt/notesSlides/notesSlide6.xml><?xml version="1.0" encoding="utf-8"?>
+<p:notes xmlns:a="http://schemas.openxmlformats.org/drawingml/2006/main" xmlns:r="http://schemas.openxmlformats.org/officeDocument/2006/relationships" xmlns:p="http://schemas.openxmlformats.org/presentationml/2006/main">
+  <p:cSld>
+    <p:spTree>
+      <p:nvGrpSpPr>
+        <p:cNvPr id="1" name=""/>
+        <p:cNvGrpSpPr/>
+        <p:nvPr/>
+      </p:nvGrpSpPr>
+      <p:grpSpPr>
+        <a:xfrm>
+          <a:off x="0" y="0"/>
+          <a:ext cx="0" cy="0"/>
+          <a:chOff x="0" y="0"/>
+          <a:chExt cx="0" cy="0"/>
+        </a:xfrm>
+      </p:grpSpPr>
+      <p:sp>
+        <p:nvSpPr>
+          <p:cNvPr id="2" name="Slide Image Placeholder 1"/>
+          <p:cNvSpPr>
+            <a:spLocks noGrp="1" noRot="1" noChangeAspect="1"/>
+          </p:cNvSpPr>
+          <p:nvPr>
+            <p:ph type="sldImg"/>
+          </p:nvPr>
+        </p:nvSpPr>
+        <p:spPr/>
+      </p:sp>
+      <p:sp>
+        <p:nvSpPr>
+          <p:cNvPr id="3" name="Notes Placeholder 2"/>
+          <p:cNvSpPr>
+            <a:spLocks noGrp="1"/>
+          </p:cNvSpPr>
+          <p:nvPr>
+            <p:ph type="body" idx="1"/>
+          </p:nvPr>
+        </p:nvSpPr>
+        <p:spPr/>
+        <p:txBody>
+          <a:bodyPr/>
+          <a:lstStyle/>
+          <a:p>
+            <a:r>
+              <a:rPr lang="en-ID" sz="1200" b="0" i="0" kern="1200" dirty="0">
+                <a:solidFill>
+                  <a:schemeClr val="tx1"/>
+                </a:solidFill>
+                <a:effectLst/>
+                <a:latin typeface="+mn-lt"/>
+                <a:ea typeface="+mn-ea"/>
+                <a:cs typeface="+mn-cs"/>
+              </a:rPr>
               <a:t>Now, we could directly override these values, but I want to change this value globally in my application. To do this, first I'm going to see if the </a:t>
             </a:r>
             <a:r>
@@ -1309,7 +1396,7 @@
 </p:notes>
 </file>
 
-<file path=ppt/notesSlides/notesSlide6.xml><?xml version="1.0" encoding="utf-8"?>
+<file path=ppt/notesSlides/notesSlide7.xml><?xml version="1.0" encoding="utf-8"?>
 <p:notes xmlns:a="http://schemas.openxmlformats.org/drawingml/2006/main" xmlns:r="http://schemas.openxmlformats.org/officeDocument/2006/relationships" xmlns:p="http://schemas.openxmlformats.org/presentationml/2006/main">
   <p:cSld>
     <p:spTree>
@@ -4937,7 +5024,12 @@
             <p:ph type="title"/>
           </p:nvPr>
         </p:nvSpPr>
-        <p:spPr/>
+        <p:spPr>
+          <a:xfrm>
+            <a:off x="429208" y="365125"/>
+            <a:ext cx="10924592" cy="1325563"/>
+          </a:xfrm>
+        </p:spPr>
         <p:txBody>
           <a:bodyPr>
             <a:normAutofit/>
@@ -4945,9 +5037,12 @@
           <a:lstStyle/>
           <a:p>
             <a:r>
-              <a:rPr lang="en-ID" sz="3600" dirty="0"/>
+              <a:rPr lang="en-ID" sz="3600" dirty="0">
+                <a:latin typeface="Helvetica" pitchFamily="2" charset="0"/>
+              </a:rPr>
               <a:t>Override Global SASS Variables in Ionic Applications</a:t>
             </a:r>
+            <a:endParaRPr lang="en-ID" sz="3600" dirty="0"/>
           </a:p>
         </p:txBody>
       </p:sp>
@@ -5117,7 +5212,12 @@
             <p:ph type="title"/>
           </p:nvPr>
         </p:nvSpPr>
-        <p:spPr/>
+        <p:spPr>
+          <a:xfrm>
+            <a:off x="838199" y="365125"/>
+            <a:ext cx="10980577" cy="1325563"/>
+          </a:xfrm>
+        </p:spPr>
         <p:txBody>
           <a:bodyPr>
             <a:normAutofit/>
@@ -5125,9 +5225,12 @@
           <a:lstStyle/>
           <a:p>
             <a:r>
-              <a:rPr lang="en-ID" sz="3600" dirty="0"/>
+              <a:rPr lang="en-ID" sz="3600" dirty="0">
+                <a:latin typeface="Helvetica" pitchFamily="2" charset="0"/>
+              </a:rPr>
               <a:t>Override Global SASS Variables in Ionic Applications</a:t>
             </a:r>
+            <a:endParaRPr lang="en-ID" sz="3600" dirty="0"/>
           </a:p>
         </p:txBody>
       </p:sp>
@@ -5353,7 +5456,12 @@
             <p:ph type="title"/>
           </p:nvPr>
         </p:nvSpPr>
-        <p:spPr/>
+        <p:spPr>
+          <a:xfrm>
+            <a:off x="578498" y="365125"/>
+            <a:ext cx="11215396" cy="1325563"/>
+          </a:xfrm>
+        </p:spPr>
         <p:txBody>
           <a:bodyPr>
             <a:normAutofit/>
@@ -5361,9 +5469,12 @@
           <a:lstStyle/>
           <a:p>
             <a:r>
-              <a:rPr lang="en-ID" sz="3600" dirty="0"/>
+              <a:rPr lang="en-ID" sz="3600" dirty="0">
+                <a:latin typeface="Helvetica" pitchFamily="2" charset="0"/>
+              </a:rPr>
               <a:t>Override Global SASS Variables in Ionic Applications</a:t>
             </a:r>
+            <a:endParaRPr lang="en-ID" sz="3600" dirty="0"/>
           </a:p>
         </p:txBody>
       </p:sp>
@@ -5470,6 +5581,530 @@
     <p:extLst>
       <p:ext uri="{BB962C8B-B14F-4D97-AF65-F5344CB8AC3E}">
         <p14:creationId xmlns:p14="http://schemas.microsoft.com/office/powerpoint/2010/main" val="1986576456"/>
+      </p:ext>
+    </p:extLst>
+  </p:cSld>
+  <p:clrMapOvr>
+    <a:masterClrMapping/>
+  </p:clrMapOvr>
+</p:sld>
+</file>
+
+<file path=ppt/slides/slide13.xml><?xml version="1.0" encoding="utf-8"?>
+<p:sld xmlns:a="http://schemas.openxmlformats.org/drawingml/2006/main" xmlns:r="http://schemas.openxmlformats.org/officeDocument/2006/relationships" xmlns:p="http://schemas.openxmlformats.org/presentationml/2006/main">
+  <p:cSld>
+    <p:spTree>
+      <p:nvGrpSpPr>
+        <p:cNvPr id="1" name=""/>
+        <p:cNvGrpSpPr/>
+        <p:nvPr/>
+      </p:nvGrpSpPr>
+      <p:grpSpPr>
+        <a:xfrm>
+          <a:off x="0" y="0"/>
+          <a:ext cx="0" cy="0"/>
+          <a:chOff x="0" y="0"/>
+          <a:chExt cx="0" cy="0"/>
+        </a:xfrm>
+      </p:grpSpPr>
+      <p:sp>
+        <p:nvSpPr>
+          <p:cNvPr id="2" name="Title 1">
+            <a:extLst>
+              <a:ext uri="{FF2B5EF4-FFF2-40B4-BE49-F238E27FC236}">
+                <a16:creationId xmlns:a16="http://schemas.microsoft.com/office/drawing/2014/main" id="{C710704E-CFFD-B840-AD89-2D2E96211616}"/>
+              </a:ext>
+            </a:extLst>
+          </p:cNvPr>
+          <p:cNvSpPr>
+            <a:spLocks noGrp="1"/>
+          </p:cNvSpPr>
+          <p:nvPr>
+            <p:ph type="title"/>
+          </p:nvPr>
+        </p:nvSpPr>
+        <p:spPr/>
+        <p:txBody>
+          <a:bodyPr/>
+          <a:lstStyle/>
+          <a:p>
+            <a:r>
+              <a:rPr lang="en-ID" dirty="0">
+                <a:latin typeface="Helvetica" pitchFamily="2" charset="0"/>
+              </a:rPr>
+              <a:t>Set Ionic Config Parameters</a:t>
+            </a:r>
+            <a:endParaRPr lang="en-US" dirty="0">
+              <a:latin typeface="Helvetica" pitchFamily="2" charset="0"/>
+            </a:endParaRPr>
+          </a:p>
+        </p:txBody>
+      </p:sp>
+      <p:pic>
+        <p:nvPicPr>
+          <p:cNvPr id="5" name="Picture 4">
+            <a:extLst>
+              <a:ext uri="{FF2B5EF4-FFF2-40B4-BE49-F238E27FC236}">
+                <a16:creationId xmlns:a16="http://schemas.microsoft.com/office/drawing/2014/main" id="{2D0B96B9-C0D2-E849-A8FD-7A9A73072598}"/>
+              </a:ext>
+            </a:extLst>
+          </p:cNvPr>
+          <p:cNvPicPr>
+            <a:picLocks noChangeAspect="1"/>
+          </p:cNvPicPr>
+          <p:nvPr/>
+        </p:nvPicPr>
+        <p:blipFill>
+          <a:blip r:embed="rId2"/>
+          <a:stretch>
+            <a:fillRect/>
+          </a:stretch>
+        </p:blipFill>
+        <p:spPr>
+          <a:xfrm>
+            <a:off x="838200" y="2549104"/>
+            <a:ext cx="10284984" cy="3481744"/>
+          </a:xfrm>
+          <a:prstGeom prst="rect">
+            <a:avLst/>
+          </a:prstGeom>
+        </p:spPr>
+      </p:pic>
+      <p:sp>
+        <p:nvSpPr>
+          <p:cNvPr id="6" name="TextBox 5">
+            <a:extLst>
+              <a:ext uri="{FF2B5EF4-FFF2-40B4-BE49-F238E27FC236}">
+                <a16:creationId xmlns:a16="http://schemas.microsoft.com/office/drawing/2014/main" id="{10AF5C8A-A7A0-9D43-874C-22CC563B95DB}"/>
+              </a:ext>
+            </a:extLst>
+          </p:cNvPr>
+          <p:cNvSpPr txBox="1"/>
+          <p:nvPr/>
+        </p:nvSpPr>
+        <p:spPr>
+          <a:xfrm>
+            <a:off x="838200" y="1994134"/>
+            <a:ext cx="2273379" cy="461665"/>
+          </a:xfrm>
+          <a:prstGeom prst="rect">
+            <a:avLst/>
+          </a:prstGeom>
+          <a:noFill/>
+        </p:spPr>
+        <p:txBody>
+          <a:bodyPr wrap="none" rtlCol="0">
+            <a:spAutoFit/>
+          </a:bodyPr>
+          <a:lstStyle/>
+          <a:p>
+            <a:r>
+              <a:rPr lang="en-US" sz="2400" b="1" dirty="0">
+                <a:solidFill>
+                  <a:srgbClr val="436FBF"/>
+                </a:solidFill>
+                <a:latin typeface="Helvetica Neue" panose="02000503000000020004" pitchFamily="2" charset="0"/>
+                <a:ea typeface="Helvetica Neue" panose="02000503000000020004" pitchFamily="2" charset="0"/>
+                <a:cs typeface="Helvetica Neue" panose="02000503000000020004" pitchFamily="2" charset="0"/>
+              </a:rPr>
+              <a:t>app.module.ts</a:t>
+            </a:r>
+          </a:p>
+        </p:txBody>
+      </p:sp>
+    </p:spTree>
+    <p:extLst>
+      <p:ext uri="{BB962C8B-B14F-4D97-AF65-F5344CB8AC3E}">
+        <p14:creationId xmlns:p14="http://schemas.microsoft.com/office/powerpoint/2010/main" val="2716773706"/>
+      </p:ext>
+    </p:extLst>
+  </p:cSld>
+  <p:clrMapOvr>
+    <a:masterClrMapping/>
+  </p:clrMapOvr>
+</p:sld>
+</file>
+
+<file path=ppt/slides/slide14.xml><?xml version="1.0" encoding="utf-8"?>
+<p:sld xmlns:a="http://schemas.openxmlformats.org/drawingml/2006/main" xmlns:r="http://schemas.openxmlformats.org/officeDocument/2006/relationships" xmlns:p="http://schemas.openxmlformats.org/presentationml/2006/main">
+  <p:cSld>
+    <p:spTree>
+      <p:nvGrpSpPr>
+        <p:cNvPr id="1" name=""/>
+        <p:cNvGrpSpPr/>
+        <p:nvPr/>
+      </p:nvGrpSpPr>
+      <p:grpSpPr>
+        <a:xfrm>
+          <a:off x="0" y="0"/>
+          <a:ext cx="0" cy="0"/>
+          <a:chOff x="0" y="0"/>
+          <a:chExt cx="0" cy="0"/>
+        </a:xfrm>
+      </p:grpSpPr>
+      <p:sp>
+        <p:nvSpPr>
+          <p:cNvPr id="2" name="Title 1">
+            <a:extLst>
+              <a:ext uri="{FF2B5EF4-FFF2-40B4-BE49-F238E27FC236}">
+                <a16:creationId xmlns:a16="http://schemas.microsoft.com/office/drawing/2014/main" id="{C710704E-CFFD-B840-AD89-2D2E96211616}"/>
+              </a:ext>
+            </a:extLst>
+          </p:cNvPr>
+          <p:cNvSpPr>
+            <a:spLocks noGrp="1"/>
+          </p:cNvSpPr>
+          <p:nvPr>
+            <p:ph type="title"/>
+          </p:nvPr>
+        </p:nvSpPr>
+        <p:spPr/>
+        <p:txBody>
+          <a:bodyPr/>
+          <a:lstStyle/>
+          <a:p>
+            <a:r>
+              <a:rPr lang="en-ID" dirty="0">
+                <a:latin typeface="Helvetica" pitchFamily="2" charset="0"/>
+              </a:rPr>
+              <a:t>Set Ionic Config Parameters</a:t>
+            </a:r>
+            <a:endParaRPr lang="en-US" dirty="0">
+              <a:latin typeface="Helvetica" pitchFamily="2" charset="0"/>
+            </a:endParaRPr>
+          </a:p>
+        </p:txBody>
+      </p:sp>
+      <p:sp>
+        <p:nvSpPr>
+          <p:cNvPr id="6" name="TextBox 5">
+            <a:extLst>
+              <a:ext uri="{FF2B5EF4-FFF2-40B4-BE49-F238E27FC236}">
+                <a16:creationId xmlns:a16="http://schemas.microsoft.com/office/drawing/2014/main" id="{10AF5C8A-A7A0-9D43-874C-22CC563B95DB}"/>
+              </a:ext>
+            </a:extLst>
+          </p:cNvPr>
+          <p:cNvSpPr txBox="1"/>
+          <p:nvPr/>
+        </p:nvSpPr>
+        <p:spPr>
+          <a:xfrm>
+            <a:off x="838200" y="1229023"/>
+            <a:ext cx="2273379" cy="461665"/>
+          </a:xfrm>
+          <a:prstGeom prst="rect">
+            <a:avLst/>
+          </a:prstGeom>
+          <a:noFill/>
+        </p:spPr>
+        <p:txBody>
+          <a:bodyPr wrap="none" rtlCol="0">
+            <a:spAutoFit/>
+          </a:bodyPr>
+          <a:lstStyle/>
+          <a:p>
+            <a:r>
+              <a:rPr lang="en-US" sz="2400" b="1" dirty="0">
+                <a:solidFill>
+                  <a:srgbClr val="436FBF"/>
+                </a:solidFill>
+                <a:latin typeface="Helvetica Neue" panose="02000503000000020004" pitchFamily="2" charset="0"/>
+                <a:ea typeface="Helvetica Neue" panose="02000503000000020004" pitchFamily="2" charset="0"/>
+                <a:cs typeface="Helvetica Neue" panose="02000503000000020004" pitchFamily="2" charset="0"/>
+              </a:rPr>
+              <a:t>app.module.ts</a:t>
+            </a:r>
+          </a:p>
+        </p:txBody>
+      </p:sp>
+      <p:pic>
+        <p:nvPicPr>
+          <p:cNvPr id="9" name="Picture 8">
+            <a:extLst>
+              <a:ext uri="{FF2B5EF4-FFF2-40B4-BE49-F238E27FC236}">
+                <a16:creationId xmlns:a16="http://schemas.microsoft.com/office/drawing/2014/main" id="{A6ACE768-64A6-0848-929C-7A1361C3D614}"/>
+              </a:ext>
+            </a:extLst>
+          </p:cNvPr>
+          <p:cNvPicPr>
+            <a:picLocks noChangeAspect="1"/>
+          </p:cNvPicPr>
+          <p:nvPr/>
+        </p:nvPicPr>
+        <p:blipFill>
+          <a:blip r:embed="rId2"/>
+          <a:stretch>
+            <a:fillRect/>
+          </a:stretch>
+        </p:blipFill>
+        <p:spPr>
+          <a:xfrm>
+            <a:off x="838200" y="2069987"/>
+            <a:ext cx="3086100" cy="1600200"/>
+          </a:xfrm>
+          <a:prstGeom prst="rect">
+            <a:avLst/>
+          </a:prstGeom>
+        </p:spPr>
+      </p:pic>
+      <p:pic>
+        <p:nvPicPr>
+          <p:cNvPr id="10" name="Picture 9">
+            <a:extLst>
+              <a:ext uri="{FF2B5EF4-FFF2-40B4-BE49-F238E27FC236}">
+                <a16:creationId xmlns:a16="http://schemas.microsoft.com/office/drawing/2014/main" id="{59C3FEF9-CCD0-2648-AB68-25A2B4C8B207}"/>
+              </a:ext>
+            </a:extLst>
+          </p:cNvPr>
+          <p:cNvPicPr>
+            <a:picLocks noChangeAspect="1"/>
+          </p:cNvPicPr>
+          <p:nvPr/>
+        </p:nvPicPr>
+        <p:blipFill rotWithShape="1">
+          <a:blip r:embed="rId3"/>
+          <a:srcRect l="53051" t="-7847" b="-1"/>
+          <a:stretch/>
+        </p:blipFill>
+        <p:spPr>
+          <a:xfrm>
+            <a:off x="4712996" y="2363052"/>
+            <a:ext cx="6458234" cy="938948"/>
+          </a:xfrm>
+          <a:prstGeom prst="rect">
+            <a:avLst/>
+          </a:prstGeom>
+        </p:spPr>
+      </p:pic>
+      <p:pic>
+        <p:nvPicPr>
+          <p:cNvPr id="12" name="Picture 11">
+            <a:extLst>
+              <a:ext uri="{FF2B5EF4-FFF2-40B4-BE49-F238E27FC236}">
+                <a16:creationId xmlns:a16="http://schemas.microsoft.com/office/drawing/2014/main" id="{29F49C3D-11C7-104E-AC8C-1B9ED447A80A}"/>
+              </a:ext>
+            </a:extLst>
+          </p:cNvPr>
+          <p:cNvPicPr>
+            <a:picLocks noChangeAspect="1"/>
+          </p:cNvPicPr>
+          <p:nvPr/>
+        </p:nvPicPr>
+        <p:blipFill>
+          <a:blip r:embed="rId4"/>
+          <a:stretch>
+            <a:fillRect/>
+          </a:stretch>
+        </p:blipFill>
+        <p:spPr>
+          <a:xfrm>
+            <a:off x="838200" y="4049486"/>
+            <a:ext cx="3073400" cy="1625600"/>
+          </a:xfrm>
+          <a:prstGeom prst="rect">
+            <a:avLst/>
+          </a:prstGeom>
+        </p:spPr>
+      </p:pic>
+      <p:pic>
+        <p:nvPicPr>
+          <p:cNvPr id="14" name="Picture 13">
+            <a:extLst>
+              <a:ext uri="{FF2B5EF4-FFF2-40B4-BE49-F238E27FC236}">
+                <a16:creationId xmlns:a16="http://schemas.microsoft.com/office/drawing/2014/main" id="{A7D8E580-3B4F-1A42-8E58-0BE08FC281D5}"/>
+              </a:ext>
+            </a:extLst>
+          </p:cNvPr>
+          <p:cNvPicPr>
+            <a:picLocks noChangeAspect="1"/>
+          </p:cNvPicPr>
+          <p:nvPr/>
+        </p:nvPicPr>
+        <p:blipFill>
+          <a:blip r:embed="rId5"/>
+          <a:stretch>
+            <a:fillRect/>
+          </a:stretch>
+        </p:blipFill>
+        <p:spPr>
+          <a:xfrm>
+            <a:off x="4712996" y="4227286"/>
+            <a:ext cx="6448650" cy="852714"/>
+          </a:xfrm>
+          <a:prstGeom prst="rect">
+            <a:avLst/>
+          </a:prstGeom>
+        </p:spPr>
+      </p:pic>
+    </p:spTree>
+    <p:extLst>
+      <p:ext uri="{BB962C8B-B14F-4D97-AF65-F5344CB8AC3E}">
+        <p14:creationId xmlns:p14="http://schemas.microsoft.com/office/powerpoint/2010/main" val="2502559603"/>
+      </p:ext>
+    </p:extLst>
+  </p:cSld>
+  <p:clrMapOvr>
+    <a:masterClrMapping/>
+  </p:clrMapOvr>
+</p:sld>
+</file>
+
+<file path=ppt/slides/slide15.xml><?xml version="1.0" encoding="utf-8"?>
+<p:sld xmlns:a="http://schemas.openxmlformats.org/drawingml/2006/main" xmlns:r="http://schemas.openxmlformats.org/officeDocument/2006/relationships" xmlns:p="http://schemas.openxmlformats.org/presentationml/2006/main">
+  <p:cSld>
+    <p:spTree>
+      <p:nvGrpSpPr>
+        <p:cNvPr id="1" name=""/>
+        <p:cNvGrpSpPr/>
+        <p:nvPr/>
+      </p:nvGrpSpPr>
+      <p:grpSpPr>
+        <a:xfrm>
+          <a:off x="0" y="0"/>
+          <a:ext cx="0" cy="0"/>
+          <a:chOff x="0" y="0"/>
+          <a:chExt cx="0" cy="0"/>
+        </a:xfrm>
+      </p:grpSpPr>
+      <p:sp>
+        <p:nvSpPr>
+          <p:cNvPr id="2" name="Title 1">
+            <a:extLst>
+              <a:ext uri="{FF2B5EF4-FFF2-40B4-BE49-F238E27FC236}">
+                <a16:creationId xmlns:a16="http://schemas.microsoft.com/office/drawing/2014/main" id="{C710704E-CFFD-B840-AD89-2D2E96211616}"/>
+              </a:ext>
+            </a:extLst>
+          </p:cNvPr>
+          <p:cNvSpPr>
+            <a:spLocks noGrp="1"/>
+          </p:cNvSpPr>
+          <p:nvPr>
+            <p:ph type="title"/>
+          </p:nvPr>
+        </p:nvSpPr>
+        <p:spPr/>
+        <p:txBody>
+          <a:bodyPr/>
+          <a:lstStyle/>
+          <a:p>
+            <a:r>
+              <a:rPr lang="en-ID" dirty="0">
+                <a:latin typeface="Helvetica" pitchFamily="2" charset="0"/>
+              </a:rPr>
+              <a:t>Set Ionic Config Parameters</a:t>
+            </a:r>
+            <a:endParaRPr lang="en-US" dirty="0">
+              <a:latin typeface="Helvetica" pitchFamily="2" charset="0"/>
+            </a:endParaRPr>
+          </a:p>
+        </p:txBody>
+      </p:sp>
+      <p:sp>
+        <p:nvSpPr>
+          <p:cNvPr id="6" name="TextBox 5">
+            <a:extLst>
+              <a:ext uri="{FF2B5EF4-FFF2-40B4-BE49-F238E27FC236}">
+                <a16:creationId xmlns:a16="http://schemas.microsoft.com/office/drawing/2014/main" id="{10AF5C8A-A7A0-9D43-874C-22CC563B95DB}"/>
+              </a:ext>
+            </a:extLst>
+          </p:cNvPr>
+          <p:cNvSpPr txBox="1"/>
+          <p:nvPr/>
+        </p:nvSpPr>
+        <p:spPr>
+          <a:xfrm>
+            <a:off x="304878" y="1690688"/>
+            <a:ext cx="2273379" cy="461665"/>
+          </a:xfrm>
+          <a:prstGeom prst="rect">
+            <a:avLst/>
+          </a:prstGeom>
+          <a:noFill/>
+        </p:spPr>
+        <p:txBody>
+          <a:bodyPr wrap="none" rtlCol="0">
+            <a:spAutoFit/>
+          </a:bodyPr>
+          <a:lstStyle/>
+          <a:p>
+            <a:r>
+              <a:rPr lang="en-US" sz="2400" b="1" dirty="0">
+                <a:solidFill>
+                  <a:srgbClr val="436FBF"/>
+                </a:solidFill>
+                <a:latin typeface="Helvetica Neue" panose="02000503000000020004" pitchFamily="2" charset="0"/>
+                <a:ea typeface="Helvetica Neue" panose="02000503000000020004" pitchFamily="2" charset="0"/>
+                <a:cs typeface="Helvetica Neue" panose="02000503000000020004" pitchFamily="2" charset="0"/>
+              </a:rPr>
+              <a:t>app.module.ts</a:t>
+            </a:r>
+          </a:p>
+        </p:txBody>
+      </p:sp>
+      <p:pic>
+        <p:nvPicPr>
+          <p:cNvPr id="4" name="Picture 3">
+            <a:extLst>
+              <a:ext uri="{FF2B5EF4-FFF2-40B4-BE49-F238E27FC236}">
+                <a16:creationId xmlns:a16="http://schemas.microsoft.com/office/drawing/2014/main" id="{1F83B70D-6495-9443-B5E7-05E5D9EC0B0B}"/>
+              </a:ext>
+            </a:extLst>
+          </p:cNvPr>
+          <p:cNvPicPr>
+            <a:picLocks noChangeAspect="1"/>
+          </p:cNvPicPr>
+          <p:nvPr/>
+        </p:nvPicPr>
+        <p:blipFill>
+          <a:blip r:embed="rId2"/>
+          <a:stretch>
+            <a:fillRect/>
+          </a:stretch>
+        </p:blipFill>
+        <p:spPr>
+          <a:xfrm>
+            <a:off x="5784369" y="1690688"/>
+            <a:ext cx="5569431" cy="5003516"/>
+          </a:xfrm>
+          <a:prstGeom prst="rect">
+            <a:avLst/>
+          </a:prstGeom>
+        </p:spPr>
+      </p:pic>
+      <p:pic>
+        <p:nvPicPr>
+          <p:cNvPr id="7" name="Picture 6">
+            <a:extLst>
+              <a:ext uri="{FF2B5EF4-FFF2-40B4-BE49-F238E27FC236}">
+                <a16:creationId xmlns:a16="http://schemas.microsoft.com/office/drawing/2014/main" id="{420D8B53-A8AB-014A-BC39-CC0C2250E2CF}"/>
+              </a:ext>
+            </a:extLst>
+          </p:cNvPr>
+          <p:cNvPicPr>
+            <a:picLocks noChangeAspect="1"/>
+          </p:cNvPicPr>
+          <p:nvPr/>
+        </p:nvPicPr>
+        <p:blipFill>
+          <a:blip r:embed="rId3"/>
+          <a:stretch>
+            <a:fillRect/>
+          </a:stretch>
+        </p:blipFill>
+        <p:spPr>
+          <a:xfrm>
+            <a:off x="304878" y="2209800"/>
+            <a:ext cx="5232401" cy="3454400"/>
+          </a:xfrm>
+          <a:prstGeom prst="rect">
+            <a:avLst/>
+          </a:prstGeom>
+        </p:spPr>
+      </p:pic>
+    </p:spTree>
+    <p:extLst>
+      <p:ext uri="{BB962C8B-B14F-4D97-AF65-F5344CB8AC3E}">
+        <p14:creationId xmlns:p14="http://schemas.microsoft.com/office/powerpoint/2010/main" val="38925588"/>
       </p:ext>
     </p:extLst>
   </p:cSld>
@@ -5518,7 +6153,9 @@
           <a:lstStyle/>
           <a:p>
             <a:r>
-              <a:rPr lang="en-US" dirty="0"/>
+              <a:rPr lang="en-US" dirty="0">
+                <a:latin typeface="Helvetica" pitchFamily="2" charset="0"/>
+              </a:rPr>
               <a:t>Introduction </a:t>
             </a:r>
           </a:p>
@@ -5546,31 +6183,51 @@
           <a:lstStyle/>
           <a:p>
             <a:r>
-              <a:rPr lang="en-US" dirty="0"/>
+              <a:rPr lang="en-US" dirty="0">
+                <a:latin typeface="Helvetica Neue" panose="02000503000000020004" pitchFamily="2" charset="0"/>
+                <a:ea typeface="Helvetica Neue" panose="02000503000000020004" pitchFamily="2" charset="0"/>
+                <a:cs typeface="Helvetica Neue" panose="02000503000000020004" pitchFamily="2" charset="0"/>
+              </a:rPr>
               <a:t>Setting global Sass variables</a:t>
             </a:r>
           </a:p>
           <a:p>
             <a:r>
-              <a:rPr lang="en-US" dirty="0"/>
+              <a:rPr lang="en-US" dirty="0">
+                <a:latin typeface="Helvetica Neue" panose="02000503000000020004" pitchFamily="2" charset="0"/>
+                <a:ea typeface="Helvetica Neue" panose="02000503000000020004" pitchFamily="2" charset="0"/>
+                <a:cs typeface="Helvetica Neue" panose="02000503000000020004" pitchFamily="2" charset="0"/>
+              </a:rPr>
               <a:t>Defining style configuration properties</a:t>
             </a:r>
           </a:p>
           <a:p>
             <a:r>
-              <a:rPr lang="en-US" dirty="0"/>
+              <a:rPr lang="en-US" dirty="0">
+                <a:latin typeface="Helvetica Neue" panose="02000503000000020004" pitchFamily="2" charset="0"/>
+                <a:ea typeface="Helvetica Neue" panose="02000503000000020004" pitchFamily="2" charset="0"/>
+                <a:cs typeface="Helvetica Neue" panose="02000503000000020004" pitchFamily="2" charset="0"/>
+              </a:rPr>
               <a:t>Setting specific styles</a:t>
             </a:r>
           </a:p>
           <a:p>
             <a:r>
-              <a:rPr lang="en-US" dirty="0"/>
+              <a:rPr lang="en-US" dirty="0">
+                <a:latin typeface="Helvetica Neue" panose="02000503000000020004" pitchFamily="2" charset="0"/>
+                <a:ea typeface="Helvetica Neue" panose="02000503000000020004" pitchFamily="2" charset="0"/>
+                <a:cs typeface="Helvetica Neue" panose="02000503000000020004" pitchFamily="2" charset="0"/>
+              </a:rPr>
               <a:t>The foundation to build your customized application.</a:t>
             </a:r>
           </a:p>
           <a:p>
             <a:r>
-              <a:rPr lang="en-US" dirty="0"/>
+              <a:rPr lang="en-US" dirty="0">
+                <a:latin typeface="Helvetica Neue" panose="02000503000000020004" pitchFamily="2" charset="0"/>
+                <a:ea typeface="Helvetica Neue" panose="02000503000000020004" pitchFamily="2" charset="0"/>
+                <a:cs typeface="Helvetica Neue" panose="02000503000000020004" pitchFamily="2" charset="0"/>
+              </a:rPr>
               <a:t>How to use the built in CSS utilities to assist with many of he common layout needs</a:t>
             </a:r>
           </a:p>
@@ -5578,7 +6235,11 @@
             <a:pPr marL="0" indent="0">
               <a:buNone/>
             </a:pPr>
-            <a:endParaRPr lang="en-US" dirty="0"/>
+            <a:endParaRPr lang="en-US" dirty="0">
+              <a:latin typeface="Helvetica Neue" panose="02000503000000020004" pitchFamily="2" charset="0"/>
+              <a:ea typeface="Helvetica Neue" panose="02000503000000020004" pitchFamily="2" charset="0"/>
+              <a:cs typeface="Helvetica Neue" panose="02000503000000020004" pitchFamily="2" charset="0"/>
+            </a:endParaRPr>
           </a:p>
         </p:txBody>
       </p:sp>
@@ -5635,7 +6296,7 @@
           <a:p>
             <a:r>
               <a:rPr lang="en-US" dirty="0">
-                <a:latin typeface="Helvetica Neue Light" panose="02000403000000020004" pitchFamily="2" charset="0"/>
+                <a:latin typeface="Helvetica" pitchFamily="2" charset="0"/>
                 <a:ea typeface="Helvetica Neue Light" panose="02000403000000020004" pitchFamily="2" charset="0"/>
               </a:rPr>
               <a:t>Introduction ionic lab</a:t>
@@ -5758,7 +6419,11 @@
           <a:lstStyle/>
           <a:p>
             <a:r>
-              <a:rPr lang="en-ID" dirty="0"/>
+              <a:rPr lang="en-ID" dirty="0">
+                <a:latin typeface="Helvetica Neue" panose="02000503000000020004" pitchFamily="2" charset="0"/>
+                <a:ea typeface="Helvetica Neue" panose="02000503000000020004" pitchFamily="2" charset="0"/>
+                <a:cs typeface="Helvetica Neue" panose="02000503000000020004" pitchFamily="2" charset="0"/>
+              </a:rPr>
               <a:t>To change it to dark, we'll visit</a:t>
             </a:r>
             <a:r>
@@ -5766,6 +6431,9 @@
                 <a:solidFill>
                   <a:srgbClr val="7030A0"/>
                 </a:solidFill>
+                <a:latin typeface="Helvetica Neue" panose="02000503000000020004" pitchFamily="2" charset="0"/>
+                <a:ea typeface="Helvetica Neue" panose="02000503000000020004" pitchFamily="2" charset="0"/>
+                <a:cs typeface="Helvetica Neue" panose="02000503000000020004" pitchFamily="2" charset="0"/>
               </a:rPr>
               <a:t> </a:t>
             </a:r>
@@ -5774,6 +6442,9 @@
                 <a:solidFill>
                   <a:srgbClr val="7030A0"/>
                 </a:solidFill>
+                <a:latin typeface="Helvetica Neue" panose="02000503000000020004" pitchFamily="2" charset="0"/>
+                <a:ea typeface="Helvetica Neue" panose="02000503000000020004" pitchFamily="2" charset="0"/>
+                <a:cs typeface="Helvetica Neue" panose="02000503000000020004" pitchFamily="2" charset="0"/>
               </a:rPr>
               <a:t>/</a:t>
             </a:r>
@@ -5782,6 +6453,9 @@
                 <a:solidFill>
                   <a:srgbClr val="7030A0"/>
                 </a:solidFill>
+                <a:latin typeface="Helvetica Neue" panose="02000503000000020004" pitchFamily="2" charset="0"/>
+                <a:ea typeface="Helvetica Neue" panose="02000503000000020004" pitchFamily="2" charset="0"/>
+                <a:cs typeface="Helvetica Neue" panose="02000503000000020004" pitchFamily="2" charset="0"/>
               </a:rPr>
               <a:t>src</a:t>
             </a:r>
@@ -5790,6 +6464,9 @@
                 <a:solidFill>
                   <a:srgbClr val="7030A0"/>
                 </a:solidFill>
+                <a:latin typeface="Helvetica Neue" panose="02000503000000020004" pitchFamily="2" charset="0"/>
+                <a:ea typeface="Helvetica Neue" panose="02000503000000020004" pitchFamily="2" charset="0"/>
+                <a:cs typeface="Helvetica Neue" panose="02000503000000020004" pitchFamily="2" charset="0"/>
               </a:rPr>
               <a:t>/theme/</a:t>
             </a:r>
@@ -5798,24 +6475,43 @@
                 <a:solidFill>
                   <a:srgbClr val="7030A0"/>
                 </a:solidFill>
+                <a:latin typeface="Helvetica Neue" panose="02000503000000020004" pitchFamily="2" charset="0"/>
+                <a:ea typeface="Helvetica Neue" panose="02000503000000020004" pitchFamily="2" charset="0"/>
+                <a:cs typeface="Helvetica Neue" panose="02000503000000020004" pitchFamily="2" charset="0"/>
               </a:rPr>
               <a:t>variables.scss</a:t>
             </a:r>
             <a:r>
-              <a:rPr lang="en-ID" dirty="0"/>
+              <a:rPr lang="en-ID" dirty="0">
+                <a:latin typeface="Helvetica Neue" panose="02000503000000020004" pitchFamily="2" charset="0"/>
+                <a:ea typeface="Helvetica Neue" panose="02000503000000020004" pitchFamily="2" charset="0"/>
+                <a:cs typeface="Helvetica Neue" panose="02000503000000020004" pitchFamily="2" charset="0"/>
+              </a:rPr>
               <a:t> and at the bottom, we simply change:</a:t>
             </a:r>
             <a:br>
-              <a:rPr lang="en-ID" dirty="0"/>
+              <a:rPr lang="en-ID" dirty="0">
+                <a:latin typeface="Helvetica Neue" panose="02000503000000020004" pitchFamily="2" charset="0"/>
+                <a:ea typeface="Helvetica Neue" panose="02000503000000020004" pitchFamily="2" charset="0"/>
+                <a:cs typeface="Helvetica Neue" panose="02000503000000020004" pitchFamily="2" charset="0"/>
+              </a:rPr>
             </a:br>
-            <a:endParaRPr lang="en-ID" dirty="0"/>
+            <a:endParaRPr lang="en-ID" dirty="0">
+              <a:latin typeface="Helvetica Neue" panose="02000503000000020004" pitchFamily="2" charset="0"/>
+              <a:ea typeface="Helvetica Neue" panose="02000503000000020004" pitchFamily="2" charset="0"/>
+              <a:cs typeface="Helvetica Neue" panose="02000503000000020004" pitchFamily="2" charset="0"/>
+            </a:endParaRPr>
           </a:p>
           <a:p>
             <a:pPr marL="0" indent="0">
               <a:buNone/>
             </a:pPr>
             <a:r>
-              <a:rPr lang="en-ID" dirty="0"/>
+              <a:rPr lang="en-ID" dirty="0">
+                <a:latin typeface="Helvetica Neue" panose="02000503000000020004" pitchFamily="2" charset="0"/>
+                <a:ea typeface="Helvetica Neue" panose="02000503000000020004" pitchFamily="2" charset="0"/>
+                <a:cs typeface="Helvetica Neue" panose="02000503000000020004" pitchFamily="2" charset="0"/>
+              </a:rPr>
               <a:t>// From </a:t>
             </a:r>
           </a:p>
@@ -5828,6 +6524,9 @@
                 <a:solidFill>
                   <a:srgbClr val="7030A0"/>
                 </a:solidFill>
+                <a:latin typeface="Helvetica Neue" panose="02000503000000020004" pitchFamily="2" charset="0"/>
+                <a:ea typeface="Helvetica Neue" panose="02000503000000020004" pitchFamily="2" charset="0"/>
+                <a:cs typeface="Helvetica Neue" panose="02000503000000020004" pitchFamily="2" charset="0"/>
               </a:rPr>
               <a:t>@import "</a:t>
             </a:r>
@@ -5836,6 +6535,9 @@
                 <a:solidFill>
                   <a:srgbClr val="7030A0"/>
                 </a:solidFill>
+                <a:latin typeface="Helvetica Neue" panose="02000503000000020004" pitchFamily="2" charset="0"/>
+                <a:ea typeface="Helvetica Neue" panose="02000503000000020004" pitchFamily="2" charset="0"/>
+                <a:cs typeface="Helvetica Neue" panose="02000503000000020004" pitchFamily="2" charset="0"/>
               </a:rPr>
               <a:t>ionic.theme.default</a:t>
             </a:r>
@@ -5844,6 +6546,9 @@
                 <a:solidFill>
                   <a:srgbClr val="7030A0"/>
                 </a:solidFill>
+                <a:latin typeface="Helvetica Neue" panose="02000503000000020004" pitchFamily="2" charset="0"/>
+                <a:ea typeface="Helvetica Neue" panose="02000503000000020004" pitchFamily="2" charset="0"/>
+                <a:cs typeface="Helvetica Neue" panose="02000503000000020004" pitchFamily="2" charset="0"/>
               </a:rPr>
               <a:t>"; </a:t>
             </a:r>
@@ -5852,14 +6557,22 @@
             <a:pPr marL="0" indent="0">
               <a:buNone/>
             </a:pPr>
-            <a:endParaRPr lang="en-ID" dirty="0"/>
+            <a:endParaRPr lang="en-ID" dirty="0">
+              <a:latin typeface="Helvetica Neue" panose="02000503000000020004" pitchFamily="2" charset="0"/>
+              <a:ea typeface="Helvetica Neue" panose="02000503000000020004" pitchFamily="2" charset="0"/>
+              <a:cs typeface="Helvetica Neue" panose="02000503000000020004" pitchFamily="2" charset="0"/>
+            </a:endParaRPr>
           </a:p>
           <a:p>
             <a:pPr marL="0" indent="0">
               <a:buNone/>
             </a:pPr>
             <a:r>
-              <a:rPr lang="en-ID" dirty="0"/>
+              <a:rPr lang="en-ID" dirty="0">
+                <a:latin typeface="Helvetica Neue" panose="02000503000000020004" pitchFamily="2" charset="0"/>
+                <a:ea typeface="Helvetica Neue" panose="02000503000000020004" pitchFamily="2" charset="0"/>
+                <a:cs typeface="Helvetica Neue" panose="02000503000000020004" pitchFamily="2" charset="0"/>
+              </a:rPr>
               <a:t>// To </a:t>
             </a:r>
           </a:p>
@@ -5872,6 +6585,9 @@
                 <a:solidFill>
                   <a:srgbClr val="7030A0"/>
                 </a:solidFill>
+                <a:latin typeface="Helvetica Neue" panose="02000503000000020004" pitchFamily="2" charset="0"/>
+                <a:ea typeface="Helvetica Neue" panose="02000503000000020004" pitchFamily="2" charset="0"/>
+                <a:cs typeface="Helvetica Neue" panose="02000503000000020004" pitchFamily="2" charset="0"/>
               </a:rPr>
               <a:t>@import  "</a:t>
             </a:r>
@@ -5880,6 +6596,9 @@
                 <a:solidFill>
                   <a:srgbClr val="7030A0"/>
                 </a:solidFill>
+                <a:latin typeface="Helvetica Neue" panose="02000503000000020004" pitchFamily="2" charset="0"/>
+                <a:ea typeface="Helvetica Neue" panose="02000503000000020004" pitchFamily="2" charset="0"/>
+                <a:cs typeface="Helvetica Neue" panose="02000503000000020004" pitchFamily="2" charset="0"/>
               </a:rPr>
               <a:t>ionic.theme.dark</a:t>
             </a:r>
@@ -5888,6 +6607,9 @@
                 <a:solidFill>
                   <a:srgbClr val="7030A0"/>
                 </a:solidFill>
+                <a:latin typeface="Helvetica Neue" panose="02000503000000020004" pitchFamily="2" charset="0"/>
+                <a:ea typeface="Helvetica Neue" panose="02000503000000020004" pitchFamily="2" charset="0"/>
+                <a:cs typeface="Helvetica Neue" panose="02000503000000020004" pitchFamily="2" charset="0"/>
               </a:rPr>
               <a:t>";</a:t>
             </a:r>
@@ -5895,7 +6617,9 @@
               <a:solidFill>
                 <a:srgbClr val="7030A0"/>
               </a:solidFill>
-              <a:latin typeface="Helvetica" pitchFamily="2" charset="0"/>
+              <a:latin typeface="Helvetica Neue" panose="02000503000000020004" pitchFamily="2" charset="0"/>
+              <a:ea typeface="Helvetica Neue" panose="02000503000000020004" pitchFamily="2" charset="0"/>
+              <a:cs typeface="Helvetica Neue" panose="02000503000000020004" pitchFamily="2" charset="0"/>
             </a:endParaRPr>
           </a:p>
         </p:txBody>
@@ -5953,7 +6677,7 @@
           <a:p>
             <a:r>
               <a:rPr lang="en-US" dirty="0">
-                <a:latin typeface="Helvetica Neue Light" panose="02000403000000020004" pitchFamily="2" charset="0"/>
+                <a:latin typeface="Helvetica" pitchFamily="2" charset="0"/>
                 <a:ea typeface="Helvetica Neue Light" panose="02000403000000020004" pitchFamily="2" charset="0"/>
               </a:rPr>
               <a:t>Theme Dark</a:t>
@@ -6044,7 +6768,7 @@
           <a:p>
             <a:r>
               <a:rPr lang="en-US" dirty="0">
-                <a:latin typeface="Helvetica Neue Light" panose="02000403000000020004" pitchFamily="2" charset="0"/>
+                <a:latin typeface="Helvetica" pitchFamily="2" charset="0"/>
                 <a:ea typeface="Helvetica Neue Light" panose="02000403000000020004" pitchFamily="2" charset="0"/>
               </a:rPr>
               <a:t>Customize Ionic Default Theme Colors</a:t>
@@ -6067,7 +6791,7 @@
           <p:nvPr/>
         </p:nvPicPr>
         <p:blipFill>
-          <a:blip r:embed="rId2"/>
+          <a:blip r:embed="rId3"/>
           <a:stretch>
             <a:fillRect/>
           </a:stretch>
@@ -6184,7 +6908,7 @@
           <p:nvPr/>
         </p:nvPicPr>
         <p:blipFill>
-          <a:blip r:embed="rId3"/>
+          <a:blip r:embed="rId4"/>
           <a:stretch>
             <a:fillRect/>
           </a:stretch>
@@ -6214,7 +6938,7 @@
           <p:nvPr/>
         </p:nvPicPr>
         <p:blipFill>
-          <a:blip r:embed="rId4"/>
+          <a:blip r:embed="rId5"/>
           <a:stretch>
             <a:fillRect/>
           </a:stretch>
@@ -6244,7 +6968,7 @@
         <p:spPr>
           <a:xfrm>
             <a:off x="3977054" y="2326249"/>
-            <a:ext cx="1240532" cy="369332"/>
+            <a:ext cx="1353256" cy="369332"/>
           </a:xfrm>
           <a:prstGeom prst="rect">
             <a:avLst/>
@@ -6262,6 +6986,9 @@
                 <a:solidFill>
                   <a:srgbClr val="436FBF"/>
                 </a:solidFill>
+                <a:latin typeface="Helvetica Neue" panose="02000503000000020004" pitchFamily="2" charset="0"/>
+                <a:ea typeface="Helvetica Neue" panose="02000503000000020004" pitchFamily="2" charset="0"/>
+                <a:cs typeface="Helvetica Neue" panose="02000503000000020004" pitchFamily="2" charset="0"/>
               </a:rPr>
               <a:t>home.html</a:t>
             </a:r>
@@ -6282,8 +7009,8 @@
         </p:nvSpPr>
         <p:spPr>
           <a:xfrm>
-            <a:off x="3977054" y="5406251"/>
-            <a:ext cx="1473288" cy="369332"/>
+            <a:off x="3728203" y="5401852"/>
+            <a:ext cx="1744388" cy="369332"/>
           </a:xfrm>
           <a:prstGeom prst="rect">
             <a:avLst/>
@@ -6301,6 +7028,9 @@
                 <a:solidFill>
                   <a:srgbClr val="436FBF"/>
                 </a:solidFill>
+                <a:latin typeface="Helvetica Neue" panose="02000503000000020004" pitchFamily="2" charset="0"/>
+                <a:ea typeface="Helvetica Neue" panose="02000503000000020004" pitchFamily="2" charset="0"/>
+                <a:cs typeface="Helvetica Neue" panose="02000503000000020004" pitchFamily="2" charset="0"/>
               </a:rPr>
               <a:t>variables.scss</a:t>
             </a:r>
@@ -6360,7 +7090,7 @@
           <a:p>
             <a:r>
               <a:rPr lang="en-US" dirty="0">
-                <a:latin typeface="Helvetica Neue Light" panose="02000403000000020004" pitchFamily="2" charset="0"/>
+                <a:latin typeface="Helvetica" pitchFamily="2" charset="0"/>
                 <a:ea typeface="Helvetica Neue Light" panose="02000403000000020004" pitchFamily="2" charset="0"/>
               </a:rPr>
               <a:t>Customize Ionic Default Theme Colors</a:t>
@@ -6481,7 +7211,7 @@
         <p:spPr>
           <a:xfrm>
             <a:off x="4121433" y="3558750"/>
-            <a:ext cx="1473288" cy="369332"/>
+            <a:ext cx="1744388" cy="369332"/>
           </a:xfrm>
           <a:prstGeom prst="rect">
             <a:avLst/>
@@ -6501,6 +7231,9 @@
                     <a:lumMod val="75000"/>
                   </a:schemeClr>
                 </a:solidFill>
+                <a:latin typeface="Helvetica Neue" panose="02000503000000020004" pitchFamily="2" charset="0"/>
+                <a:ea typeface="Helvetica Neue" panose="02000503000000020004" pitchFamily="2" charset="0"/>
+                <a:cs typeface="Helvetica Neue" panose="02000503000000020004" pitchFamily="2" charset="0"/>
               </a:rPr>
               <a:t>variables.scss</a:t>
             </a:r>
@@ -6582,7 +7315,12 @@
             <p:ph type="title"/>
           </p:nvPr>
         </p:nvSpPr>
-        <p:spPr/>
+        <p:spPr>
+          <a:xfrm>
+            <a:off x="410547" y="365125"/>
+            <a:ext cx="11271379" cy="1325563"/>
+          </a:xfrm>
+        </p:spPr>
         <p:txBody>
           <a:bodyPr>
             <a:normAutofit/>
@@ -6590,7 +7328,9 @@
           <a:lstStyle/>
           <a:p>
             <a:r>
-              <a:rPr lang="en-ID" sz="3600" dirty="0"/>
+              <a:rPr lang="en-ID" sz="3600" dirty="0">
+                <a:latin typeface="Helvetica" pitchFamily="2" charset="0"/>
+              </a:rPr>
               <a:t>Override Global SASS Variables in Ionic Applications</a:t>
             </a:r>
           </a:p>
@@ -6684,7 +7424,7 @@
         <p:spPr>
           <a:xfrm>
             <a:off x="4132694" y="2326249"/>
-            <a:ext cx="1240532" cy="369332"/>
+            <a:ext cx="1353256" cy="369332"/>
           </a:xfrm>
           <a:prstGeom prst="rect">
             <a:avLst/>
@@ -6702,6 +7442,9 @@
                 <a:solidFill>
                   <a:srgbClr val="436FBF"/>
                 </a:solidFill>
+                <a:latin typeface="Helvetica Neue" panose="02000503000000020004" pitchFamily="2" charset="0"/>
+                <a:ea typeface="Helvetica Neue" panose="02000503000000020004" pitchFamily="2" charset="0"/>
+                <a:cs typeface="Helvetica Neue" panose="02000503000000020004" pitchFamily="2" charset="0"/>
               </a:rPr>
               <a:t>home.html</a:t>
             </a:r>
@@ -6784,7 +7527,12 @@
             <p:ph type="title"/>
           </p:nvPr>
         </p:nvSpPr>
-        <p:spPr/>
+        <p:spPr>
+          <a:xfrm>
+            <a:off x="485193" y="365125"/>
+            <a:ext cx="11140750" cy="1325563"/>
+          </a:xfrm>
+        </p:spPr>
         <p:txBody>
           <a:bodyPr>
             <a:normAutofit/>
@@ -6792,9 +7540,12 @@
           <a:lstStyle/>
           <a:p>
             <a:r>
-              <a:rPr lang="en-ID" sz="3600" dirty="0"/>
+              <a:rPr lang="en-ID" sz="3600" dirty="0">
+                <a:latin typeface="Helvetica" pitchFamily="2" charset="0"/>
+              </a:rPr>
               <a:t>Override Global SASS Variables in Ionic Applications</a:t>
             </a:r>
+            <a:endParaRPr lang="en-ID" sz="3600" dirty="0"/>
           </a:p>
         </p:txBody>
       </p:sp>

--- a/3. Design and Themes/Design and Theme.pptx
+++ b/3. Design and Themes/Design and Theme.pptx
@@ -5,7 +5,7 @@
     <p:sldMasterId id="2147483648" r:id="rId1"/>
   </p:sldMasterIdLst>
   <p:notesMasterIdLst>
-    <p:notesMasterId r:id="rId17"/>
+    <p:notesMasterId r:id="rId20"/>
   </p:notesMasterIdLst>
   <p:sldIdLst>
     <p:sldId id="256" r:id="rId2"/>
@@ -23,6 +23,9 @@
     <p:sldId id="271" r:id="rId14"/>
     <p:sldId id="272" r:id="rId15"/>
     <p:sldId id="273" r:id="rId16"/>
+    <p:sldId id="274" r:id="rId17"/>
+    <p:sldId id="276" r:id="rId18"/>
+    <p:sldId id="275" r:id="rId19"/>
   </p:sldIdLst>
   <p:sldSz cx="12192000" cy="6858000"/>
   <p:notesSz cx="6858000" cy="9144000"/>
@@ -223,7 +226,7 @@
           <a:p>
             <a:fld id="{D7D957CA-CF98-8043-9603-CE55C9AA4EB4}" type="datetimeFigureOut">
               <a:rPr lang="en-US" smtClean="0"/>
-              <a:t>11/13/18</a:t>
+              <a:t>11/14/18</a:t>
             </a:fld>
             <a:endParaRPr lang="en-US"/>
           </a:p>
@@ -1627,7 +1630,7 @@
           <a:p>
             <a:fld id="{46178A07-B99C-8645-B3C3-DADAA18BD985}" type="datetimeFigureOut">
               <a:rPr lang="en-US" smtClean="0"/>
-              <a:t>11/13/18</a:t>
+              <a:t>11/14/18</a:t>
             </a:fld>
             <a:endParaRPr lang="en-US"/>
           </a:p>
@@ -1825,7 +1828,7 @@
           <a:p>
             <a:fld id="{46178A07-B99C-8645-B3C3-DADAA18BD985}" type="datetimeFigureOut">
               <a:rPr lang="en-US" smtClean="0"/>
-              <a:t>11/13/18</a:t>
+              <a:t>11/14/18</a:t>
             </a:fld>
             <a:endParaRPr lang="en-US"/>
           </a:p>
@@ -2033,7 +2036,7 @@
           <a:p>
             <a:fld id="{46178A07-B99C-8645-B3C3-DADAA18BD985}" type="datetimeFigureOut">
               <a:rPr lang="en-US" smtClean="0"/>
-              <a:t>11/13/18</a:t>
+              <a:t>11/14/18</a:t>
             </a:fld>
             <a:endParaRPr lang="en-US"/>
           </a:p>
@@ -2231,7 +2234,7 @@
           <a:p>
             <a:fld id="{46178A07-B99C-8645-B3C3-DADAA18BD985}" type="datetimeFigureOut">
               <a:rPr lang="en-US" smtClean="0"/>
-              <a:t>11/13/18</a:t>
+              <a:t>11/14/18</a:t>
             </a:fld>
             <a:endParaRPr lang="en-US"/>
           </a:p>
@@ -2506,7 +2509,7 @@
           <a:p>
             <a:fld id="{46178A07-B99C-8645-B3C3-DADAA18BD985}" type="datetimeFigureOut">
               <a:rPr lang="en-US" smtClean="0"/>
-              <a:t>11/13/18</a:t>
+              <a:t>11/14/18</a:t>
             </a:fld>
             <a:endParaRPr lang="en-US"/>
           </a:p>
@@ -2771,7 +2774,7 @@
           <a:p>
             <a:fld id="{46178A07-B99C-8645-B3C3-DADAA18BD985}" type="datetimeFigureOut">
               <a:rPr lang="en-US" smtClean="0"/>
-              <a:t>11/13/18</a:t>
+              <a:t>11/14/18</a:t>
             </a:fld>
             <a:endParaRPr lang="en-US"/>
           </a:p>
@@ -3183,7 +3186,7 @@
           <a:p>
             <a:fld id="{46178A07-B99C-8645-B3C3-DADAA18BD985}" type="datetimeFigureOut">
               <a:rPr lang="en-US" smtClean="0"/>
-              <a:t>11/13/18</a:t>
+              <a:t>11/14/18</a:t>
             </a:fld>
             <a:endParaRPr lang="en-US"/>
           </a:p>
@@ -3324,7 +3327,7 @@
           <a:p>
             <a:fld id="{46178A07-B99C-8645-B3C3-DADAA18BD985}" type="datetimeFigureOut">
               <a:rPr lang="en-US" smtClean="0"/>
-              <a:t>11/13/18</a:t>
+              <a:t>11/14/18</a:t>
             </a:fld>
             <a:endParaRPr lang="en-US"/>
           </a:p>
@@ -3437,7 +3440,7 @@
           <a:p>
             <a:fld id="{46178A07-B99C-8645-B3C3-DADAA18BD985}" type="datetimeFigureOut">
               <a:rPr lang="en-US" smtClean="0"/>
-              <a:t>11/13/18</a:t>
+              <a:t>11/14/18</a:t>
             </a:fld>
             <a:endParaRPr lang="en-US"/>
           </a:p>
@@ -3748,7 +3751,7 @@
           <a:p>
             <a:fld id="{46178A07-B99C-8645-B3C3-DADAA18BD985}" type="datetimeFigureOut">
               <a:rPr lang="en-US" smtClean="0"/>
-              <a:t>11/13/18</a:t>
+              <a:t>11/14/18</a:t>
             </a:fld>
             <a:endParaRPr lang="en-US"/>
           </a:p>
@@ -4036,7 +4039,7 @@
           <a:p>
             <a:fld id="{46178A07-B99C-8645-B3C3-DADAA18BD985}" type="datetimeFigureOut">
               <a:rPr lang="en-US" smtClean="0"/>
-              <a:t>11/13/18</a:t>
+              <a:t>11/14/18</a:t>
             </a:fld>
             <a:endParaRPr lang="en-US"/>
           </a:p>
@@ -4277,7 +4280,7 @@
           <a:p>
             <a:fld id="{46178A07-B99C-8645-B3C3-DADAA18BD985}" type="datetimeFigureOut">
               <a:rPr lang="en-US" smtClean="0"/>
-              <a:t>11/13/18</a:t>
+              <a:t>11/14/18</a:t>
             </a:fld>
             <a:endParaRPr lang="en-US"/>
           </a:p>
@@ -6105,6 +6108,671 @@
     <p:extLst>
       <p:ext uri="{BB962C8B-B14F-4D97-AF65-F5344CB8AC3E}">
         <p14:creationId xmlns:p14="http://schemas.microsoft.com/office/powerpoint/2010/main" val="38925588"/>
+      </p:ext>
+    </p:extLst>
+  </p:cSld>
+  <p:clrMapOvr>
+    <a:masterClrMapping/>
+  </p:clrMapOvr>
+</p:sld>
+</file>
+
+<file path=ppt/slides/slide16.xml><?xml version="1.0" encoding="utf-8"?>
+<p:sld xmlns:a="http://schemas.openxmlformats.org/drawingml/2006/main" xmlns:r="http://schemas.openxmlformats.org/officeDocument/2006/relationships" xmlns:p="http://schemas.openxmlformats.org/presentationml/2006/main">
+  <p:cSld>
+    <p:spTree>
+      <p:nvGrpSpPr>
+        <p:cNvPr id="1" name=""/>
+        <p:cNvGrpSpPr/>
+        <p:nvPr/>
+      </p:nvGrpSpPr>
+      <p:grpSpPr>
+        <a:xfrm>
+          <a:off x="0" y="0"/>
+          <a:ext cx="0" cy="0"/>
+          <a:chOff x="0" y="0"/>
+          <a:chExt cx="0" cy="0"/>
+        </a:xfrm>
+      </p:grpSpPr>
+      <p:sp>
+        <p:nvSpPr>
+          <p:cNvPr id="2" name="Title 1">
+            <a:extLst>
+              <a:ext uri="{FF2B5EF4-FFF2-40B4-BE49-F238E27FC236}">
+                <a16:creationId xmlns:a16="http://schemas.microsoft.com/office/drawing/2014/main" id="{C710704E-CFFD-B840-AD89-2D2E96211616}"/>
+              </a:ext>
+            </a:extLst>
+          </p:cNvPr>
+          <p:cNvSpPr>
+            <a:spLocks noGrp="1"/>
+          </p:cNvSpPr>
+          <p:nvPr>
+            <p:ph type="title"/>
+          </p:nvPr>
+        </p:nvSpPr>
+        <p:spPr/>
+        <p:txBody>
+          <a:bodyPr>
+            <a:normAutofit/>
+          </a:bodyPr>
+          <a:lstStyle/>
+          <a:p>
+            <a:r>
+              <a:rPr lang="en-ID" sz="4000" dirty="0">
+                <a:latin typeface="Helvetica" pitchFamily="2" charset="0"/>
+              </a:rPr>
+              <a:t>Style an Ionic Component on a Single Page</a:t>
+            </a:r>
+            <a:endParaRPr lang="en-US" sz="4000" dirty="0">
+              <a:latin typeface="Helvetica" pitchFamily="2" charset="0"/>
+            </a:endParaRPr>
+          </a:p>
+        </p:txBody>
+      </p:sp>
+      <p:pic>
+        <p:nvPicPr>
+          <p:cNvPr id="5" name="Picture 4">
+            <a:extLst>
+              <a:ext uri="{FF2B5EF4-FFF2-40B4-BE49-F238E27FC236}">
+                <a16:creationId xmlns:a16="http://schemas.microsoft.com/office/drawing/2014/main" id="{29C561F3-3BB6-0644-B142-EAECEDE6C481}"/>
+              </a:ext>
+            </a:extLst>
+          </p:cNvPr>
+          <p:cNvPicPr>
+            <a:picLocks noChangeAspect="1"/>
+          </p:cNvPicPr>
+          <p:nvPr/>
+        </p:nvPicPr>
+        <p:blipFill>
+          <a:blip r:embed="rId2"/>
+          <a:stretch>
+            <a:fillRect/>
+          </a:stretch>
+        </p:blipFill>
+        <p:spPr>
+          <a:xfrm>
+            <a:off x="6154057" y="1392919"/>
+            <a:ext cx="5352220" cy="4761138"/>
+          </a:xfrm>
+          <a:prstGeom prst="rect">
+            <a:avLst/>
+          </a:prstGeom>
+        </p:spPr>
+      </p:pic>
+      <p:pic>
+        <p:nvPicPr>
+          <p:cNvPr id="10" name="Picture 9">
+            <a:extLst>
+              <a:ext uri="{FF2B5EF4-FFF2-40B4-BE49-F238E27FC236}">
+                <a16:creationId xmlns:a16="http://schemas.microsoft.com/office/drawing/2014/main" id="{E44F93C8-CB44-9649-BF9D-0D5CE01E0DD9}"/>
+              </a:ext>
+            </a:extLst>
+          </p:cNvPr>
+          <p:cNvPicPr>
+            <a:picLocks noChangeAspect="1"/>
+          </p:cNvPicPr>
+          <p:nvPr/>
+        </p:nvPicPr>
+        <p:blipFill>
+          <a:blip r:embed="rId3"/>
+          <a:stretch>
+            <a:fillRect/>
+          </a:stretch>
+        </p:blipFill>
+        <p:spPr>
+          <a:xfrm>
+            <a:off x="494182" y="1392919"/>
+            <a:ext cx="5443156" cy="4761138"/>
+          </a:xfrm>
+          <a:prstGeom prst="rect">
+            <a:avLst/>
+          </a:prstGeom>
+        </p:spPr>
+      </p:pic>
+      <p:sp>
+        <p:nvSpPr>
+          <p:cNvPr id="11" name="Chevron 10">
+            <a:extLst>
+              <a:ext uri="{FF2B5EF4-FFF2-40B4-BE49-F238E27FC236}">
+                <a16:creationId xmlns:a16="http://schemas.microsoft.com/office/drawing/2014/main" id="{E013BF6B-B382-9043-A37D-8361C5CD9595}"/>
+              </a:ext>
+            </a:extLst>
+          </p:cNvPr>
+          <p:cNvSpPr/>
+          <p:nvPr/>
+        </p:nvSpPr>
+        <p:spPr>
+          <a:xfrm>
+            <a:off x="5646555" y="3058544"/>
+            <a:ext cx="798286" cy="1063511"/>
+          </a:xfrm>
+          <a:prstGeom prst="chevron">
+            <a:avLst/>
+          </a:prstGeom>
+        </p:spPr>
+        <p:style>
+          <a:lnRef idx="2">
+            <a:schemeClr val="accent2">
+              <a:shade val="50000"/>
+            </a:schemeClr>
+          </a:lnRef>
+          <a:fillRef idx="1">
+            <a:schemeClr val="accent2"/>
+          </a:fillRef>
+          <a:effectRef idx="0">
+            <a:schemeClr val="accent2"/>
+          </a:effectRef>
+          <a:fontRef idx="minor">
+            <a:schemeClr val="lt1"/>
+          </a:fontRef>
+        </p:style>
+        <p:txBody>
+          <a:bodyPr rtlCol="0" anchor="ctr"/>
+          <a:lstStyle/>
+          <a:p>
+            <a:pPr algn="ctr"/>
+            <a:endParaRPr lang="en-US">
+              <a:solidFill>
+                <a:schemeClr val="tx1"/>
+              </a:solidFill>
+            </a:endParaRPr>
+          </a:p>
+        </p:txBody>
+      </p:sp>
+      <p:sp>
+        <p:nvSpPr>
+          <p:cNvPr id="12" name="TextBox 11">
+            <a:extLst>
+              <a:ext uri="{FF2B5EF4-FFF2-40B4-BE49-F238E27FC236}">
+                <a16:creationId xmlns:a16="http://schemas.microsoft.com/office/drawing/2014/main" id="{1011B418-3E7C-6B4B-B2B4-48A51339029E}"/>
+              </a:ext>
+            </a:extLst>
+          </p:cNvPr>
+          <p:cNvSpPr txBox="1"/>
+          <p:nvPr/>
+        </p:nvSpPr>
+        <p:spPr>
+          <a:xfrm>
+            <a:off x="9590176" y="6154057"/>
+            <a:ext cx="1763624" cy="461665"/>
+          </a:xfrm>
+          <a:prstGeom prst="rect">
+            <a:avLst/>
+          </a:prstGeom>
+          <a:noFill/>
+        </p:spPr>
+        <p:txBody>
+          <a:bodyPr wrap="none" rtlCol="0">
+            <a:spAutoFit/>
+          </a:bodyPr>
+          <a:lstStyle/>
+          <a:p>
+            <a:r>
+              <a:rPr lang="en-US" sz="2400" b="1" dirty="0" err="1">
+                <a:solidFill>
+                  <a:srgbClr val="436FBF"/>
+                </a:solidFill>
+                <a:latin typeface="Helvetica Neue" panose="02000503000000020004" pitchFamily="2" charset="0"/>
+                <a:ea typeface="Helvetica Neue" panose="02000503000000020004" pitchFamily="2" charset="0"/>
+                <a:cs typeface="Helvetica Neue" panose="02000503000000020004" pitchFamily="2" charset="0"/>
+              </a:rPr>
+              <a:t>about.html</a:t>
+            </a:r>
+            <a:endParaRPr lang="en-US" sz="2400" b="1" dirty="0">
+              <a:solidFill>
+                <a:srgbClr val="436FBF"/>
+              </a:solidFill>
+              <a:latin typeface="Helvetica Neue" panose="02000503000000020004" pitchFamily="2" charset="0"/>
+              <a:ea typeface="Helvetica Neue" panose="02000503000000020004" pitchFamily="2" charset="0"/>
+              <a:cs typeface="Helvetica Neue" panose="02000503000000020004" pitchFamily="2" charset="0"/>
+            </a:endParaRPr>
+          </a:p>
+        </p:txBody>
+      </p:sp>
+      <p:sp>
+        <p:nvSpPr>
+          <p:cNvPr id="13" name="Frame 12">
+            <a:extLst>
+              <a:ext uri="{FF2B5EF4-FFF2-40B4-BE49-F238E27FC236}">
+                <a16:creationId xmlns:a16="http://schemas.microsoft.com/office/drawing/2014/main" id="{83BF8738-9997-B940-BC30-A4D595AF582B}"/>
+              </a:ext>
+            </a:extLst>
+          </p:cNvPr>
+          <p:cNvSpPr/>
+          <p:nvPr/>
+        </p:nvSpPr>
+        <p:spPr>
+          <a:xfrm>
+            <a:off x="6256155" y="4412343"/>
+            <a:ext cx="1146130" cy="391886"/>
+          </a:xfrm>
+          <a:prstGeom prst="frame">
+            <a:avLst/>
+          </a:prstGeom>
+          <a:solidFill>
+            <a:schemeClr val="accent2"/>
+          </a:solidFill>
+          <a:ln>
+            <a:solidFill>
+              <a:schemeClr val="accent2"/>
+            </a:solidFill>
+          </a:ln>
+        </p:spPr>
+        <p:style>
+          <a:lnRef idx="2">
+            <a:schemeClr val="accent1">
+              <a:shade val="50000"/>
+            </a:schemeClr>
+          </a:lnRef>
+          <a:fillRef idx="1">
+            <a:schemeClr val="accent1"/>
+          </a:fillRef>
+          <a:effectRef idx="0">
+            <a:schemeClr val="accent1"/>
+          </a:effectRef>
+          <a:fontRef idx="minor">
+            <a:schemeClr val="lt1"/>
+          </a:fontRef>
+        </p:style>
+        <p:txBody>
+          <a:bodyPr rtlCol="0" anchor="ctr"/>
+          <a:lstStyle/>
+          <a:p>
+            <a:pPr algn="ctr"/>
+            <a:endParaRPr lang="en-US">
+              <a:solidFill>
+                <a:schemeClr val="tx1"/>
+              </a:solidFill>
+            </a:endParaRPr>
+          </a:p>
+        </p:txBody>
+      </p:sp>
+      <p:sp>
+        <p:nvSpPr>
+          <p:cNvPr id="14" name="Frame 13">
+            <a:extLst>
+              <a:ext uri="{FF2B5EF4-FFF2-40B4-BE49-F238E27FC236}">
+                <a16:creationId xmlns:a16="http://schemas.microsoft.com/office/drawing/2014/main" id="{28CE1294-A50E-184A-9CF9-6FE24B2D15F3}"/>
+              </a:ext>
+            </a:extLst>
+          </p:cNvPr>
+          <p:cNvSpPr/>
+          <p:nvPr/>
+        </p:nvSpPr>
+        <p:spPr>
+          <a:xfrm>
+            <a:off x="6154057" y="5334419"/>
+            <a:ext cx="2662772" cy="391886"/>
+          </a:xfrm>
+          <a:prstGeom prst="frame">
+            <a:avLst/>
+          </a:prstGeom>
+          <a:solidFill>
+            <a:schemeClr val="accent2"/>
+          </a:solidFill>
+          <a:ln>
+            <a:noFill/>
+          </a:ln>
+        </p:spPr>
+        <p:style>
+          <a:lnRef idx="2">
+            <a:schemeClr val="accent1">
+              <a:shade val="50000"/>
+            </a:schemeClr>
+          </a:lnRef>
+          <a:fillRef idx="1">
+            <a:schemeClr val="accent1"/>
+          </a:fillRef>
+          <a:effectRef idx="0">
+            <a:schemeClr val="accent1"/>
+          </a:effectRef>
+          <a:fontRef idx="minor">
+            <a:schemeClr val="lt1"/>
+          </a:fontRef>
+        </p:style>
+        <p:txBody>
+          <a:bodyPr rtlCol="0" anchor="ctr"/>
+          <a:lstStyle/>
+          <a:p>
+            <a:pPr algn="ctr"/>
+            <a:endParaRPr lang="en-US">
+              <a:solidFill>
+                <a:schemeClr val="tx1"/>
+              </a:solidFill>
+            </a:endParaRPr>
+          </a:p>
+        </p:txBody>
+      </p:sp>
+    </p:spTree>
+    <p:extLst>
+      <p:ext uri="{BB962C8B-B14F-4D97-AF65-F5344CB8AC3E}">
+        <p14:creationId xmlns:p14="http://schemas.microsoft.com/office/powerpoint/2010/main" val="1987987591"/>
+      </p:ext>
+    </p:extLst>
+  </p:cSld>
+  <p:clrMapOvr>
+    <a:masterClrMapping/>
+  </p:clrMapOvr>
+</p:sld>
+</file>
+
+<file path=ppt/slides/slide17.xml><?xml version="1.0" encoding="utf-8"?>
+<p:sld xmlns:a="http://schemas.openxmlformats.org/drawingml/2006/main" xmlns:r="http://schemas.openxmlformats.org/officeDocument/2006/relationships" xmlns:p="http://schemas.openxmlformats.org/presentationml/2006/main">
+  <p:cSld>
+    <p:spTree>
+      <p:nvGrpSpPr>
+        <p:cNvPr id="1" name=""/>
+        <p:cNvGrpSpPr/>
+        <p:nvPr/>
+      </p:nvGrpSpPr>
+      <p:grpSpPr>
+        <a:xfrm>
+          <a:off x="0" y="0"/>
+          <a:ext cx="0" cy="0"/>
+          <a:chOff x="0" y="0"/>
+          <a:chExt cx="0" cy="0"/>
+        </a:xfrm>
+      </p:grpSpPr>
+      <p:sp>
+        <p:nvSpPr>
+          <p:cNvPr id="2" name="Title 1">
+            <a:extLst>
+              <a:ext uri="{FF2B5EF4-FFF2-40B4-BE49-F238E27FC236}">
+                <a16:creationId xmlns:a16="http://schemas.microsoft.com/office/drawing/2014/main" id="{C710704E-CFFD-B840-AD89-2D2E96211616}"/>
+              </a:ext>
+            </a:extLst>
+          </p:cNvPr>
+          <p:cNvSpPr>
+            <a:spLocks noGrp="1"/>
+          </p:cNvSpPr>
+          <p:nvPr>
+            <p:ph type="title"/>
+          </p:nvPr>
+        </p:nvSpPr>
+        <p:spPr/>
+        <p:txBody>
+          <a:bodyPr>
+            <a:normAutofit/>
+          </a:bodyPr>
+          <a:lstStyle/>
+          <a:p>
+            <a:r>
+              <a:rPr lang="en-ID" sz="4000" dirty="0">
+                <a:latin typeface="Helvetica" pitchFamily="2" charset="0"/>
+              </a:rPr>
+              <a:t>Style an Ionic Component on a Single Page</a:t>
+            </a:r>
+            <a:endParaRPr lang="en-US" sz="4000" dirty="0">
+              <a:latin typeface="Helvetica" pitchFamily="2" charset="0"/>
+            </a:endParaRPr>
+          </a:p>
+        </p:txBody>
+      </p:sp>
+      <p:pic>
+        <p:nvPicPr>
+          <p:cNvPr id="5" name="Picture 4">
+            <a:extLst>
+              <a:ext uri="{FF2B5EF4-FFF2-40B4-BE49-F238E27FC236}">
+                <a16:creationId xmlns:a16="http://schemas.microsoft.com/office/drawing/2014/main" id="{6F07D465-C333-EE4E-A29E-8FC5AD4454E4}"/>
+              </a:ext>
+            </a:extLst>
+          </p:cNvPr>
+          <p:cNvPicPr>
+            <a:picLocks noChangeAspect="1"/>
+          </p:cNvPicPr>
+          <p:nvPr/>
+        </p:nvPicPr>
+        <p:blipFill>
+          <a:blip r:embed="rId2"/>
+          <a:stretch>
+            <a:fillRect/>
+          </a:stretch>
+        </p:blipFill>
+        <p:spPr>
+          <a:xfrm>
+            <a:off x="838200" y="1690688"/>
+            <a:ext cx="3835400" cy="3937000"/>
+          </a:xfrm>
+          <a:prstGeom prst="rect">
+            <a:avLst/>
+          </a:prstGeom>
+        </p:spPr>
+      </p:pic>
+      <p:pic>
+        <p:nvPicPr>
+          <p:cNvPr id="7" name="Picture 6">
+            <a:extLst>
+              <a:ext uri="{FF2B5EF4-FFF2-40B4-BE49-F238E27FC236}">
+                <a16:creationId xmlns:a16="http://schemas.microsoft.com/office/drawing/2014/main" id="{51CFD23D-C3A9-7D4A-A5E6-FC6CC50C3F48}"/>
+              </a:ext>
+            </a:extLst>
+          </p:cNvPr>
+          <p:cNvPicPr>
+            <a:picLocks noChangeAspect="1"/>
+          </p:cNvPicPr>
+          <p:nvPr/>
+        </p:nvPicPr>
+        <p:blipFill>
+          <a:blip r:embed="rId3"/>
+          <a:stretch>
+            <a:fillRect/>
+          </a:stretch>
+        </p:blipFill>
+        <p:spPr>
+          <a:xfrm>
+            <a:off x="5201587" y="1690688"/>
+            <a:ext cx="4313250" cy="4979935"/>
+          </a:xfrm>
+          <a:prstGeom prst="rect">
+            <a:avLst/>
+          </a:prstGeom>
+        </p:spPr>
+      </p:pic>
+      <p:sp>
+        <p:nvSpPr>
+          <p:cNvPr id="9" name="Frame 8">
+            <a:extLst>
+              <a:ext uri="{FF2B5EF4-FFF2-40B4-BE49-F238E27FC236}">
+                <a16:creationId xmlns:a16="http://schemas.microsoft.com/office/drawing/2014/main" id="{8F3291D4-2B13-094D-9F70-F9A7DA087D55}"/>
+              </a:ext>
+            </a:extLst>
+          </p:cNvPr>
+          <p:cNvSpPr/>
+          <p:nvPr/>
+        </p:nvSpPr>
+        <p:spPr>
+          <a:xfrm>
+            <a:off x="4764614" y="3267302"/>
+            <a:ext cx="5143884" cy="735072"/>
+          </a:xfrm>
+          <a:prstGeom prst="frame">
+            <a:avLst/>
+          </a:prstGeom>
+          <a:solidFill>
+            <a:schemeClr val="accent2"/>
+          </a:solidFill>
+          <a:ln>
+            <a:noFill/>
+          </a:ln>
+        </p:spPr>
+        <p:style>
+          <a:lnRef idx="2">
+            <a:schemeClr val="accent1">
+              <a:shade val="50000"/>
+            </a:schemeClr>
+          </a:lnRef>
+          <a:fillRef idx="1">
+            <a:schemeClr val="accent1"/>
+          </a:fillRef>
+          <a:effectRef idx="0">
+            <a:schemeClr val="accent1"/>
+          </a:effectRef>
+          <a:fontRef idx="minor">
+            <a:schemeClr val="lt1"/>
+          </a:fontRef>
+        </p:style>
+        <p:txBody>
+          <a:bodyPr rtlCol="0" anchor="ctr"/>
+          <a:lstStyle/>
+          <a:p>
+            <a:pPr algn="ctr"/>
+            <a:endParaRPr lang="en-US">
+              <a:solidFill>
+                <a:schemeClr val="tx1"/>
+              </a:solidFill>
+            </a:endParaRPr>
+          </a:p>
+        </p:txBody>
+      </p:sp>
+    </p:spTree>
+    <p:extLst>
+      <p:ext uri="{BB962C8B-B14F-4D97-AF65-F5344CB8AC3E}">
+        <p14:creationId xmlns:p14="http://schemas.microsoft.com/office/powerpoint/2010/main" val="3358306019"/>
+      </p:ext>
+    </p:extLst>
+  </p:cSld>
+  <p:clrMapOvr>
+    <a:masterClrMapping/>
+  </p:clrMapOvr>
+</p:sld>
+</file>
+
+<file path=ppt/slides/slide18.xml><?xml version="1.0" encoding="utf-8"?>
+<p:sld xmlns:a="http://schemas.openxmlformats.org/drawingml/2006/main" xmlns:r="http://schemas.openxmlformats.org/officeDocument/2006/relationships" xmlns:p="http://schemas.openxmlformats.org/presentationml/2006/main">
+  <p:cSld>
+    <p:spTree>
+      <p:nvGrpSpPr>
+        <p:cNvPr id="1" name=""/>
+        <p:cNvGrpSpPr/>
+        <p:nvPr/>
+      </p:nvGrpSpPr>
+      <p:grpSpPr>
+        <a:xfrm>
+          <a:off x="0" y="0"/>
+          <a:ext cx="0" cy="0"/>
+          <a:chOff x="0" y="0"/>
+          <a:chExt cx="0" cy="0"/>
+        </a:xfrm>
+      </p:grpSpPr>
+      <p:sp>
+        <p:nvSpPr>
+          <p:cNvPr id="2" name="Title 1">
+            <a:extLst>
+              <a:ext uri="{FF2B5EF4-FFF2-40B4-BE49-F238E27FC236}">
+                <a16:creationId xmlns:a16="http://schemas.microsoft.com/office/drawing/2014/main" id="{C710704E-CFFD-B840-AD89-2D2E96211616}"/>
+              </a:ext>
+            </a:extLst>
+          </p:cNvPr>
+          <p:cNvSpPr>
+            <a:spLocks noGrp="1"/>
+          </p:cNvSpPr>
+          <p:nvPr>
+            <p:ph type="title"/>
+          </p:nvPr>
+        </p:nvSpPr>
+        <p:spPr/>
+        <p:txBody>
+          <a:bodyPr>
+            <a:normAutofit/>
+          </a:bodyPr>
+          <a:lstStyle/>
+          <a:p>
+            <a:r>
+              <a:rPr lang="en-ID" sz="4000" dirty="0">
+                <a:latin typeface="Helvetica" pitchFamily="2" charset="0"/>
+              </a:rPr>
+              <a:t>Style an Ionic Component on a Single Page</a:t>
+            </a:r>
+            <a:endParaRPr lang="en-US" sz="4000" dirty="0">
+              <a:latin typeface="Helvetica" pitchFamily="2" charset="0"/>
+            </a:endParaRPr>
+          </a:p>
+        </p:txBody>
+      </p:sp>
+      <p:pic>
+        <p:nvPicPr>
+          <p:cNvPr id="4" name="Picture 3">
+            <a:extLst>
+              <a:ext uri="{FF2B5EF4-FFF2-40B4-BE49-F238E27FC236}">
+                <a16:creationId xmlns:a16="http://schemas.microsoft.com/office/drawing/2014/main" id="{B12ECF89-BEE3-4C4D-BDB5-5549B2E1C8E6}"/>
+              </a:ext>
+            </a:extLst>
+          </p:cNvPr>
+          <p:cNvPicPr>
+            <a:picLocks noChangeAspect="1"/>
+          </p:cNvPicPr>
+          <p:nvPr/>
+        </p:nvPicPr>
+        <p:blipFill>
+          <a:blip r:embed="rId2"/>
+          <a:stretch>
+            <a:fillRect/>
+          </a:stretch>
+        </p:blipFill>
+        <p:spPr>
+          <a:xfrm>
+            <a:off x="943132" y="2680039"/>
+            <a:ext cx="7099300" cy="2908300"/>
+          </a:xfrm>
+          <a:prstGeom prst="rect">
+            <a:avLst/>
+          </a:prstGeom>
+        </p:spPr>
+      </p:pic>
+      <p:sp>
+        <p:nvSpPr>
+          <p:cNvPr id="15" name="TextBox 14">
+            <a:extLst>
+              <a:ext uri="{FF2B5EF4-FFF2-40B4-BE49-F238E27FC236}">
+                <a16:creationId xmlns:a16="http://schemas.microsoft.com/office/drawing/2014/main" id="{2D3F58C7-DEF5-EE46-B377-1223C1BD5950}"/>
+              </a:ext>
+            </a:extLst>
+          </p:cNvPr>
+          <p:cNvSpPr txBox="1"/>
+          <p:nvPr/>
+        </p:nvSpPr>
+        <p:spPr>
+          <a:xfrm>
+            <a:off x="943132" y="2091723"/>
+            <a:ext cx="1784463" cy="461665"/>
+          </a:xfrm>
+          <a:prstGeom prst="rect">
+            <a:avLst/>
+          </a:prstGeom>
+          <a:noFill/>
+        </p:spPr>
+        <p:txBody>
+          <a:bodyPr wrap="none" rtlCol="0">
+            <a:spAutoFit/>
+          </a:bodyPr>
+          <a:lstStyle/>
+          <a:p>
+            <a:r>
+              <a:rPr lang="en-US" sz="2400" b="1" dirty="0" err="1">
+                <a:solidFill>
+                  <a:srgbClr val="436FBF"/>
+                </a:solidFill>
+                <a:latin typeface="Helvetica Neue" panose="02000503000000020004" pitchFamily="2" charset="0"/>
+                <a:ea typeface="Helvetica Neue" panose="02000503000000020004" pitchFamily="2" charset="0"/>
+                <a:cs typeface="Helvetica Neue" panose="02000503000000020004" pitchFamily="2" charset="0"/>
+              </a:rPr>
+              <a:t>about.sass</a:t>
+            </a:r>
+            <a:endParaRPr lang="en-US" sz="2400" b="1" dirty="0">
+              <a:solidFill>
+                <a:srgbClr val="436FBF"/>
+              </a:solidFill>
+              <a:latin typeface="Helvetica Neue" panose="02000503000000020004" pitchFamily="2" charset="0"/>
+              <a:ea typeface="Helvetica Neue" panose="02000503000000020004" pitchFamily="2" charset="0"/>
+              <a:cs typeface="Helvetica Neue" panose="02000503000000020004" pitchFamily="2" charset="0"/>
+            </a:endParaRPr>
+          </a:p>
+        </p:txBody>
+      </p:sp>
+    </p:spTree>
+    <p:extLst>
+      <p:ext uri="{BB962C8B-B14F-4D97-AF65-F5344CB8AC3E}">
+        <p14:creationId xmlns:p14="http://schemas.microsoft.com/office/powerpoint/2010/main" val="1368296396"/>
       </p:ext>
     </p:extLst>
   </p:cSld>
